--- a/docs/Buzz_Overview.pptx
+++ b/docs/Buzz_Overview.pptx
@@ -10,11 +10,13 @@
     <p:sldId id="259" r:id="rId4"/>
     <p:sldId id="262" r:id="rId5"/>
     <p:sldId id="263" r:id="rId6"/>
-    <p:sldId id="265" r:id="rId7"/>
-    <p:sldId id="268" r:id="rId8"/>
-    <p:sldId id="264" r:id="rId9"/>
-    <p:sldId id="266" r:id="rId10"/>
-    <p:sldId id="267" r:id="rId11"/>
+    <p:sldId id="469" r:id="rId7"/>
+    <p:sldId id="470" r:id="rId8"/>
+    <p:sldId id="471" r:id="rId9"/>
+    <p:sldId id="472" r:id="rId10"/>
+    <p:sldId id="473" r:id="rId11"/>
+    <p:sldId id="474" r:id="rId12"/>
+    <p:sldId id="475" r:id="rId13"/>
   </p:sldIdLst>
   <p:sldSz cx="9144000" cy="6858000" type="screen4x3"/>
   <p:notesSz cx="6858000" cy="9144000"/>
@@ -170,10 +172,9 @@
           <a:lstStyle/>
           <a:p>
             <a:r>
-              <a:rPr lang="en-US" smtClean="0"/>
+              <a:rPr lang="en-US"/>
               <a:t>Click to edit Master title style</a:t>
             </a:r>
-            <a:endParaRPr lang="en-US"/>
           </a:p>
         </p:txBody>
       </p:sp>
@@ -289,10 +290,9 @@
           </a:lstStyle>
           <a:p>
             <a:r>
-              <a:rPr lang="en-US" smtClean="0"/>
+              <a:rPr lang="en-US"/>
               <a:t>Click to edit Master subtitle style</a:t>
             </a:r>
-            <a:endParaRPr lang="en-US"/>
           </a:p>
         </p:txBody>
       </p:sp>
@@ -313,7 +313,7 @@
           <a:p>
             <a:fld id="{4B525E75-08D3-4EA0-AF93-E3FE3F52F3B9}" type="datetimeFigureOut">
               <a:rPr lang="en-US" smtClean="0"/>
-              <a:t>5/24/2016</a:t>
+              <a:t>1/16/2019</a:t>
             </a:fld>
             <a:endParaRPr lang="en-US"/>
           </a:p>
@@ -407,10 +407,9 @@
           <a:lstStyle/>
           <a:p>
             <a:r>
-              <a:rPr lang="en-US" smtClean="0"/>
+              <a:rPr lang="en-US"/>
               <a:t>Click to edit Master title style</a:t>
             </a:r>
-            <a:endParaRPr lang="en-US"/>
           </a:p>
         </p:txBody>
       </p:sp>
@@ -431,38 +430,37 @@
           <a:p>
             <a:pPr lvl="0"/>
             <a:r>
-              <a:rPr lang="en-US" smtClean="0"/>
+              <a:rPr lang="en-US"/>
               <a:t>Click to edit Master text styles</a:t>
             </a:r>
           </a:p>
           <a:p>
             <a:pPr lvl="1"/>
             <a:r>
-              <a:rPr lang="en-US" smtClean="0"/>
+              <a:rPr lang="en-US"/>
               <a:t>Second level</a:t>
             </a:r>
           </a:p>
           <a:p>
             <a:pPr lvl="2"/>
             <a:r>
-              <a:rPr lang="en-US" smtClean="0"/>
+              <a:rPr lang="en-US"/>
               <a:t>Third level</a:t>
             </a:r>
           </a:p>
           <a:p>
             <a:pPr lvl="3"/>
             <a:r>
-              <a:rPr lang="en-US" smtClean="0"/>
+              <a:rPr lang="en-US"/>
               <a:t>Fourth level</a:t>
             </a:r>
           </a:p>
           <a:p>
             <a:pPr lvl="4"/>
             <a:r>
-              <a:rPr lang="en-US" smtClean="0"/>
+              <a:rPr lang="en-US"/>
               <a:t>Fifth level</a:t>
             </a:r>
-            <a:endParaRPr lang="en-US"/>
           </a:p>
         </p:txBody>
       </p:sp>
@@ -483,7 +481,7 @@
           <a:p>
             <a:fld id="{4B525E75-08D3-4EA0-AF93-E3FE3F52F3B9}" type="datetimeFigureOut">
               <a:rPr lang="en-US" smtClean="0"/>
-              <a:t>5/24/2016</a:t>
+              <a:t>1/16/2019</a:t>
             </a:fld>
             <a:endParaRPr lang="en-US"/>
           </a:p>
@@ -582,10 +580,9 @@
           <a:lstStyle/>
           <a:p>
             <a:r>
-              <a:rPr lang="en-US" smtClean="0"/>
+              <a:rPr lang="en-US"/>
               <a:t>Click to edit Master title style</a:t>
             </a:r>
-            <a:endParaRPr lang="en-US"/>
           </a:p>
         </p:txBody>
       </p:sp>
@@ -611,38 +608,37 @@
           <a:p>
             <a:pPr lvl="0"/>
             <a:r>
-              <a:rPr lang="en-US" smtClean="0"/>
+              <a:rPr lang="en-US"/>
               <a:t>Click to edit Master text styles</a:t>
             </a:r>
           </a:p>
           <a:p>
             <a:pPr lvl="1"/>
             <a:r>
-              <a:rPr lang="en-US" smtClean="0"/>
+              <a:rPr lang="en-US"/>
               <a:t>Second level</a:t>
             </a:r>
           </a:p>
           <a:p>
             <a:pPr lvl="2"/>
             <a:r>
-              <a:rPr lang="en-US" smtClean="0"/>
+              <a:rPr lang="en-US"/>
               <a:t>Third level</a:t>
             </a:r>
           </a:p>
           <a:p>
             <a:pPr lvl="3"/>
             <a:r>
-              <a:rPr lang="en-US" smtClean="0"/>
+              <a:rPr lang="en-US"/>
               <a:t>Fourth level</a:t>
             </a:r>
           </a:p>
           <a:p>
             <a:pPr lvl="4"/>
             <a:r>
-              <a:rPr lang="en-US" smtClean="0"/>
+              <a:rPr lang="en-US"/>
               <a:t>Fifth level</a:t>
             </a:r>
-            <a:endParaRPr lang="en-US"/>
           </a:p>
         </p:txBody>
       </p:sp>
@@ -663,7 +659,7 @@
           <a:p>
             <a:fld id="{4B525E75-08D3-4EA0-AF93-E3FE3F52F3B9}" type="datetimeFigureOut">
               <a:rPr lang="en-US" smtClean="0"/>
-              <a:t>5/24/2016</a:t>
+              <a:t>1/16/2019</a:t>
             </a:fld>
             <a:endParaRPr lang="en-US"/>
           </a:p>
@@ -757,10 +753,9 @@
           <a:lstStyle/>
           <a:p>
             <a:r>
-              <a:rPr lang="en-US" smtClean="0"/>
+              <a:rPr lang="en-US"/>
               <a:t>Click to edit Master title style</a:t>
             </a:r>
-            <a:endParaRPr lang="en-US"/>
           </a:p>
         </p:txBody>
       </p:sp>
@@ -781,38 +776,37 @@
           <a:p>
             <a:pPr lvl="0"/>
             <a:r>
-              <a:rPr lang="en-US" smtClean="0"/>
+              <a:rPr lang="en-US"/>
               <a:t>Click to edit Master text styles</a:t>
             </a:r>
           </a:p>
           <a:p>
             <a:pPr lvl="1"/>
             <a:r>
-              <a:rPr lang="en-US" smtClean="0"/>
+              <a:rPr lang="en-US"/>
               <a:t>Second level</a:t>
             </a:r>
           </a:p>
           <a:p>
             <a:pPr lvl="2"/>
             <a:r>
-              <a:rPr lang="en-US" smtClean="0"/>
+              <a:rPr lang="en-US"/>
               <a:t>Third level</a:t>
             </a:r>
           </a:p>
           <a:p>
             <a:pPr lvl="3"/>
             <a:r>
-              <a:rPr lang="en-US" smtClean="0"/>
+              <a:rPr lang="en-US"/>
               <a:t>Fourth level</a:t>
             </a:r>
           </a:p>
           <a:p>
             <a:pPr lvl="4"/>
             <a:r>
-              <a:rPr lang="en-US" smtClean="0"/>
+              <a:rPr lang="en-US"/>
               <a:t>Fifth level</a:t>
             </a:r>
-            <a:endParaRPr lang="en-US"/>
           </a:p>
         </p:txBody>
       </p:sp>
@@ -833,7 +827,7 @@
           <a:p>
             <a:fld id="{4B525E75-08D3-4EA0-AF93-E3FE3F52F3B9}" type="datetimeFigureOut">
               <a:rPr lang="en-US" smtClean="0"/>
-              <a:t>5/24/2016</a:t>
+              <a:t>1/16/2019</a:t>
             </a:fld>
             <a:endParaRPr lang="en-US"/>
           </a:p>
@@ -936,10 +930,9 @@
           </a:lstStyle>
           <a:p>
             <a:r>
-              <a:rPr lang="en-US" smtClean="0"/>
+              <a:rPr lang="en-US"/>
               <a:t>Click to edit Master title style</a:t>
             </a:r>
-            <a:endParaRPr lang="en-US"/>
           </a:p>
         </p:txBody>
       </p:sp>
@@ -1056,7 +1049,7 @@
           <a:p>
             <a:pPr lvl="0"/>
             <a:r>
-              <a:rPr lang="en-US" smtClean="0"/>
+              <a:rPr lang="en-US"/>
               <a:t>Click to edit Master text styles</a:t>
             </a:r>
           </a:p>
@@ -1079,7 +1072,7 @@
           <a:p>
             <a:fld id="{4B525E75-08D3-4EA0-AF93-E3FE3F52F3B9}" type="datetimeFigureOut">
               <a:rPr lang="en-US" smtClean="0"/>
-              <a:t>5/24/2016</a:t>
+              <a:t>1/16/2019</a:t>
             </a:fld>
             <a:endParaRPr lang="en-US"/>
           </a:p>
@@ -1173,10 +1166,9 @@
           <a:lstStyle/>
           <a:p>
             <a:r>
-              <a:rPr lang="en-US" smtClean="0"/>
+              <a:rPr lang="en-US"/>
               <a:t>Click to edit Master title style</a:t>
             </a:r>
-            <a:endParaRPr lang="en-US"/>
           </a:p>
         </p:txBody>
       </p:sp>
@@ -1230,38 +1222,37 @@
           <a:p>
             <a:pPr lvl="0"/>
             <a:r>
-              <a:rPr lang="en-US" smtClean="0"/>
+              <a:rPr lang="en-US"/>
               <a:t>Click to edit Master text styles</a:t>
             </a:r>
           </a:p>
           <a:p>
             <a:pPr lvl="1"/>
             <a:r>
-              <a:rPr lang="en-US" smtClean="0"/>
+              <a:rPr lang="en-US"/>
               <a:t>Second level</a:t>
             </a:r>
           </a:p>
           <a:p>
             <a:pPr lvl="2"/>
             <a:r>
-              <a:rPr lang="en-US" smtClean="0"/>
+              <a:rPr lang="en-US"/>
               <a:t>Third level</a:t>
             </a:r>
           </a:p>
           <a:p>
             <a:pPr lvl="3"/>
             <a:r>
-              <a:rPr lang="en-US" smtClean="0"/>
+              <a:rPr lang="en-US"/>
               <a:t>Fourth level</a:t>
             </a:r>
           </a:p>
           <a:p>
             <a:pPr lvl="4"/>
             <a:r>
-              <a:rPr lang="en-US" smtClean="0"/>
+              <a:rPr lang="en-US"/>
               <a:t>Fifth level</a:t>
             </a:r>
-            <a:endParaRPr lang="en-US"/>
           </a:p>
         </p:txBody>
       </p:sp>
@@ -1315,38 +1306,37 @@
           <a:p>
             <a:pPr lvl="0"/>
             <a:r>
-              <a:rPr lang="en-US" smtClean="0"/>
+              <a:rPr lang="en-US"/>
               <a:t>Click to edit Master text styles</a:t>
             </a:r>
           </a:p>
           <a:p>
             <a:pPr lvl="1"/>
             <a:r>
-              <a:rPr lang="en-US" smtClean="0"/>
+              <a:rPr lang="en-US"/>
               <a:t>Second level</a:t>
             </a:r>
           </a:p>
           <a:p>
             <a:pPr lvl="2"/>
             <a:r>
-              <a:rPr lang="en-US" smtClean="0"/>
+              <a:rPr lang="en-US"/>
               <a:t>Third level</a:t>
             </a:r>
           </a:p>
           <a:p>
             <a:pPr lvl="3"/>
             <a:r>
-              <a:rPr lang="en-US" smtClean="0"/>
+              <a:rPr lang="en-US"/>
               <a:t>Fourth level</a:t>
             </a:r>
           </a:p>
           <a:p>
             <a:pPr lvl="4"/>
             <a:r>
-              <a:rPr lang="en-US" smtClean="0"/>
+              <a:rPr lang="en-US"/>
               <a:t>Fifth level</a:t>
             </a:r>
-            <a:endParaRPr lang="en-US"/>
           </a:p>
         </p:txBody>
       </p:sp>
@@ -1367,7 +1357,7 @@
           <a:p>
             <a:fld id="{4B525E75-08D3-4EA0-AF93-E3FE3F52F3B9}" type="datetimeFigureOut">
               <a:rPr lang="en-US" smtClean="0"/>
-              <a:t>5/24/2016</a:t>
+              <a:t>1/16/2019</a:t>
             </a:fld>
             <a:endParaRPr lang="en-US"/>
           </a:p>
@@ -1465,10 +1455,9 @@
           </a:lstStyle>
           <a:p>
             <a:r>
-              <a:rPr lang="en-US" smtClean="0"/>
+              <a:rPr lang="en-US"/>
               <a:t>Click to edit Master title style</a:t>
             </a:r>
-            <a:endParaRPr lang="en-US"/>
           </a:p>
         </p:txBody>
       </p:sp>
@@ -1531,7 +1520,7 @@
           <a:p>
             <a:pPr lvl="0"/>
             <a:r>
-              <a:rPr lang="en-US" smtClean="0"/>
+              <a:rPr lang="en-US"/>
               <a:t>Click to edit Master text styles</a:t>
             </a:r>
           </a:p>
@@ -1587,38 +1576,37 @@
           <a:p>
             <a:pPr lvl="0"/>
             <a:r>
-              <a:rPr lang="en-US" smtClean="0"/>
+              <a:rPr lang="en-US"/>
               <a:t>Click to edit Master text styles</a:t>
             </a:r>
           </a:p>
           <a:p>
             <a:pPr lvl="1"/>
             <a:r>
-              <a:rPr lang="en-US" smtClean="0"/>
+              <a:rPr lang="en-US"/>
               <a:t>Second level</a:t>
             </a:r>
           </a:p>
           <a:p>
             <a:pPr lvl="2"/>
             <a:r>
-              <a:rPr lang="en-US" smtClean="0"/>
+              <a:rPr lang="en-US"/>
               <a:t>Third level</a:t>
             </a:r>
           </a:p>
           <a:p>
             <a:pPr lvl="3"/>
             <a:r>
-              <a:rPr lang="en-US" smtClean="0"/>
+              <a:rPr lang="en-US"/>
               <a:t>Fourth level</a:t>
             </a:r>
           </a:p>
           <a:p>
             <a:pPr lvl="4"/>
             <a:r>
-              <a:rPr lang="en-US" smtClean="0"/>
+              <a:rPr lang="en-US"/>
               <a:t>Fifth level</a:t>
             </a:r>
-            <a:endParaRPr lang="en-US"/>
           </a:p>
         </p:txBody>
       </p:sp>
@@ -1681,7 +1669,7 @@
           <a:p>
             <a:pPr lvl="0"/>
             <a:r>
-              <a:rPr lang="en-US" smtClean="0"/>
+              <a:rPr lang="en-US"/>
               <a:t>Click to edit Master text styles</a:t>
             </a:r>
           </a:p>
@@ -1737,38 +1725,37 @@
           <a:p>
             <a:pPr lvl="0"/>
             <a:r>
-              <a:rPr lang="en-US" smtClean="0"/>
+              <a:rPr lang="en-US"/>
               <a:t>Click to edit Master text styles</a:t>
             </a:r>
           </a:p>
           <a:p>
             <a:pPr lvl="1"/>
             <a:r>
-              <a:rPr lang="en-US" smtClean="0"/>
+              <a:rPr lang="en-US"/>
               <a:t>Second level</a:t>
             </a:r>
           </a:p>
           <a:p>
             <a:pPr lvl="2"/>
             <a:r>
-              <a:rPr lang="en-US" smtClean="0"/>
+              <a:rPr lang="en-US"/>
               <a:t>Third level</a:t>
             </a:r>
           </a:p>
           <a:p>
             <a:pPr lvl="3"/>
             <a:r>
-              <a:rPr lang="en-US" smtClean="0"/>
+              <a:rPr lang="en-US"/>
               <a:t>Fourth level</a:t>
             </a:r>
           </a:p>
           <a:p>
             <a:pPr lvl="4"/>
             <a:r>
-              <a:rPr lang="en-US" smtClean="0"/>
+              <a:rPr lang="en-US"/>
               <a:t>Fifth level</a:t>
             </a:r>
-            <a:endParaRPr lang="en-US"/>
           </a:p>
         </p:txBody>
       </p:sp>
@@ -1789,7 +1776,7 @@
           <a:p>
             <a:fld id="{4B525E75-08D3-4EA0-AF93-E3FE3F52F3B9}" type="datetimeFigureOut">
               <a:rPr lang="en-US" smtClean="0"/>
-              <a:t>5/24/2016</a:t>
+              <a:t>1/16/2019</a:t>
             </a:fld>
             <a:endParaRPr lang="en-US"/>
           </a:p>
@@ -1883,10 +1870,9 @@
           <a:lstStyle/>
           <a:p>
             <a:r>
-              <a:rPr lang="en-US" smtClean="0"/>
+              <a:rPr lang="en-US"/>
               <a:t>Click to edit Master title style</a:t>
             </a:r>
-            <a:endParaRPr lang="en-US"/>
           </a:p>
         </p:txBody>
       </p:sp>
@@ -1907,7 +1893,7 @@
           <a:p>
             <a:fld id="{4B525E75-08D3-4EA0-AF93-E3FE3F52F3B9}" type="datetimeFigureOut">
               <a:rPr lang="en-US" smtClean="0"/>
-              <a:t>5/24/2016</a:t>
+              <a:t>1/16/2019</a:t>
             </a:fld>
             <a:endParaRPr lang="en-US"/>
           </a:p>
@@ -2002,7 +1988,7 @@
           <a:p>
             <a:fld id="{4B525E75-08D3-4EA0-AF93-E3FE3F52F3B9}" type="datetimeFigureOut">
               <a:rPr lang="en-US" smtClean="0"/>
-              <a:t>5/24/2016</a:t>
+              <a:t>1/16/2019</a:t>
             </a:fld>
             <a:endParaRPr lang="en-US"/>
           </a:p>
@@ -2105,10 +2091,9 @@
           </a:lstStyle>
           <a:p>
             <a:r>
-              <a:rPr lang="en-US" smtClean="0"/>
+              <a:rPr lang="en-US"/>
               <a:t>Click to edit Master title style</a:t>
             </a:r>
-            <a:endParaRPr lang="en-US"/>
           </a:p>
         </p:txBody>
       </p:sp>
@@ -2162,38 +2147,37 @@
           <a:p>
             <a:pPr lvl="0"/>
             <a:r>
-              <a:rPr lang="en-US" smtClean="0"/>
+              <a:rPr lang="en-US"/>
               <a:t>Click to edit Master text styles</a:t>
             </a:r>
           </a:p>
           <a:p>
             <a:pPr lvl="1"/>
             <a:r>
-              <a:rPr lang="en-US" smtClean="0"/>
+              <a:rPr lang="en-US"/>
               <a:t>Second level</a:t>
             </a:r>
           </a:p>
           <a:p>
             <a:pPr lvl="2"/>
             <a:r>
-              <a:rPr lang="en-US" smtClean="0"/>
+              <a:rPr lang="en-US"/>
               <a:t>Third level</a:t>
             </a:r>
           </a:p>
           <a:p>
             <a:pPr lvl="3"/>
             <a:r>
-              <a:rPr lang="en-US" smtClean="0"/>
+              <a:rPr lang="en-US"/>
               <a:t>Fourth level</a:t>
             </a:r>
           </a:p>
           <a:p>
             <a:pPr lvl="4"/>
             <a:r>
-              <a:rPr lang="en-US" smtClean="0"/>
+              <a:rPr lang="en-US"/>
               <a:t>Fifth level</a:t>
             </a:r>
-            <a:endParaRPr lang="en-US"/>
           </a:p>
         </p:txBody>
       </p:sp>
@@ -2256,7 +2240,7 @@
           <a:p>
             <a:pPr lvl="0"/>
             <a:r>
-              <a:rPr lang="en-US" smtClean="0"/>
+              <a:rPr lang="en-US"/>
               <a:t>Click to edit Master text styles</a:t>
             </a:r>
           </a:p>
@@ -2279,7 +2263,7 @@
           <a:p>
             <a:fld id="{4B525E75-08D3-4EA0-AF93-E3FE3F52F3B9}" type="datetimeFigureOut">
               <a:rPr lang="en-US" smtClean="0"/>
-              <a:t>5/24/2016</a:t>
+              <a:t>1/16/2019</a:t>
             </a:fld>
             <a:endParaRPr lang="en-US"/>
           </a:p>
@@ -2382,10 +2366,9 @@
           </a:lstStyle>
           <a:p>
             <a:r>
-              <a:rPr lang="en-US" smtClean="0"/>
+              <a:rPr lang="en-US"/>
               <a:t>Click to edit Master title style</a:t>
             </a:r>
-            <a:endParaRPr lang="en-US"/>
           </a:p>
         </p:txBody>
       </p:sp>
@@ -2509,7 +2492,7 @@
           <a:p>
             <a:pPr lvl="0"/>
             <a:r>
-              <a:rPr lang="en-US" smtClean="0"/>
+              <a:rPr lang="en-US"/>
               <a:t>Click to edit Master text styles</a:t>
             </a:r>
           </a:p>
@@ -2532,7 +2515,7 @@
           <a:p>
             <a:fld id="{4B525E75-08D3-4EA0-AF93-E3FE3F52F3B9}" type="datetimeFigureOut">
               <a:rPr lang="en-US" smtClean="0"/>
-              <a:t>5/24/2016</a:t>
+              <a:t>1/16/2019</a:t>
             </a:fld>
             <a:endParaRPr lang="en-US"/>
           </a:p>
@@ -2641,10 +2624,9 @@
           <a:lstStyle/>
           <a:p>
             <a:r>
-              <a:rPr lang="en-US" smtClean="0"/>
+              <a:rPr lang="en-US"/>
               <a:t>Click to edit Master title style</a:t>
             </a:r>
-            <a:endParaRPr lang="en-US"/>
           </a:p>
         </p:txBody>
       </p:sp>
@@ -2675,38 +2657,37 @@
           <a:p>
             <a:pPr lvl="0"/>
             <a:r>
-              <a:rPr lang="en-US" smtClean="0"/>
+              <a:rPr lang="en-US"/>
               <a:t>Click to edit Master text styles</a:t>
             </a:r>
           </a:p>
           <a:p>
             <a:pPr lvl="1"/>
             <a:r>
-              <a:rPr lang="en-US" smtClean="0"/>
+              <a:rPr lang="en-US"/>
               <a:t>Second level</a:t>
             </a:r>
           </a:p>
           <a:p>
             <a:pPr lvl="2"/>
             <a:r>
-              <a:rPr lang="en-US" smtClean="0"/>
+              <a:rPr lang="en-US"/>
               <a:t>Third level</a:t>
             </a:r>
           </a:p>
           <a:p>
             <a:pPr lvl="3"/>
             <a:r>
-              <a:rPr lang="en-US" smtClean="0"/>
+              <a:rPr lang="en-US"/>
               <a:t>Fourth level</a:t>
             </a:r>
           </a:p>
           <a:p>
             <a:pPr lvl="4"/>
             <a:r>
-              <a:rPr lang="en-US" smtClean="0"/>
+              <a:rPr lang="en-US"/>
               <a:t>Fifth level</a:t>
             </a:r>
-            <a:endParaRPr lang="en-US"/>
           </a:p>
         </p:txBody>
       </p:sp>
@@ -2745,7 +2726,7 @@
           <a:p>
             <a:fld id="{4B525E75-08D3-4EA0-AF93-E3FE3F52F3B9}" type="datetimeFigureOut">
               <a:rPr lang="en-US" smtClean="0"/>
-              <a:t>5/24/2016</a:t>
+              <a:t>1/16/2019</a:t>
             </a:fld>
             <a:endParaRPr lang="en-US"/>
           </a:p>
@@ -3141,18 +3122,13 @@
           <a:lstStyle/>
           <a:p>
             <a:r>
-              <a:rPr lang="en-US" dirty="0" smtClean="0">
+              <a:rPr lang="en-US" dirty="0">
                 <a:solidFill>
                   <a:schemeClr val="tx2"/>
                 </a:solidFill>
               </a:rPr>
               <a:t>core parts of a model checker</a:t>
             </a:r>
-            <a:endParaRPr lang="en-US" dirty="0">
-              <a:solidFill>
-                <a:schemeClr val="tx2"/>
-              </a:solidFill>
-            </a:endParaRPr>
           </a:p>
         </p:txBody>
       </p:sp>
@@ -3240,10 +3216,9 @@
             <a:lstStyle/>
             <a:p>
               <a:r>
-                <a:rPr lang="en-US" dirty="0" smtClean="0"/>
+                <a:rPr lang="en-US" dirty="0"/>
                 <a:t>spin:</a:t>
               </a:r>
-              <a:endParaRPr lang="en-US" dirty="0"/>
             </a:p>
           </p:txBody>
         </p:sp>
@@ -3270,10 +3245,9 @@
             <a:lstStyle/>
             <a:p>
               <a:r>
-                <a:rPr lang="en-US" dirty="0" smtClean="0"/>
+                <a:rPr lang="en-US" dirty="0"/>
                 <a:t>7,346 lines</a:t>
               </a:r>
-              <a:endParaRPr lang="en-US" dirty="0"/>
             </a:p>
           </p:txBody>
         </p:sp>
@@ -3301,10 +3275,9 @@
             <a:p>
               <a:pPr algn="ctr"/>
               <a:r>
-                <a:rPr lang="en-US" dirty="0" smtClean="0"/>
+                <a:rPr lang="en-US" dirty="0"/>
                 <a:t>15,151 lines</a:t>
               </a:r>
-              <a:endParaRPr lang="en-US" dirty="0"/>
             </a:p>
           </p:txBody>
         </p:sp>
@@ -3332,10 +3305,9 @@
             <a:p>
               <a:pPr algn="ctr"/>
               <a:r>
-                <a:rPr lang="en-US" dirty="0" smtClean="0"/>
+                <a:rPr lang="en-US" dirty="0"/>
                 <a:t>25,218 lines</a:t>
               </a:r>
-              <a:endParaRPr lang="en-US" dirty="0"/>
             </a:p>
           </p:txBody>
         </p:sp>
@@ -3423,10 +3395,9 @@
             <a:lstStyle/>
             <a:p>
               <a:r>
-                <a:rPr lang="en-US" dirty="0" smtClean="0"/>
+                <a:rPr lang="en-US" dirty="0"/>
                 <a:t>133 lines</a:t>
               </a:r>
-              <a:endParaRPr lang="en-US" dirty="0"/>
             </a:p>
           </p:txBody>
         </p:sp>
@@ -3454,10 +3425,9 @@
             <a:p>
               <a:pPr algn="ctr"/>
               <a:r>
-                <a:rPr lang="en-US" dirty="0" smtClean="0"/>
+                <a:rPr lang="en-US" dirty="0"/>
                 <a:t>67 lines</a:t>
               </a:r>
-              <a:endParaRPr lang="en-US" dirty="0"/>
             </a:p>
           </p:txBody>
         </p:sp>
@@ -3485,10 +3455,9 @@
             <a:p>
               <a:pPr algn="ctr"/>
               <a:r>
-                <a:rPr lang="en-US" dirty="0" smtClean="0"/>
+                <a:rPr lang="en-US" dirty="0"/>
                 <a:t>195 lines</a:t>
               </a:r>
-              <a:endParaRPr lang="en-US" dirty="0"/>
             </a:p>
           </p:txBody>
         </p:sp>
@@ -3515,10 +3484,9 @@
             <a:lstStyle/>
             <a:p>
               <a:r>
-                <a:rPr lang="en-US" dirty="0" smtClean="0"/>
+                <a:rPr lang="en-US" dirty="0"/>
                 <a:t>301 lines</a:t>
               </a:r>
-              <a:endParaRPr lang="en-US" dirty="0"/>
             </a:p>
           </p:txBody>
         </p:sp>
@@ -3545,10 +3513,9 @@
             <a:lstStyle/>
             <a:p>
               <a:r>
-                <a:rPr lang="en-US" dirty="0" smtClean="0"/>
+                <a:rPr lang="en-US" dirty="0"/>
                 <a:t>tool-kit:</a:t>
               </a:r>
-              <a:endParaRPr lang="en-US" dirty="0"/>
             </a:p>
           </p:txBody>
         </p:sp>
@@ -3617,38 +3584,38 @@
           <a:lstStyle/>
           <a:p>
             <a:r>
-              <a:rPr lang="en-US" sz="1200" i="1" dirty="0" smtClean="0"/>
+              <a:rPr lang="en-US" sz="1200" i="1" dirty="0"/>
               <a:t>exact</a:t>
             </a:r>
           </a:p>
           <a:p>
             <a:r>
-              <a:rPr lang="en-US" sz="1200" i="1" dirty="0" smtClean="0"/>
+              <a:rPr lang="en-US" sz="1200" i="1" dirty="0"/>
               <a:t>compressed</a:t>
             </a:r>
           </a:p>
           <a:p>
             <a:r>
-              <a:rPr lang="en-US" sz="1200" i="1" dirty="0" err="1" smtClean="0"/>
+              <a:rPr lang="en-US" sz="1200" i="1" dirty="0" err="1"/>
               <a:t>dfa</a:t>
             </a:r>
             <a:endParaRPr lang="en-US" sz="1200" i="1" dirty="0"/>
           </a:p>
           <a:p>
             <a:r>
-              <a:rPr lang="en-US" sz="1200" i="1" dirty="0" smtClean="0"/>
+              <a:rPr lang="en-US" sz="1200" i="1" dirty="0"/>
               <a:t>tree</a:t>
             </a:r>
           </a:p>
           <a:p>
             <a:r>
-              <a:rPr lang="en-US" sz="1200" i="1" dirty="0" smtClean="0"/>
+              <a:rPr lang="en-US" sz="1200" i="1" dirty="0"/>
               <a:t>hash-compact</a:t>
             </a:r>
           </a:p>
           <a:p>
             <a:r>
-              <a:rPr lang="en-US" sz="1200" i="1" dirty="0" err="1" smtClean="0"/>
+              <a:rPr lang="en-US" sz="1200" i="1" dirty="0" err="1"/>
               <a:t>bitstate</a:t>
             </a:r>
             <a:endParaRPr lang="en-US" sz="1200" i="1" dirty="0"/>
@@ -3752,18 +3719,18 @@
             <a:p>
               <a:pPr algn="ctr"/>
               <a:r>
-                <a:rPr lang="en-US" dirty="0" err="1" smtClean="0"/>
+                <a:rPr lang="en-US" dirty="0" err="1"/>
                 <a:t>lex</a:t>
               </a:r>
               <a:r>
-                <a:rPr lang="en-US" dirty="0" smtClean="0"/>
+                <a:rPr lang="en-US" dirty="0"/>
                 <a:t>/</a:t>
               </a:r>
               <a:r>
-                <a:rPr lang="en-US" dirty="0" err="1" smtClean="0"/>
+                <a:rPr lang="en-US" dirty="0" err="1"/>
                 <a:t>yacc</a:t>
               </a:r>
-              <a:endParaRPr lang="en-US" dirty="0" smtClean="0"/>
+              <a:endParaRPr lang="en-US" dirty="0"/>
             </a:p>
           </p:txBody>
         </p:sp>
@@ -3829,7 +3796,7 @@
               <a:p>
                 <a:pPr algn="ctr"/>
                 <a:r>
-                  <a:rPr lang="en-US" dirty="0" smtClean="0"/>
+                  <a:rPr lang="en-US" dirty="0"/>
                   <a:t>search</a:t>
                 </a:r>
               </a:p>
@@ -3873,7 +3840,7 @@
               <a:p>
                 <a:pPr algn="ctr"/>
                 <a:r>
-                  <a:rPr lang="en-US" dirty="0" smtClean="0"/>
+                  <a:rPr lang="en-US" dirty="0"/>
                   <a:t>search</a:t>
                 </a:r>
               </a:p>
@@ -3935,7 +3902,7 @@
               <a:p>
                 <a:pPr algn="ctr"/>
                 <a:r>
-                  <a:rPr lang="en-US" dirty="0" smtClean="0"/>
+                  <a:rPr lang="en-US" dirty="0"/>
                   <a:t>store</a:t>
                 </a:r>
               </a:p>
@@ -3979,7 +3946,7 @@
               <a:p>
                 <a:pPr algn="ctr"/>
                 <a:r>
-                  <a:rPr lang="en-US" dirty="0" smtClean="0"/>
+                  <a:rPr lang="en-US" dirty="0"/>
                   <a:t>store</a:t>
                 </a:r>
               </a:p>
@@ -4024,10 +3991,9 @@
             <a:p>
               <a:pPr algn="ctr"/>
               <a:r>
-                <a:rPr lang="en-US" dirty="0" smtClean="0"/>
+                <a:rPr lang="en-US" dirty="0"/>
                 <a:t>hash</a:t>
               </a:r>
-              <a:endParaRPr lang="en-US" dirty="0"/>
             </a:p>
           </p:txBody>
         </p:sp>
@@ -4187,7 +4153,7 @@
             <a:p>
               <a:pPr algn="ctr"/>
               <a:r>
-                <a:rPr lang="en-US" i="1" dirty="0" smtClean="0"/>
+                <a:rPr lang="en-US" i="1" dirty="0"/>
                 <a:t>Specification</a:t>
               </a:r>
             </a:p>
@@ -4217,10 +4183,9 @@
             <a:p>
               <a:pPr algn="ctr"/>
               <a:r>
-                <a:rPr lang="en-US" i="1" dirty="0" smtClean="0"/>
+                <a:rPr lang="en-US" i="1" dirty="0"/>
                 <a:t>Search</a:t>
               </a:r>
-              <a:endParaRPr lang="en-US" i="1" dirty="0"/>
             </a:p>
           </p:txBody>
         </p:sp>
@@ -4248,10 +4213,9 @@
             <a:p>
               <a:pPr algn="ctr"/>
               <a:r>
-                <a:rPr lang="en-US" i="1" dirty="0" smtClean="0"/>
+                <a:rPr lang="en-US" i="1" dirty="0"/>
                 <a:t>Storage</a:t>
               </a:r>
-              <a:endParaRPr lang="en-US" i="1" dirty="0"/>
             </a:p>
           </p:txBody>
         </p:sp>
@@ -4279,10 +4243,9 @@
             <a:p>
               <a:pPr algn="ctr"/>
               <a:r>
-                <a:rPr lang="en-US" i="1" dirty="0" smtClean="0"/>
+                <a:rPr lang="en-US" i="1" dirty="0"/>
                 <a:t>Front-end</a:t>
               </a:r>
-              <a:endParaRPr lang="en-US" i="1" dirty="0"/>
             </a:p>
           </p:txBody>
         </p:sp>
@@ -4321,7 +4284,7 @@
             <a:p>
               <a:pPr algn="ctr"/>
               <a:r>
-                <a:rPr lang="en-US" dirty="0" smtClean="0"/>
+                <a:rPr lang="en-US" dirty="0"/>
                 <a:t>stack</a:t>
               </a:r>
             </a:p>
@@ -4362,7 +4325,7 @@
             <a:p>
               <a:pPr algn="ctr"/>
               <a:r>
-                <a:rPr lang="en-US" dirty="0" smtClean="0"/>
+                <a:rPr lang="en-US" dirty="0"/>
                 <a:t>store</a:t>
               </a:r>
             </a:p>
@@ -4403,18 +4366,18 @@
             <a:p>
               <a:pPr algn="ctr"/>
               <a:r>
-                <a:rPr lang="en-US" dirty="0" err="1" smtClean="0"/>
+                <a:rPr lang="en-US" dirty="0" err="1"/>
                 <a:t>lex</a:t>
               </a:r>
               <a:r>
-                <a:rPr lang="en-US" dirty="0" smtClean="0"/>
+                <a:rPr lang="en-US" dirty="0"/>
                 <a:t>/</a:t>
               </a:r>
               <a:r>
-                <a:rPr lang="en-US" dirty="0" err="1" smtClean="0"/>
+                <a:rPr lang="en-US" dirty="0" err="1"/>
                 <a:t>yacc</a:t>
               </a:r>
-              <a:endParaRPr lang="en-US" dirty="0" smtClean="0"/>
+              <a:endParaRPr lang="en-US" dirty="0"/>
             </a:p>
           </p:txBody>
         </p:sp>
@@ -4453,7 +4416,7 @@
             <a:p>
               <a:pPr algn="ctr"/>
               <a:r>
-                <a:rPr lang="en-US" dirty="0" smtClean="0"/>
+                <a:rPr lang="en-US" dirty="0"/>
                 <a:t>search</a:t>
               </a:r>
             </a:p>
@@ -4494,10 +4457,9 @@
             <a:p>
               <a:pPr algn="ctr"/>
               <a:r>
-                <a:rPr lang="en-US" dirty="0" smtClean="0"/>
+                <a:rPr lang="en-US" dirty="0"/>
                 <a:t>error reporting</a:t>
               </a:r>
-              <a:endParaRPr lang="en-US" dirty="0"/>
             </a:p>
           </p:txBody>
         </p:sp>
@@ -4536,10 +4498,9 @@
             <a:p>
               <a:pPr algn="ctr"/>
               <a:r>
-                <a:rPr lang="en-US" dirty="0" smtClean="0"/>
+                <a:rPr lang="en-US" dirty="0"/>
                 <a:t>hash</a:t>
               </a:r>
-              <a:endParaRPr lang="en-US" dirty="0"/>
             </a:p>
           </p:txBody>
         </p:sp>
@@ -4592,7 +4553,7 @@
               <a:p>
                 <a:pPr algn="ctr"/>
                 <a:r>
-                  <a:rPr lang="en-US" dirty="0" err="1" smtClean="0"/>
+                  <a:rPr lang="en-US" dirty="0" err="1"/>
                   <a:t>symtab</a:t>
                 </a:r>
                 <a:endParaRPr lang="en-US" dirty="0"/>
@@ -4869,10 +4830,9 @@
               <a:p>
                 <a:pPr algn="ctr"/>
                 <a:r>
-                  <a:rPr lang="en-US" dirty="0" smtClean="0"/>
+                  <a:rPr lang="en-US" dirty="0"/>
                   <a:t>GUI</a:t>
                 </a:r>
-                <a:endParaRPr lang="en-US" dirty="0"/>
               </a:p>
             </p:txBody>
           </p:sp>
@@ -5271,14 +5231,708 @@
       </p:grpSpPr>
       <p:sp>
         <p:nvSpPr>
-          <p:cNvPr id="4" name="TextBox 3"/>
+          <p:cNvPr id="2" name="Title 1">
+            <a:extLst>
+              <a:ext uri="{FF2B5EF4-FFF2-40B4-BE49-F238E27FC236}">
+                <a16:creationId xmlns:a16="http://schemas.microsoft.com/office/drawing/2014/main" id="{48F68AA7-3735-4A8E-83C6-3F72A765A081}"/>
+              </a:ext>
+            </a:extLst>
+          </p:cNvPr>
+          <p:cNvSpPr>
+            <a:spLocks noGrp="1"/>
+          </p:cNvSpPr>
+          <p:nvPr>
+            <p:ph type="title"/>
+          </p:nvPr>
+        </p:nvSpPr>
+        <p:spPr>
+          <a:xfrm>
+            <a:off x="281410" y="364362"/>
+            <a:ext cx="2616911" cy="1325563"/>
+          </a:xfrm>
+        </p:spPr>
+        <p:txBody>
+          <a:bodyPr>
+            <a:normAutofit fontScale="90000"/>
+          </a:bodyPr>
+          <a:lstStyle/>
+          <a:p>
+            <a:r>
+              <a:rPr lang="en-US" dirty="0">
+                <a:solidFill>
+                  <a:schemeClr val="tx2"/>
+                </a:solidFill>
+              </a:rPr>
+              <a:t>transition semantics</a:t>
+            </a:r>
+          </a:p>
+        </p:txBody>
+      </p:sp>
+      <p:sp>
+        <p:nvSpPr>
+          <p:cNvPr id="3" name="Slide Number Placeholder 2">
+            <a:extLst>
+              <a:ext uri="{FF2B5EF4-FFF2-40B4-BE49-F238E27FC236}">
+                <a16:creationId xmlns:a16="http://schemas.microsoft.com/office/drawing/2014/main" id="{DB5F09FD-AA14-4C00-B264-6C9D247D31F2}"/>
+              </a:ext>
+            </a:extLst>
+          </p:cNvPr>
+          <p:cNvSpPr>
+            <a:spLocks noGrp="1"/>
+          </p:cNvSpPr>
+          <p:nvPr>
+            <p:ph type="sldNum" sz="quarter" idx="12"/>
+          </p:nvPr>
+        </p:nvSpPr>
+        <p:spPr/>
+        <p:txBody>
+          <a:bodyPr/>
+          <a:lstStyle/>
+          <a:p>
+            <a:fld id="{F35A8FA9-273F-4B5F-B951-EF57722484F6}" type="slidenum">
+              <a:rPr lang="en-US" smtClean="0"/>
+              <a:t>10</a:t>
+            </a:fld>
+            <a:endParaRPr lang="en-US"/>
+          </a:p>
+        </p:txBody>
+      </p:sp>
+      <p:sp>
+        <p:nvSpPr>
+          <p:cNvPr id="4" name="TextBox 3">
+            <a:extLst>
+              <a:ext uri="{FF2B5EF4-FFF2-40B4-BE49-F238E27FC236}">
+                <a16:creationId xmlns:a16="http://schemas.microsoft.com/office/drawing/2014/main" id="{852E12DD-EE24-4831-AB39-0CB32CD7F92B}"/>
+              </a:ext>
+            </a:extLst>
+          </p:cNvPr>
           <p:cNvSpPr txBox="1"/>
           <p:nvPr/>
         </p:nvSpPr>
         <p:spPr>
           <a:xfrm>
-            <a:off x="466786" y="4557894"/>
-            <a:ext cx="5698996" cy="1892826"/>
+            <a:off x="2730783" y="364362"/>
+            <a:ext cx="6131807" cy="6355586"/>
+          </a:xfrm>
+          <a:prstGeom prst="rect">
+            <a:avLst/>
+          </a:prstGeom>
+          <a:noFill/>
+          <a:ln>
+            <a:solidFill>
+              <a:schemeClr val="tx1">
+                <a:lumMod val="50000"/>
+                <a:lumOff val="50000"/>
+              </a:schemeClr>
+            </a:solidFill>
+          </a:ln>
+        </p:spPr>
+        <p:txBody>
+          <a:bodyPr wrap="none" rtlCol="0">
+            <a:spAutoFit/>
+          </a:bodyPr>
+          <a:lstStyle/>
+          <a:p>
+            <a:endParaRPr lang="en-US" sz="1100" b="1" dirty="0">
+              <a:latin typeface="Courier New" panose="02070309020205020404" pitchFamily="49" charset="0"/>
+              <a:cs typeface="Courier New" panose="02070309020205020404" pitchFamily="49" charset="0"/>
+            </a:endParaRPr>
+          </a:p>
+          <a:p>
+            <a:r>
+              <a:rPr lang="en-US" sz="1100" b="1" dirty="0">
+                <a:latin typeface="Courier New" panose="02070309020205020404" pitchFamily="49" charset="0"/>
+                <a:cs typeface="Courier New" panose="02070309020205020404" pitchFamily="49" charset="0"/>
+              </a:rPr>
+              <a:t>int</a:t>
+            </a:r>
+          </a:p>
+          <a:p>
+            <a:r>
+              <a:rPr lang="en-US" sz="1100" b="1" dirty="0">
+                <a:latin typeface="Courier New" panose="02070309020205020404" pitchFamily="49" charset="0"/>
+                <a:cs typeface="Courier New" panose="02070309020205020404" pitchFamily="49" charset="0"/>
+              </a:rPr>
+              <a:t>transition(AST *a, int </a:t>
+            </a:r>
+            <a:r>
+              <a:rPr lang="en-US" sz="1100" b="1" dirty="0" err="1">
+                <a:latin typeface="Courier New" panose="02070309020205020404" pitchFamily="49" charset="0"/>
+                <a:cs typeface="Courier New" panose="02070309020205020404" pitchFamily="49" charset="0"/>
+              </a:rPr>
+              <a:t>notblocked</a:t>
+            </a:r>
+            <a:r>
+              <a:rPr lang="en-US" sz="1100" b="1" dirty="0">
+                <a:latin typeface="Courier New" panose="02070309020205020404" pitchFamily="49" charset="0"/>
+                <a:cs typeface="Courier New" panose="02070309020205020404" pitchFamily="49" charset="0"/>
+              </a:rPr>
+              <a:t>)</a:t>
+            </a:r>
+          </a:p>
+          <a:p>
+            <a:r>
+              <a:rPr lang="en-US" sz="1100" b="1" dirty="0">
+                <a:latin typeface="Courier New" panose="02070309020205020404" pitchFamily="49" charset="0"/>
+                <a:cs typeface="Courier New" panose="02070309020205020404" pitchFamily="49" charset="0"/>
+              </a:rPr>
+              <a:t>{       int </a:t>
+            </a:r>
+            <a:r>
+              <a:rPr lang="en-US" sz="1100" b="1" dirty="0" err="1">
+                <a:latin typeface="Courier New" panose="02070309020205020404" pitchFamily="49" charset="0"/>
+                <a:cs typeface="Courier New" panose="02070309020205020404" pitchFamily="49" charset="0"/>
+              </a:rPr>
+              <a:t>rv</a:t>
+            </a:r>
+            <a:r>
+              <a:rPr lang="en-US" sz="1100" b="1" dirty="0">
+                <a:latin typeface="Courier New" panose="02070309020205020404" pitchFamily="49" charset="0"/>
+                <a:cs typeface="Courier New" panose="02070309020205020404" pitchFamily="49" charset="0"/>
+              </a:rPr>
+              <a:t> = 0;</a:t>
+            </a:r>
+          </a:p>
+          <a:p>
+            <a:endParaRPr lang="en-US" sz="1100" b="1" dirty="0">
+              <a:latin typeface="Courier New" panose="02070309020205020404" pitchFamily="49" charset="0"/>
+              <a:cs typeface="Courier New" panose="02070309020205020404" pitchFamily="49" charset="0"/>
+            </a:endParaRPr>
+          </a:p>
+          <a:p>
+            <a:r>
+              <a:rPr lang="en-US" sz="1100" b="1" dirty="0">
+                <a:latin typeface="Courier New" panose="02070309020205020404" pitchFamily="49" charset="0"/>
+                <a:cs typeface="Courier New" panose="02070309020205020404" pitchFamily="49" charset="0"/>
+              </a:rPr>
+              <a:t>        assert(a);</a:t>
+            </a:r>
+          </a:p>
+          <a:p>
+            <a:endParaRPr lang="en-US" sz="1100" b="1" dirty="0">
+              <a:latin typeface="Courier New" panose="02070309020205020404" pitchFamily="49" charset="0"/>
+              <a:cs typeface="Courier New" panose="02070309020205020404" pitchFamily="49" charset="0"/>
+            </a:endParaRPr>
+          </a:p>
+          <a:p>
+            <a:r>
+              <a:rPr lang="en-US" sz="1100" b="1" dirty="0">
+                <a:latin typeface="Courier New" panose="02070309020205020404" pitchFamily="49" charset="0"/>
+                <a:cs typeface="Courier New" panose="02070309020205020404" pitchFamily="49" charset="0"/>
+              </a:rPr>
+              <a:t>        switch (a-&gt;</a:t>
+            </a:r>
+            <a:r>
+              <a:rPr lang="en-US" sz="1100" b="1" dirty="0" err="1">
+                <a:latin typeface="Courier New" panose="02070309020205020404" pitchFamily="49" charset="0"/>
+                <a:cs typeface="Courier New" panose="02070309020205020404" pitchFamily="49" charset="0"/>
+              </a:rPr>
+              <a:t>tok</a:t>
+            </a:r>
+            <a:r>
+              <a:rPr lang="en-US" sz="1100" b="1" dirty="0">
+                <a:latin typeface="Courier New" panose="02070309020205020404" pitchFamily="49" charset="0"/>
+                <a:cs typeface="Courier New" panose="02070309020205020404" pitchFamily="49" charset="0"/>
+              </a:rPr>
+              <a:t>) {</a:t>
+            </a:r>
+          </a:p>
+          <a:p>
+            <a:r>
+              <a:rPr lang="en-US" sz="1100" b="1" dirty="0">
+                <a:latin typeface="Courier New" panose="02070309020205020404" pitchFamily="49" charset="0"/>
+                <a:cs typeface="Courier New" panose="02070309020205020404" pitchFamily="49" charset="0"/>
+              </a:rPr>
+              <a:t>        case ELSE:</a:t>
+            </a:r>
+          </a:p>
+          <a:p>
+            <a:r>
+              <a:rPr lang="en-US" sz="1100" b="1" dirty="0">
+                <a:latin typeface="Courier New" panose="02070309020205020404" pitchFamily="49" charset="0"/>
+                <a:cs typeface="Courier New" panose="02070309020205020404" pitchFamily="49" charset="0"/>
+              </a:rPr>
+              <a:t>                        </a:t>
+            </a:r>
+            <a:r>
+              <a:rPr lang="en-US" sz="1100" b="1" dirty="0" err="1">
+                <a:latin typeface="Courier New" panose="02070309020205020404" pitchFamily="49" charset="0"/>
+                <a:cs typeface="Courier New" panose="02070309020205020404" pitchFamily="49" charset="0"/>
+              </a:rPr>
+              <a:t>rv</a:t>
+            </a:r>
+            <a:r>
+              <a:rPr lang="en-US" sz="1100" b="1" dirty="0">
+                <a:latin typeface="Courier New" panose="02070309020205020404" pitchFamily="49" charset="0"/>
+                <a:cs typeface="Courier New" panose="02070309020205020404" pitchFamily="49" charset="0"/>
+              </a:rPr>
+              <a:t> = (</a:t>
+            </a:r>
+            <a:r>
+              <a:rPr lang="en-US" sz="1100" b="1" dirty="0" err="1">
+                <a:latin typeface="Courier New" panose="02070309020205020404" pitchFamily="49" charset="0"/>
+                <a:cs typeface="Courier New" panose="02070309020205020404" pitchFamily="49" charset="0"/>
+              </a:rPr>
+              <a:t>notblocked</a:t>
+            </a:r>
+            <a:r>
+              <a:rPr lang="en-US" sz="1100" b="1" dirty="0">
+                <a:latin typeface="Courier New" panose="02070309020205020404" pitchFamily="49" charset="0"/>
+                <a:cs typeface="Courier New" panose="02070309020205020404" pitchFamily="49" charset="0"/>
+              </a:rPr>
+              <a:t> == 0);</a:t>
+            </a:r>
+          </a:p>
+          <a:p>
+            <a:r>
+              <a:rPr lang="en-US" sz="1100" b="1" dirty="0">
+                <a:latin typeface="Courier New" panose="02070309020205020404" pitchFamily="49" charset="0"/>
+                <a:cs typeface="Courier New" panose="02070309020205020404" pitchFamily="49" charset="0"/>
+              </a:rPr>
+              <a:t>                        break;</a:t>
+            </a:r>
+          </a:p>
+          <a:p>
+            <a:r>
+              <a:rPr lang="en-US" sz="1100" b="1" dirty="0">
+                <a:latin typeface="Courier New" panose="02070309020205020404" pitchFamily="49" charset="0"/>
+                <a:cs typeface="Courier New" panose="02070309020205020404" pitchFamily="49" charset="0"/>
+              </a:rPr>
+              <a:t>        case '@':</a:t>
+            </a:r>
+          </a:p>
+          <a:p>
+            <a:r>
+              <a:rPr lang="it-IT" sz="1100" b="1" dirty="0">
+                <a:latin typeface="Courier New" panose="02070309020205020404" pitchFamily="49" charset="0"/>
+                <a:cs typeface="Courier New" panose="02070309020205020404" pitchFamily="49" charset="0"/>
+              </a:rPr>
+              <a:t>                        assert(a-&gt;attr &amp;&amp; a-&gt;attr-&gt;attr);</a:t>
+            </a:r>
+          </a:p>
+          <a:p>
+            <a:r>
+              <a:rPr lang="en-US" sz="1100" b="1" dirty="0">
+                <a:latin typeface="Courier New" panose="02070309020205020404" pitchFamily="49" charset="0"/>
+                <a:cs typeface="Courier New" panose="02070309020205020404" pitchFamily="49" charset="0"/>
+              </a:rPr>
+              <a:t>                        </a:t>
+            </a:r>
+            <a:r>
+              <a:rPr lang="en-US" sz="1100" b="1" dirty="0" err="1">
+                <a:latin typeface="Courier New" panose="02070309020205020404" pitchFamily="49" charset="0"/>
+                <a:cs typeface="Courier New" panose="02070309020205020404" pitchFamily="49" charset="0"/>
+              </a:rPr>
+              <a:t>rv</a:t>
+            </a:r>
+            <a:r>
+              <a:rPr lang="en-US" sz="1100" b="1" dirty="0">
+                <a:latin typeface="Courier New" panose="02070309020205020404" pitchFamily="49" charset="0"/>
+                <a:cs typeface="Courier New" panose="02070309020205020404" pitchFamily="49" charset="0"/>
+              </a:rPr>
+              <a:t> = </a:t>
+            </a:r>
+            <a:r>
+              <a:rPr lang="en-US" sz="1100" b="1" dirty="0" err="1">
+                <a:latin typeface="Courier New" panose="02070309020205020404" pitchFamily="49" charset="0"/>
+                <a:cs typeface="Courier New" panose="02070309020205020404" pitchFamily="49" charset="0"/>
+              </a:rPr>
+              <a:t>proc_at_label</a:t>
+            </a:r>
+            <a:r>
+              <a:rPr lang="en-US" sz="1100" b="1" dirty="0">
+                <a:latin typeface="Courier New" panose="02070309020205020404" pitchFamily="49" charset="0"/>
+                <a:cs typeface="Courier New" panose="02070309020205020404" pitchFamily="49" charset="0"/>
+              </a:rPr>
+              <a:t>(a);</a:t>
+            </a:r>
+          </a:p>
+          <a:p>
+            <a:r>
+              <a:rPr lang="en-US" sz="1100" b="1" dirty="0">
+                <a:latin typeface="Courier New" panose="02070309020205020404" pitchFamily="49" charset="0"/>
+                <a:cs typeface="Courier New" panose="02070309020205020404" pitchFamily="49" charset="0"/>
+              </a:rPr>
+              <a:t>                        break;</a:t>
+            </a:r>
+          </a:p>
+          <a:p>
+            <a:r>
+              <a:rPr lang="en-US" sz="1100" b="1" dirty="0">
+                <a:latin typeface="Courier New" panose="02070309020205020404" pitchFamily="49" charset="0"/>
+                <a:cs typeface="Courier New" panose="02070309020205020404" pitchFamily="49" charset="0"/>
+              </a:rPr>
+              <a:t>        case TIMEOUT:</a:t>
+            </a:r>
+          </a:p>
+          <a:p>
+            <a:r>
+              <a:rPr lang="en-US" sz="1100" b="1" dirty="0">
+                <a:latin typeface="Courier New" panose="02070309020205020404" pitchFamily="49" charset="0"/>
+                <a:cs typeface="Courier New" panose="02070309020205020404" pitchFamily="49" charset="0"/>
+              </a:rPr>
+              <a:t>        case TRUE:</a:t>
+            </a:r>
+          </a:p>
+          <a:p>
+            <a:r>
+              <a:rPr lang="en-US" sz="1100" b="1" dirty="0">
+                <a:latin typeface="Courier New" panose="02070309020205020404" pitchFamily="49" charset="0"/>
+                <a:cs typeface="Courier New" panose="02070309020205020404" pitchFamily="49" charset="0"/>
+              </a:rPr>
+              <a:t>                        </a:t>
+            </a:r>
+            <a:r>
+              <a:rPr lang="en-US" sz="1100" b="1" dirty="0" err="1">
+                <a:latin typeface="Courier New" panose="02070309020205020404" pitchFamily="49" charset="0"/>
+                <a:cs typeface="Courier New" panose="02070309020205020404" pitchFamily="49" charset="0"/>
+              </a:rPr>
+              <a:t>rv</a:t>
+            </a:r>
+            <a:r>
+              <a:rPr lang="en-US" sz="1100" b="1" dirty="0">
+                <a:latin typeface="Courier New" panose="02070309020205020404" pitchFamily="49" charset="0"/>
+                <a:cs typeface="Courier New" panose="02070309020205020404" pitchFamily="49" charset="0"/>
+              </a:rPr>
+              <a:t> = 1;</a:t>
+            </a:r>
+          </a:p>
+          <a:p>
+            <a:r>
+              <a:rPr lang="en-US" sz="1100" b="1" dirty="0">
+                <a:latin typeface="Courier New" panose="02070309020205020404" pitchFamily="49" charset="0"/>
+                <a:cs typeface="Courier New" panose="02070309020205020404" pitchFamily="49" charset="0"/>
+              </a:rPr>
+              <a:t>                        break;</a:t>
+            </a:r>
+          </a:p>
+          <a:p>
+            <a:r>
+              <a:rPr lang="en-US" sz="1100" b="1" dirty="0">
+                <a:latin typeface="Courier New" panose="02070309020205020404" pitchFamily="49" charset="0"/>
+                <a:cs typeface="Courier New" panose="02070309020205020404" pitchFamily="49" charset="0"/>
+              </a:rPr>
+              <a:t>        case FALSE:</a:t>
+            </a:r>
+          </a:p>
+          <a:p>
+            <a:r>
+              <a:rPr lang="en-US" sz="1100" b="1" dirty="0">
+                <a:latin typeface="Courier New" panose="02070309020205020404" pitchFamily="49" charset="0"/>
+                <a:cs typeface="Courier New" panose="02070309020205020404" pitchFamily="49" charset="0"/>
+              </a:rPr>
+              <a:t>                        </a:t>
+            </a:r>
+            <a:r>
+              <a:rPr lang="en-US" sz="1100" b="1" dirty="0" err="1">
+                <a:latin typeface="Courier New" panose="02070309020205020404" pitchFamily="49" charset="0"/>
+                <a:cs typeface="Courier New" panose="02070309020205020404" pitchFamily="49" charset="0"/>
+              </a:rPr>
+              <a:t>rv</a:t>
+            </a:r>
+            <a:r>
+              <a:rPr lang="en-US" sz="1100" b="1" dirty="0">
+                <a:latin typeface="Courier New" panose="02070309020205020404" pitchFamily="49" charset="0"/>
+                <a:cs typeface="Courier New" panose="02070309020205020404" pitchFamily="49" charset="0"/>
+              </a:rPr>
+              <a:t> = 0;</a:t>
+            </a:r>
+          </a:p>
+          <a:p>
+            <a:r>
+              <a:rPr lang="en-US" sz="1100" b="1" dirty="0">
+                <a:latin typeface="Courier New" panose="02070309020205020404" pitchFamily="49" charset="0"/>
+                <a:cs typeface="Courier New" panose="02070309020205020404" pitchFamily="49" charset="0"/>
+              </a:rPr>
+              <a:t>                        break;</a:t>
+            </a:r>
+          </a:p>
+          <a:p>
+            <a:r>
+              <a:rPr lang="en-US" sz="1100" b="1" dirty="0">
+                <a:latin typeface="Courier New" panose="02070309020205020404" pitchFamily="49" charset="0"/>
+                <a:cs typeface="Courier New" panose="02070309020205020404" pitchFamily="49" charset="0"/>
+              </a:rPr>
+              <a:t>        default:</a:t>
+            </a:r>
+          </a:p>
+          <a:p>
+            <a:r>
+              <a:rPr lang="en-US" sz="1100" b="1" dirty="0">
+                <a:latin typeface="Courier New" panose="02070309020205020404" pitchFamily="49" charset="0"/>
+                <a:cs typeface="Courier New" panose="02070309020205020404" pitchFamily="49" charset="0"/>
+              </a:rPr>
+              <a:t>                        if (a-&gt;</a:t>
+            </a:r>
+            <a:r>
+              <a:rPr lang="en-US" sz="1100" b="1" dirty="0" err="1">
+                <a:latin typeface="Courier New" panose="02070309020205020404" pitchFamily="49" charset="0"/>
+                <a:cs typeface="Courier New" panose="02070309020205020404" pitchFamily="49" charset="0"/>
+              </a:rPr>
+              <a:t>val</a:t>
+            </a:r>
+            <a:r>
+              <a:rPr lang="en-US" sz="1100" b="1" dirty="0">
+                <a:latin typeface="Courier New" panose="02070309020205020404" pitchFamily="49" charset="0"/>
+                <a:cs typeface="Courier New" panose="02070309020205020404" pitchFamily="49" charset="0"/>
+              </a:rPr>
+              <a:t> &gt; 0) // function call</a:t>
+            </a:r>
+          </a:p>
+          <a:p>
+            <a:r>
+              <a:rPr lang="en-US" sz="1100" b="1" dirty="0">
+                <a:latin typeface="Courier New" panose="02070309020205020404" pitchFamily="49" charset="0"/>
+                <a:cs typeface="Courier New" panose="02070309020205020404" pitchFamily="49" charset="0"/>
+              </a:rPr>
+              <a:t>                        {  </a:t>
+            </a:r>
+            <a:r>
+              <a:rPr lang="en-US" sz="1100" b="1" dirty="0" err="1">
+                <a:latin typeface="Courier New" panose="02070309020205020404" pitchFamily="49" charset="0"/>
+                <a:cs typeface="Courier New" panose="02070309020205020404" pitchFamily="49" charset="0"/>
+              </a:rPr>
+              <a:t>rv</a:t>
+            </a:r>
+            <a:r>
+              <a:rPr lang="en-US" sz="1100" b="1" dirty="0">
+                <a:latin typeface="Courier New" panose="02070309020205020404" pitchFamily="49" charset="0"/>
+                <a:cs typeface="Courier New" panose="02070309020205020404" pitchFamily="49" charset="0"/>
+              </a:rPr>
+              <a:t> = functions[a-&gt;val-1].</a:t>
+            </a:r>
+            <a:r>
+              <a:rPr lang="en-US" sz="1100" b="1" dirty="0" err="1">
+                <a:latin typeface="Courier New" panose="02070309020205020404" pitchFamily="49" charset="0"/>
+                <a:cs typeface="Courier New" panose="02070309020205020404" pitchFamily="49" charset="0"/>
+              </a:rPr>
+              <a:t>fct</a:t>
+            </a:r>
+            <a:r>
+              <a:rPr lang="en-US" sz="1100" b="1" dirty="0">
+                <a:latin typeface="Courier New" panose="02070309020205020404" pitchFamily="49" charset="0"/>
+                <a:cs typeface="Courier New" panose="02070309020205020404" pitchFamily="49" charset="0"/>
+              </a:rPr>
+              <a:t>();</a:t>
+            </a:r>
+          </a:p>
+          <a:p>
+            <a:r>
+              <a:rPr lang="en-US" sz="1100" b="1" dirty="0">
+                <a:latin typeface="Courier New" panose="02070309020205020404" pitchFamily="49" charset="0"/>
+                <a:cs typeface="Courier New" panose="02070309020205020404" pitchFamily="49" charset="0"/>
+              </a:rPr>
+              <a:t>                        }</a:t>
+            </a:r>
+          </a:p>
+          <a:p>
+            <a:r>
+              <a:rPr lang="en-US" sz="1100" b="1" dirty="0">
+                <a:latin typeface="Courier New" panose="02070309020205020404" pitchFamily="49" charset="0"/>
+                <a:cs typeface="Courier New" panose="02070309020205020404" pitchFamily="49" charset="0"/>
+              </a:rPr>
+              <a:t>                        break;</a:t>
+            </a:r>
+          </a:p>
+          <a:p>
+            <a:r>
+              <a:rPr lang="en-US" sz="1100" b="1" dirty="0">
+                <a:latin typeface="Courier New" panose="02070309020205020404" pitchFamily="49" charset="0"/>
+                <a:cs typeface="Courier New" panose="02070309020205020404" pitchFamily="49" charset="0"/>
+              </a:rPr>
+              <a:t>        }</a:t>
+            </a:r>
+          </a:p>
+          <a:p>
+            <a:endParaRPr lang="en-US" sz="1100" b="1" dirty="0">
+              <a:latin typeface="Courier New" panose="02070309020205020404" pitchFamily="49" charset="0"/>
+              <a:cs typeface="Courier New" panose="02070309020205020404" pitchFamily="49" charset="0"/>
+            </a:endParaRPr>
+          </a:p>
+          <a:p>
+            <a:r>
+              <a:rPr lang="en-US" sz="1100" b="1" dirty="0">
+                <a:latin typeface="Courier New" panose="02070309020205020404" pitchFamily="49" charset="0"/>
+                <a:cs typeface="Courier New" panose="02070309020205020404" pitchFamily="49" charset="0"/>
+              </a:rPr>
+              <a:t>        if (</a:t>
+            </a:r>
+            <a:r>
+              <a:rPr lang="en-US" sz="1100" b="1" dirty="0" err="1">
+                <a:latin typeface="Courier New" panose="02070309020205020404" pitchFamily="49" charset="0"/>
+                <a:cs typeface="Courier New" panose="02070309020205020404" pitchFamily="49" charset="0"/>
+              </a:rPr>
+              <a:t>B_verbose</a:t>
+            </a:r>
+            <a:r>
+              <a:rPr lang="en-US" sz="1100" b="1" dirty="0">
+                <a:latin typeface="Courier New" panose="02070309020205020404" pitchFamily="49" charset="0"/>
+                <a:cs typeface="Courier New" panose="02070309020205020404" pitchFamily="49" charset="0"/>
+              </a:rPr>
+              <a:t>)</a:t>
+            </a:r>
+          </a:p>
+          <a:p>
+            <a:r>
+              <a:rPr lang="pt-BR" sz="1100" b="1" dirty="0">
+                <a:latin typeface="Courier New" panose="02070309020205020404" pitchFamily="49" charset="0"/>
+                <a:cs typeface="Courier New" panose="02070309020205020404" pitchFamily="49" charset="0"/>
+              </a:rPr>
+              <a:t>        {       fprintf(stderr, "\t%s:%3d: proc %s exec %s (...",</a:t>
+            </a:r>
+          </a:p>
+          <a:p>
+            <a:r>
+              <a:rPr lang="pt-BR" sz="1100" b="1" dirty="0">
+                <a:latin typeface="Courier New" panose="02070309020205020404" pitchFamily="49" charset="0"/>
+                <a:cs typeface="Courier New" panose="02070309020205020404" pitchFamily="49" charset="0"/>
+              </a:rPr>
+              <a:t>                        a-&gt;fnm, a-&gt;ln, B_procname, a-&gt;nm, a-&gt;tok, rv);</a:t>
+            </a:r>
+          </a:p>
+          <a:p>
+            <a:r>
+              <a:rPr lang="en-US" sz="1100" b="1" dirty="0">
+                <a:latin typeface="Courier New" panose="02070309020205020404" pitchFamily="49" charset="0"/>
+                <a:cs typeface="Courier New" panose="02070309020205020404" pitchFamily="49" charset="0"/>
+              </a:rPr>
+              <a:t>        }</a:t>
+            </a:r>
+          </a:p>
+          <a:p>
+            <a:endParaRPr lang="en-US" sz="1100" b="1" dirty="0">
+              <a:latin typeface="Courier New" panose="02070309020205020404" pitchFamily="49" charset="0"/>
+              <a:cs typeface="Courier New" panose="02070309020205020404" pitchFamily="49" charset="0"/>
+            </a:endParaRPr>
+          </a:p>
+          <a:p>
+            <a:r>
+              <a:rPr lang="en-US" sz="1100" b="1" dirty="0">
+                <a:latin typeface="Courier New" panose="02070309020205020404" pitchFamily="49" charset="0"/>
+                <a:cs typeface="Courier New" panose="02070309020205020404" pitchFamily="49" charset="0"/>
+              </a:rPr>
+              <a:t>        return </a:t>
+            </a:r>
+            <a:r>
+              <a:rPr lang="en-US" sz="1100" b="1" dirty="0" err="1">
+                <a:latin typeface="Courier New" panose="02070309020205020404" pitchFamily="49" charset="0"/>
+                <a:cs typeface="Courier New" panose="02070309020205020404" pitchFamily="49" charset="0"/>
+              </a:rPr>
+              <a:t>rv</a:t>
+            </a:r>
+            <a:r>
+              <a:rPr lang="en-US" sz="1100" b="1" dirty="0">
+                <a:latin typeface="Courier New" panose="02070309020205020404" pitchFamily="49" charset="0"/>
+                <a:cs typeface="Courier New" panose="02070309020205020404" pitchFamily="49" charset="0"/>
+              </a:rPr>
+              <a:t>;</a:t>
+            </a:r>
+          </a:p>
+          <a:p>
+            <a:r>
+              <a:rPr lang="en-US" sz="1100" b="1" dirty="0">
+                <a:latin typeface="Courier New" panose="02070309020205020404" pitchFamily="49" charset="0"/>
+                <a:cs typeface="Courier New" panose="02070309020205020404" pitchFamily="49" charset="0"/>
+              </a:rPr>
+              <a:t>}</a:t>
+            </a:r>
+          </a:p>
+          <a:p>
+            <a:endParaRPr lang="en-US" sz="1100" b="1" dirty="0">
+              <a:latin typeface="Courier New" panose="02070309020205020404" pitchFamily="49" charset="0"/>
+              <a:cs typeface="Courier New" panose="02070309020205020404" pitchFamily="49" charset="0"/>
+            </a:endParaRPr>
+          </a:p>
+        </p:txBody>
+      </p:sp>
+    </p:spTree>
+    <p:extLst>
+      <p:ext uri="{BB962C8B-B14F-4D97-AF65-F5344CB8AC3E}">
+        <p14:creationId xmlns:p14="http://schemas.microsoft.com/office/powerpoint/2010/main" val="3698422285"/>
+      </p:ext>
+    </p:extLst>
+  </p:cSld>
+  <p:clrMapOvr>
+    <a:masterClrMapping/>
+  </p:clrMapOvr>
+</p:sld>
+</file>
+
+<file path=ppt/slides/slide11.xml><?xml version="1.0" encoding="utf-8"?>
+<p:sld xmlns:a="http://schemas.openxmlformats.org/drawingml/2006/main" xmlns:r="http://schemas.openxmlformats.org/officeDocument/2006/relationships" xmlns:p="http://schemas.openxmlformats.org/presentationml/2006/main">
+  <p:cSld>
+    <p:spTree>
+      <p:nvGrpSpPr>
+        <p:cNvPr id="1" name=""/>
+        <p:cNvGrpSpPr/>
+        <p:nvPr/>
+      </p:nvGrpSpPr>
+      <p:grpSpPr>
+        <a:xfrm>
+          <a:off x="0" y="0"/>
+          <a:ext cx="0" cy="0"/>
+          <a:chOff x="0" y="0"/>
+          <a:chExt cx="0" cy="0"/>
+        </a:xfrm>
+      </p:grpSpPr>
+      <p:sp>
+        <p:nvSpPr>
+          <p:cNvPr id="2" name="Title 1"/>
+          <p:cNvSpPr>
+            <a:spLocks noGrp="1"/>
+          </p:cNvSpPr>
+          <p:nvPr>
+            <p:ph type="title"/>
+          </p:nvPr>
+        </p:nvSpPr>
+        <p:spPr>
+          <a:xfrm>
+            <a:off x="457200" y="274638"/>
+            <a:ext cx="3592286" cy="1143000"/>
+          </a:xfrm>
+        </p:spPr>
+        <p:txBody>
+          <a:bodyPr>
+            <a:normAutofit fontScale="90000"/>
+          </a:bodyPr>
+          <a:lstStyle/>
+          <a:p>
+            <a:r>
+              <a:rPr lang="en-US" dirty="0">
+                <a:solidFill>
+                  <a:schemeClr val="tx2"/>
+                </a:solidFill>
+              </a:rPr>
+              <a:t>alternating bit</a:t>
+            </a:r>
+            <a:br>
+              <a:rPr lang="en-US" dirty="0">
+                <a:solidFill>
+                  <a:schemeClr val="tx2"/>
+                </a:solidFill>
+              </a:rPr>
+            </a:br>
+            <a:r>
+              <a:rPr lang="en-US" dirty="0">
+                <a:solidFill>
+                  <a:schemeClr val="tx2"/>
+                </a:solidFill>
+              </a:rPr>
+              <a:t>with C functions</a:t>
+            </a:r>
+          </a:p>
+        </p:txBody>
+      </p:sp>
+      <p:sp>
+        <p:nvSpPr>
+          <p:cNvPr id="3" name="TextBox 2"/>
+          <p:cNvSpPr txBox="1"/>
+          <p:nvPr/>
+        </p:nvSpPr>
+        <p:spPr>
+          <a:xfrm>
+            <a:off x="3478470" y="1690689"/>
+            <a:ext cx="4458272" cy="4524315"/>
           </a:xfrm>
           <a:prstGeom prst="rect">
             <a:avLst/>
@@ -5294,7 +5948,7 @@
             </a:solidFill>
           </a:ln>
           <a:effectLst>
-            <a:outerShdw blurRad="241300" dist="165100" dir="2700000" algn="tl" rotWithShape="0">
+            <a:outerShdw blurRad="342900" dist="165100" dir="2700000" algn="tl" rotWithShape="0">
               <a:prstClr val="black">
                 <a:alpha val="40000"/>
               </a:prstClr>
@@ -5307,176 +5961,225 @@
           </a:bodyPr>
           <a:lstStyle/>
           <a:p>
-            <a:endParaRPr lang="en-US" sz="900" b="1" dirty="0">
-              <a:latin typeface="Courier New" panose="02070309020205020404" pitchFamily="49" charset="0"/>
-              <a:cs typeface="Courier New" panose="02070309020205020404" pitchFamily="49" charset="0"/>
-            </a:endParaRPr>
-          </a:p>
-          <a:p>
-            <a:r>
-              <a:rPr lang="en-US" b="1" dirty="0">
-                <a:latin typeface="Courier New" panose="02070309020205020404" pitchFamily="49" charset="0"/>
-                <a:cs typeface="Courier New" panose="02070309020205020404" pitchFamily="49" charset="0"/>
-              </a:rPr>
-              <a:t>void</a:t>
-            </a:r>
-          </a:p>
-          <a:p>
-            <a:r>
-              <a:rPr lang="en-US" b="1" dirty="0" err="1">
-                <a:latin typeface="Courier New" panose="02070309020205020404" pitchFamily="49" charset="0"/>
-                <a:cs typeface="Courier New" panose="02070309020205020404" pitchFamily="49" charset="0"/>
-              </a:rPr>
-              <a:t>init</a:t>
-            </a:r>
-            <a:r>
-              <a:rPr lang="en-US" b="1" dirty="0">
-                <a:latin typeface="Courier New" panose="02070309020205020404" pitchFamily="49" charset="0"/>
-                <a:cs typeface="Courier New" panose="02070309020205020404" pitchFamily="49" charset="0"/>
-              </a:rPr>
-              <a:t>(void)</a:t>
-            </a:r>
-          </a:p>
-          <a:p>
-            <a:r>
-              <a:rPr lang="en-US" b="1" dirty="0">
-                <a:latin typeface="Courier New" panose="02070309020205020404" pitchFamily="49" charset="0"/>
-                <a:cs typeface="Courier New" panose="02070309020205020404" pitchFamily="49" charset="0"/>
-              </a:rPr>
-              <a:t>{</a:t>
-            </a:r>
-          </a:p>
-          <a:p>
-            <a:r>
-              <a:rPr lang="en-US" b="1" dirty="0" smtClean="0">
-                <a:latin typeface="Courier New" panose="02070309020205020404" pitchFamily="49" charset="0"/>
-                <a:cs typeface="Courier New" panose="02070309020205020404" pitchFamily="49" charset="0"/>
-              </a:rPr>
-              <a:t>    functions[0</a:t>
-            </a:r>
-            <a:r>
-              <a:rPr lang="en-US" b="1" dirty="0">
-                <a:latin typeface="Courier New" panose="02070309020205020404" pitchFamily="49" charset="0"/>
-                <a:cs typeface="Courier New" panose="02070309020205020404" pitchFamily="49" charset="0"/>
-              </a:rPr>
-              <a:t>] = (</a:t>
-            </a:r>
-            <a:r>
-              <a:rPr lang="en-US" b="1" dirty="0" err="1">
-                <a:latin typeface="Courier New" panose="02070309020205020404" pitchFamily="49" charset="0"/>
-                <a:cs typeface="Courier New" panose="02070309020205020404" pitchFamily="49" charset="0"/>
-              </a:rPr>
-              <a:t>Fct</a:t>
-            </a:r>
-            <a:r>
-              <a:rPr lang="en-US" b="1" dirty="0">
-                <a:latin typeface="Courier New" panose="02070309020205020404" pitchFamily="49" charset="0"/>
-                <a:cs typeface="Courier New" panose="02070309020205020404" pitchFamily="49" charset="0"/>
-              </a:rPr>
-              <a:t>) { "</a:t>
-            </a:r>
-            <a:r>
-              <a:rPr lang="en-US" b="1" dirty="0" err="1">
-                <a:latin typeface="Courier New" panose="02070309020205020404" pitchFamily="49" charset="0"/>
-                <a:cs typeface="Courier New" panose="02070309020205020404" pitchFamily="49" charset="0"/>
-              </a:rPr>
-              <a:t>snd</a:t>
-            </a:r>
-            <a:r>
-              <a:rPr lang="en-US" b="1" dirty="0">
-                <a:latin typeface="Courier New" panose="02070309020205020404" pitchFamily="49" charset="0"/>
-                <a:cs typeface="Courier New" panose="02070309020205020404" pitchFamily="49" charset="0"/>
-              </a:rPr>
-              <a:t>", </a:t>
-            </a:r>
-            <a:r>
-              <a:rPr lang="en-US" b="1" dirty="0" err="1">
-                <a:latin typeface="Courier New" panose="02070309020205020404" pitchFamily="49" charset="0"/>
-                <a:cs typeface="Courier New" panose="02070309020205020404" pitchFamily="49" charset="0"/>
-              </a:rPr>
-              <a:t>snd</a:t>
-            </a:r>
-            <a:r>
-              <a:rPr lang="en-US" b="1" dirty="0">
-                <a:latin typeface="Courier New" panose="02070309020205020404" pitchFamily="49" charset="0"/>
-                <a:cs typeface="Courier New" panose="02070309020205020404" pitchFamily="49" charset="0"/>
-              </a:rPr>
-              <a:t> };</a:t>
-            </a:r>
-          </a:p>
-          <a:p>
-            <a:r>
-              <a:rPr lang="en-US" b="1" dirty="0" smtClean="0">
-                <a:latin typeface="Courier New" panose="02070309020205020404" pitchFamily="49" charset="0"/>
-                <a:cs typeface="Courier New" panose="02070309020205020404" pitchFamily="49" charset="0"/>
-              </a:rPr>
-              <a:t>    functions[1</a:t>
-            </a:r>
-            <a:r>
-              <a:rPr lang="en-US" b="1" dirty="0">
-                <a:latin typeface="Courier New" panose="02070309020205020404" pitchFamily="49" charset="0"/>
-                <a:cs typeface="Courier New" panose="02070309020205020404" pitchFamily="49" charset="0"/>
-              </a:rPr>
-              <a:t>] = (</a:t>
-            </a:r>
-            <a:r>
-              <a:rPr lang="en-US" b="1" dirty="0" err="1">
-                <a:latin typeface="Courier New" panose="02070309020205020404" pitchFamily="49" charset="0"/>
-                <a:cs typeface="Courier New" panose="02070309020205020404" pitchFamily="49" charset="0"/>
-              </a:rPr>
-              <a:t>Fct</a:t>
-            </a:r>
-            <a:r>
-              <a:rPr lang="en-US" b="1" dirty="0">
-                <a:latin typeface="Courier New" panose="02070309020205020404" pitchFamily="49" charset="0"/>
-                <a:cs typeface="Courier New" panose="02070309020205020404" pitchFamily="49" charset="0"/>
-              </a:rPr>
-              <a:t>) { "</a:t>
-            </a:r>
-            <a:r>
-              <a:rPr lang="en-US" b="1" dirty="0" err="1">
-                <a:latin typeface="Courier New" panose="02070309020205020404" pitchFamily="49" charset="0"/>
-                <a:cs typeface="Courier New" panose="02070309020205020404" pitchFamily="49" charset="0"/>
-              </a:rPr>
-              <a:t>rcv</a:t>
-            </a:r>
-            <a:r>
-              <a:rPr lang="en-US" b="1" dirty="0">
-                <a:latin typeface="Courier New" panose="02070309020205020404" pitchFamily="49" charset="0"/>
-                <a:cs typeface="Courier New" panose="02070309020205020404" pitchFamily="49" charset="0"/>
-              </a:rPr>
-              <a:t>", </a:t>
-            </a:r>
-            <a:r>
-              <a:rPr lang="en-US" b="1" dirty="0" err="1">
-                <a:latin typeface="Courier New" panose="02070309020205020404" pitchFamily="49" charset="0"/>
-                <a:cs typeface="Courier New" panose="02070309020205020404" pitchFamily="49" charset="0"/>
-              </a:rPr>
-              <a:t>rcv</a:t>
-            </a:r>
-            <a:r>
-              <a:rPr lang="en-US" b="1" dirty="0">
-                <a:latin typeface="Courier New" panose="02070309020205020404" pitchFamily="49" charset="0"/>
-                <a:cs typeface="Courier New" panose="02070309020205020404" pitchFamily="49" charset="0"/>
-              </a:rPr>
-              <a:t> };</a:t>
-            </a:r>
-          </a:p>
-          <a:p>
-            <a:r>
-              <a:rPr lang="en-US" b="1" dirty="0" smtClean="0">
-                <a:latin typeface="Courier New" panose="02070309020205020404" pitchFamily="49" charset="0"/>
-                <a:cs typeface="Courier New" panose="02070309020205020404" pitchFamily="49" charset="0"/>
-              </a:rPr>
-              <a:t>}</a:t>
-            </a:r>
+            <a:r>
+              <a:rPr lang="pt-BR" b="1" dirty="0">
+                <a:latin typeface="Courier New" panose="02070309020205020404" pitchFamily="49" charset="0"/>
+                <a:cs typeface="Courier New" panose="02070309020205020404" pitchFamily="49" charset="0"/>
+              </a:rPr>
+              <a:t>// constants s2r, r2s, Msg, Ack</a:t>
+            </a:r>
+          </a:p>
+          <a:p>
             <a:endParaRPr lang="en-US" b="1" dirty="0">
               <a:latin typeface="Courier New" panose="02070309020205020404" pitchFamily="49" charset="0"/>
               <a:cs typeface="Courier New" panose="02070309020205020404" pitchFamily="49" charset="0"/>
             </a:endParaRPr>
           </a:p>
+          <a:p>
+            <a:r>
+              <a:rPr lang="en-US" b="1" dirty="0">
+                <a:latin typeface="Courier New" panose="02070309020205020404" pitchFamily="49" charset="0"/>
+                <a:cs typeface="Courier New" panose="02070309020205020404" pitchFamily="49" charset="0"/>
+              </a:rPr>
+              <a:t>process sender</a:t>
+            </a:r>
+          </a:p>
+          <a:p>
+            <a:r>
+              <a:rPr lang="en-US" b="1" dirty="0">
+                <a:latin typeface="Courier New" panose="02070309020205020404" pitchFamily="49" charset="0"/>
+                <a:cs typeface="Courier New" panose="02070309020205020404" pitchFamily="49" charset="0"/>
+              </a:rPr>
+              <a:t>{</a:t>
+            </a:r>
+          </a:p>
+          <a:p>
+            <a:r>
+              <a:rPr lang="pt-BR" b="1" dirty="0">
+                <a:latin typeface="Courier New" panose="02070309020205020404" pitchFamily="49" charset="0"/>
+                <a:cs typeface="Courier New" panose="02070309020205020404" pitchFamily="49" charset="0"/>
+              </a:rPr>
+              <a:t>s0:     snd_m0(); rcv_a0();</a:t>
+            </a:r>
+          </a:p>
+          <a:p>
+            <a:r>
+              <a:rPr lang="pt-BR" b="1" dirty="0">
+                <a:latin typeface="Courier New" panose="02070309020205020404" pitchFamily="49" charset="0"/>
+                <a:cs typeface="Courier New" panose="02070309020205020404" pitchFamily="49" charset="0"/>
+              </a:rPr>
+              <a:t>        snd_m1(); rcv_a1();</a:t>
+            </a:r>
+          </a:p>
+          <a:p>
+            <a:r>
+              <a:rPr lang="en-US" b="1" dirty="0">
+                <a:latin typeface="Courier New" panose="02070309020205020404" pitchFamily="49" charset="0"/>
+                <a:cs typeface="Courier New" panose="02070309020205020404" pitchFamily="49" charset="0"/>
+              </a:rPr>
+              <a:t>        next s0;</a:t>
+            </a:r>
+          </a:p>
+          <a:p>
+            <a:r>
+              <a:rPr lang="en-US" b="1" dirty="0">
+                <a:latin typeface="Courier New" panose="02070309020205020404" pitchFamily="49" charset="0"/>
+                <a:cs typeface="Courier New" panose="02070309020205020404" pitchFamily="49" charset="0"/>
+              </a:rPr>
+              <a:t>}</a:t>
+            </a:r>
+          </a:p>
+          <a:p>
+            <a:endParaRPr lang="en-US" b="1" dirty="0">
+              <a:latin typeface="Courier New" panose="02070309020205020404" pitchFamily="49" charset="0"/>
+              <a:cs typeface="Courier New" panose="02070309020205020404" pitchFamily="49" charset="0"/>
+            </a:endParaRPr>
+          </a:p>
+          <a:p>
+            <a:r>
+              <a:rPr lang="en-US" b="1" dirty="0">
+                <a:latin typeface="Courier New" panose="02070309020205020404" pitchFamily="49" charset="0"/>
+                <a:cs typeface="Courier New" panose="02070309020205020404" pitchFamily="49" charset="0"/>
+              </a:rPr>
+              <a:t>process receiver</a:t>
+            </a:r>
+          </a:p>
+          <a:p>
+            <a:r>
+              <a:rPr lang="en-US" b="1" dirty="0">
+                <a:latin typeface="Courier New" panose="02070309020205020404" pitchFamily="49" charset="0"/>
+                <a:cs typeface="Courier New" panose="02070309020205020404" pitchFamily="49" charset="0"/>
+              </a:rPr>
+              <a:t>{</a:t>
+            </a:r>
+          </a:p>
+          <a:p>
+            <a:r>
+              <a:rPr lang="pt-BR" b="1" dirty="0">
+                <a:latin typeface="Courier New" panose="02070309020205020404" pitchFamily="49" charset="0"/>
+                <a:cs typeface="Courier New" panose="02070309020205020404" pitchFamily="49" charset="0"/>
+              </a:rPr>
+              <a:t>s0:     rcv_m0(); snd_a0();</a:t>
+            </a:r>
+          </a:p>
+          <a:p>
+            <a:r>
+              <a:rPr lang="pt-BR" b="1" dirty="0">
+                <a:latin typeface="Courier New" panose="02070309020205020404" pitchFamily="49" charset="0"/>
+                <a:cs typeface="Courier New" panose="02070309020205020404" pitchFamily="49" charset="0"/>
+              </a:rPr>
+              <a:t>        rcv_m1(); snd_a1();</a:t>
+            </a:r>
+          </a:p>
+          <a:p>
+            <a:r>
+              <a:rPr lang="en-US" b="1" dirty="0">
+                <a:latin typeface="Courier New" panose="02070309020205020404" pitchFamily="49" charset="0"/>
+                <a:cs typeface="Courier New" panose="02070309020205020404" pitchFamily="49" charset="0"/>
+              </a:rPr>
+              <a:t>        next s0;</a:t>
+            </a:r>
+          </a:p>
+          <a:p>
+            <a:r>
+              <a:rPr lang="en-US" b="1" dirty="0">
+                <a:latin typeface="Courier New" panose="02070309020205020404" pitchFamily="49" charset="0"/>
+                <a:cs typeface="Courier New" panose="02070309020205020404" pitchFamily="49" charset="0"/>
+              </a:rPr>
+              <a:t>}</a:t>
+            </a:r>
+          </a:p>
+          <a:p>
+            <a:r>
+              <a:rPr lang="en-US" b="1" dirty="0">
+                <a:solidFill>
+                  <a:schemeClr val="tx2"/>
+                </a:solidFill>
+                <a:latin typeface="Courier New" panose="02070309020205020404" pitchFamily="49" charset="0"/>
+                <a:cs typeface="Courier New" panose="02070309020205020404" pitchFamily="49" charset="0"/>
+              </a:rPr>
+              <a:t>%%</a:t>
+            </a:r>
+          </a:p>
         </p:txBody>
       </p:sp>
+      <p:sp>
+        <p:nvSpPr>
+          <p:cNvPr id="4" name="Rectangle 3"/>
+          <p:cNvSpPr/>
+          <p:nvPr/>
+        </p:nvSpPr>
+        <p:spPr>
+          <a:xfrm>
+            <a:off x="3321498" y="5799974"/>
+            <a:ext cx="1014608" cy="440831"/>
+          </a:xfrm>
+          <a:prstGeom prst="rect">
+            <a:avLst/>
+          </a:prstGeom>
+          <a:noFill/>
+          <a:ln>
+            <a:solidFill>
+              <a:srgbClr val="FF0000"/>
+            </a:solidFill>
+            <a:prstDash val="lgDash"/>
+          </a:ln>
+        </p:spPr>
+        <p:style>
+          <a:lnRef idx="2">
+            <a:schemeClr val="accent1">
+              <a:shade val="50000"/>
+            </a:schemeClr>
+          </a:lnRef>
+          <a:fillRef idx="1">
+            <a:schemeClr val="accent1"/>
+          </a:fillRef>
+          <a:effectRef idx="0">
+            <a:schemeClr val="accent1"/>
+          </a:effectRef>
+          <a:fontRef idx="minor">
+            <a:schemeClr val="lt1"/>
+          </a:fontRef>
+        </p:style>
+        <p:txBody>
+          <a:bodyPr rtlCol="0" anchor="ctr"/>
+          <a:lstStyle/>
+          <a:p>
+            <a:pPr algn="ctr"/>
+            <a:endParaRPr lang="en-US"/>
+          </a:p>
+        </p:txBody>
+      </p:sp>
+    </p:spTree>
+    <p:extLst>
+      <p:ext uri="{BB962C8B-B14F-4D97-AF65-F5344CB8AC3E}">
+        <p14:creationId xmlns:p14="http://schemas.microsoft.com/office/powerpoint/2010/main" val="1714618536"/>
+      </p:ext>
+    </p:extLst>
+  </p:cSld>
+  <p:clrMapOvr>
+    <a:masterClrMapping/>
+  </p:clrMapOvr>
+</p:sld>
+</file>
+
+<file path=ppt/slides/slide12.xml><?xml version="1.0" encoding="utf-8"?>
+<p:sld xmlns:a="http://schemas.openxmlformats.org/drawingml/2006/main" xmlns:r="http://schemas.openxmlformats.org/officeDocument/2006/relationships" xmlns:p="http://schemas.openxmlformats.org/presentationml/2006/main">
+  <p:cSld>
+    <p:spTree>
+      <p:nvGrpSpPr>
+        <p:cNvPr id="1" name=""/>
+        <p:cNvGrpSpPr/>
+        <p:nvPr/>
+      </p:nvGrpSpPr>
+      <p:grpSpPr>
+        <a:xfrm>
+          <a:off x="0" y="0"/>
+          <a:ext cx="0" cy="0"/>
+          <a:chOff x="0" y="0"/>
+          <a:chExt cx="0" cy="0"/>
+        </a:xfrm>
+      </p:grpSpPr>
       <p:sp>
         <p:nvSpPr>
           <p:cNvPr id="3" name="TextBox 2"/>
@@ -5485,8 +6188,8 @@
         </p:nvSpPr>
         <p:spPr>
           <a:xfrm>
-            <a:off x="2984518" y="368456"/>
-            <a:ext cx="5570758" cy="4924425"/>
+            <a:off x="3033137" y="132438"/>
+            <a:ext cx="6088046" cy="6309420"/>
           </a:xfrm>
           <a:prstGeom prst="rect">
             <a:avLst/>
@@ -5496,18 +6199,13 @@
           </a:solidFill>
           <a:ln>
             <a:solidFill>
-              <a:schemeClr val="bg1">
-                <a:lumMod val="95000"/>
+              <a:schemeClr val="tx1">
+                <a:lumMod val="50000"/>
+                <a:lumOff val="50000"/>
               </a:schemeClr>
             </a:solidFill>
           </a:ln>
-          <a:effectLst>
-            <a:outerShdw blurRad="292100" dist="177800" dir="2700000" algn="tl" rotWithShape="0">
-              <a:prstClr val="black">
-                <a:alpha val="40000"/>
-              </a:prstClr>
-            </a:outerShdw>
-          </a:effectLst>
+          <a:effectLst/>
         </p:spPr>
         <p:txBody>
           <a:bodyPr wrap="square" rtlCol="0">
@@ -5516,7 +6214,7 @@
           <a:lstStyle/>
           <a:p>
             <a:r>
-              <a:rPr lang="en-US" b="1" dirty="0" smtClean="0">
+              <a:rPr lang="en-US" b="1" dirty="0">
                 <a:solidFill>
                   <a:schemeClr val="tx2"/>
                 </a:solidFill>
@@ -5528,7 +6226,7 @@
           </a:p>
           <a:p>
             <a:r>
-              <a:rPr lang="en-US" b="1" dirty="0" err="1" smtClean="0">
+              <a:rPr lang="en-US" b="1" dirty="0" err="1">
                 <a:latin typeface="Courier New" panose="02070309020205020404" pitchFamily="49" charset="0"/>
                 <a:cs typeface="Courier New" panose="02070309020205020404" pitchFamily="49" charset="0"/>
               </a:rPr>
@@ -5545,12 +6243,12 @@
                 <a:latin typeface="Courier New" panose="02070309020205020404" pitchFamily="49" charset="0"/>
                 <a:cs typeface="Courier New" panose="02070309020205020404" pitchFamily="49" charset="0"/>
               </a:rPr>
-              <a:t>snd(int dst, int tp, int seqno, ...)</a:t>
-            </a:r>
-          </a:p>
-          <a:p>
-            <a:r>
-              <a:rPr lang="en-US" b="1" dirty="0" smtClean="0">
+              <a:t>snd(int dst, int tp, int seqno)</a:t>
+            </a:r>
+          </a:p>
+          <a:p>
+            <a:r>
+              <a:rPr lang="en-US" b="1" dirty="0">
                 <a:latin typeface="Courier New" panose="02070309020205020404" pitchFamily="49" charset="0"/>
                 <a:cs typeface="Courier New" panose="02070309020205020404" pitchFamily="49" charset="0"/>
               </a:rPr>
@@ -5559,60 +6257,139 @@
           </a:p>
           <a:p>
             <a:r>
-              <a:rPr lang="en-US" b="1" dirty="0" smtClean="0">
-                <a:latin typeface="Courier New" panose="02070309020205020404" pitchFamily="49" charset="0"/>
-                <a:cs typeface="Courier New" panose="02070309020205020404" pitchFamily="49" charset="0"/>
-              </a:rPr>
-              <a:t>    if </a:t>
-            </a:r>
-            <a:r>
               <a:rPr lang="en-US" b="1" dirty="0">
                 <a:latin typeface="Courier New" panose="02070309020205020404" pitchFamily="49" charset="0"/>
                 <a:cs typeface="Courier New" panose="02070309020205020404" pitchFamily="49" charset="0"/>
               </a:rPr>
-              <a:t>(</a:t>
+              <a:t>    if (B_state.sv[</a:t>
             </a:r>
             <a:r>
               <a:rPr lang="en-US" b="1" dirty="0" err="1">
-                <a:latin typeface="Courier New" panose="02070309020205020404" pitchFamily="49" charset="0"/>
-                <a:cs typeface="Courier New" panose="02070309020205020404" pitchFamily="49" charset="0"/>
-              </a:rPr>
-              <a:t>state.c</a:t>
+                <a:solidFill>
+                  <a:srgbClr val="FF0000"/>
+                </a:solidFill>
+                <a:latin typeface="Courier New" panose="02070309020205020404" pitchFamily="49" charset="0"/>
+                <a:cs typeface="Courier New" panose="02070309020205020404" pitchFamily="49" charset="0"/>
+              </a:rPr>
+              <a:t>dst</a:t>
             </a:r>
             <a:r>
               <a:rPr lang="en-US" b="1" dirty="0">
                 <a:latin typeface="Courier New" panose="02070309020205020404" pitchFamily="49" charset="0"/>
                 <a:cs typeface="Courier New" panose="02070309020205020404" pitchFamily="49" charset="0"/>
               </a:rPr>
-              <a:t>[</a:t>
+              <a:t>])</a:t>
+            </a:r>
+          </a:p>
+          <a:p>
+            <a:r>
+              <a:rPr lang="en-US" b="1" dirty="0">
+                <a:latin typeface="Courier New" panose="02070309020205020404" pitchFamily="49" charset="0"/>
+                <a:cs typeface="Courier New" panose="02070309020205020404" pitchFamily="49" charset="0"/>
+              </a:rPr>
+              <a:t>	{	return 0;</a:t>
+            </a:r>
+          </a:p>
+          <a:p>
+            <a:r>
+              <a:rPr lang="en-US" b="1" dirty="0">
+                <a:latin typeface="Courier New" panose="02070309020205020404" pitchFamily="49" charset="0"/>
+                <a:cs typeface="Courier New" panose="02070309020205020404" pitchFamily="49" charset="0"/>
+              </a:rPr>
+              <a:t>	}</a:t>
+            </a:r>
+          </a:p>
+          <a:p>
+            <a:r>
+              <a:rPr lang="en-US" b="1" dirty="0">
+                <a:latin typeface="Courier New" panose="02070309020205020404" pitchFamily="49" charset="0"/>
+                <a:cs typeface="Courier New" panose="02070309020205020404" pitchFamily="49" charset="0"/>
+              </a:rPr>
+              <a:t>    B_state.sv[</a:t>
             </a:r>
             <a:r>
               <a:rPr lang="en-US" b="1" dirty="0" err="1">
+                <a:solidFill>
+                  <a:srgbClr val="FF0000"/>
+                </a:solidFill>
                 <a:latin typeface="Courier New" panose="02070309020205020404" pitchFamily="49" charset="0"/>
                 <a:cs typeface="Courier New" panose="02070309020205020404" pitchFamily="49" charset="0"/>
               </a:rPr>
               <a:t>dst</a:t>
             </a:r>
             <a:r>
-              <a:rPr lang="en-US" b="1" dirty="0" smtClean="0">
-                <a:latin typeface="Courier New" panose="02070309020205020404" pitchFamily="49" charset="0"/>
-                <a:cs typeface="Courier New" panose="02070309020205020404" pitchFamily="49" charset="0"/>
-              </a:rPr>
-              <a:t>]) { return </a:t>
-            </a:r>
-            <a:r>
               <a:rPr lang="en-US" b="1" dirty="0">
                 <a:latin typeface="Courier New" panose="02070309020205020404" pitchFamily="49" charset="0"/>
                 <a:cs typeface="Courier New" panose="02070309020205020404" pitchFamily="49" charset="0"/>
               </a:rPr>
-              <a:t>0</a:t>
-            </a:r>
-            <a:r>
-              <a:rPr lang="en-US" b="1" dirty="0" smtClean="0">
-                <a:latin typeface="Courier New" panose="02070309020205020404" pitchFamily="49" charset="0"/>
-                <a:cs typeface="Courier New" panose="02070309020205020404" pitchFamily="49" charset="0"/>
-              </a:rPr>
-              <a:t>; }</a:t>
+              <a:t>] = 2*</a:t>
+            </a:r>
+            <a:r>
+              <a:rPr lang="en-US" b="1" dirty="0" err="1">
+                <a:solidFill>
+                  <a:srgbClr val="FF0000"/>
+                </a:solidFill>
+                <a:latin typeface="Courier New" panose="02070309020205020404" pitchFamily="49" charset="0"/>
+                <a:cs typeface="Courier New" panose="02070309020205020404" pitchFamily="49" charset="0"/>
+              </a:rPr>
+              <a:t>tp</a:t>
+            </a:r>
+            <a:r>
+              <a:rPr lang="en-US" b="1" dirty="0">
+                <a:latin typeface="Courier New" panose="02070309020205020404" pitchFamily="49" charset="0"/>
+                <a:cs typeface="Courier New" panose="02070309020205020404" pitchFamily="49" charset="0"/>
+              </a:rPr>
+              <a:t> + </a:t>
+            </a:r>
+            <a:r>
+              <a:rPr lang="en-US" b="1" dirty="0" err="1">
+                <a:solidFill>
+                  <a:srgbClr val="FF0000"/>
+                </a:solidFill>
+                <a:latin typeface="Courier New" panose="02070309020205020404" pitchFamily="49" charset="0"/>
+                <a:cs typeface="Courier New" panose="02070309020205020404" pitchFamily="49" charset="0"/>
+              </a:rPr>
+              <a:t>seqno</a:t>
+            </a:r>
+            <a:r>
+              <a:rPr lang="en-US" b="1" dirty="0">
+                <a:latin typeface="Courier New" panose="02070309020205020404" pitchFamily="49" charset="0"/>
+                <a:cs typeface="Courier New" panose="02070309020205020404" pitchFamily="49" charset="0"/>
+              </a:rPr>
+              <a:t>; </a:t>
+            </a:r>
+          </a:p>
+          <a:p>
+            <a:r>
+              <a:rPr lang="en-US" b="1" dirty="0">
+                <a:latin typeface="Courier New" panose="02070309020205020404" pitchFamily="49" charset="0"/>
+                <a:cs typeface="Courier New" panose="02070309020205020404" pitchFamily="49" charset="0"/>
+              </a:rPr>
+              <a:t>    return 1;</a:t>
+            </a:r>
+          </a:p>
+          <a:p>
+            <a:r>
+              <a:rPr lang="en-US" b="1" dirty="0">
+                <a:latin typeface="Courier New" panose="02070309020205020404" pitchFamily="49" charset="0"/>
+                <a:cs typeface="Courier New" panose="02070309020205020404" pitchFamily="49" charset="0"/>
+              </a:rPr>
+              <a:t>}</a:t>
+            </a:r>
+          </a:p>
+          <a:p>
+            <a:endParaRPr lang="en-US" sz="800" b="1" dirty="0">
+              <a:latin typeface="Courier New" panose="02070309020205020404" pitchFamily="49" charset="0"/>
+              <a:cs typeface="Courier New" panose="02070309020205020404" pitchFamily="49" charset="0"/>
+            </a:endParaRPr>
+          </a:p>
+          <a:p>
+            <a:r>
+              <a:rPr lang="en-US" b="1" dirty="0" err="1">
+                <a:latin typeface="Courier New" panose="02070309020205020404" pitchFamily="49" charset="0"/>
+                <a:cs typeface="Courier New" panose="02070309020205020404" pitchFamily="49" charset="0"/>
+              </a:rPr>
+              <a:t>int</a:t>
             </a:r>
             <a:endParaRPr lang="en-US" b="1" dirty="0">
               <a:latin typeface="Courier New" panose="02070309020205020404" pitchFamily="49" charset="0"/>
@@ -5621,45 +6398,38 @@
           </a:p>
           <a:p>
             <a:r>
-              <a:rPr lang="en-US" b="1" dirty="0" smtClean="0">
-                <a:latin typeface="Courier New" panose="02070309020205020404" pitchFamily="49" charset="0"/>
-                <a:cs typeface="Courier New" panose="02070309020205020404" pitchFamily="49" charset="0"/>
-              </a:rPr>
-              <a:t>    </a:t>
-            </a:r>
-            <a:r>
-              <a:rPr lang="en-US" b="1" dirty="0" err="1" smtClean="0">
-                <a:latin typeface="Courier New" panose="02070309020205020404" pitchFamily="49" charset="0"/>
-                <a:cs typeface="Courier New" panose="02070309020205020404" pitchFamily="49" charset="0"/>
-              </a:rPr>
-              <a:t>state.c</a:t>
-            </a:r>
-            <a:r>
-              <a:rPr lang="en-US" b="1" dirty="0" smtClean="0">
-                <a:latin typeface="Courier New" panose="02070309020205020404" pitchFamily="49" charset="0"/>
-                <a:cs typeface="Courier New" panose="02070309020205020404" pitchFamily="49" charset="0"/>
-              </a:rPr>
-              <a:t>[</a:t>
-            </a:r>
-            <a:r>
-              <a:rPr lang="en-US" b="1" dirty="0" err="1" smtClean="0">
-                <a:latin typeface="Courier New" panose="02070309020205020404" pitchFamily="49" charset="0"/>
-                <a:cs typeface="Courier New" panose="02070309020205020404" pitchFamily="49" charset="0"/>
-              </a:rPr>
-              <a:t>dst</a:t>
+              <a:rPr lang="en-US" b="1" dirty="0" err="1">
+                <a:latin typeface="Courier New" panose="02070309020205020404" pitchFamily="49" charset="0"/>
+                <a:cs typeface="Courier New" panose="02070309020205020404" pitchFamily="49" charset="0"/>
+              </a:rPr>
+              <a:t>rcv</a:t>
             </a:r>
             <a:r>
               <a:rPr lang="en-US" b="1" dirty="0">
                 <a:latin typeface="Courier New" panose="02070309020205020404" pitchFamily="49" charset="0"/>
                 <a:cs typeface="Courier New" panose="02070309020205020404" pitchFamily="49" charset="0"/>
               </a:rPr>
-              <a:t>] = 2*</a:t>
+              <a:t>(int </a:t>
             </a:r>
             <a:r>
               <a:rPr lang="en-US" b="1" dirty="0" err="1">
                 <a:latin typeface="Courier New" panose="02070309020205020404" pitchFamily="49" charset="0"/>
                 <a:cs typeface="Courier New" panose="02070309020205020404" pitchFamily="49" charset="0"/>
               </a:rPr>
+              <a:t>src</a:t>
+            </a:r>
+            <a:r>
+              <a:rPr lang="en-US" b="1" dirty="0">
+                <a:latin typeface="Courier New" panose="02070309020205020404" pitchFamily="49" charset="0"/>
+                <a:cs typeface="Courier New" panose="02070309020205020404" pitchFamily="49" charset="0"/>
+              </a:rPr>
+              <a:t>, int </a:t>
+            </a:r>
+            <a:r>
+              <a:rPr lang="en-US" b="1" dirty="0" err="1">
+                <a:latin typeface="Courier New" panose="02070309020205020404" pitchFamily="49" charset="0"/>
+                <a:cs typeface="Courier New" panose="02070309020205020404" pitchFamily="49" charset="0"/>
+              </a:rPr>
               <a:t>tp</a:t>
             </a:r>
             <a:r>
@@ -5667,10 +6437,79 @@
                 <a:latin typeface="Courier New" panose="02070309020205020404" pitchFamily="49" charset="0"/>
                 <a:cs typeface="Courier New" panose="02070309020205020404" pitchFamily="49" charset="0"/>
               </a:rPr>
+              <a:t>, int </a:t>
+            </a:r>
+            <a:r>
+              <a:rPr lang="en-US" b="1" dirty="0" err="1">
+                <a:latin typeface="Courier New" panose="02070309020205020404" pitchFamily="49" charset="0"/>
+                <a:cs typeface="Courier New" panose="02070309020205020404" pitchFamily="49" charset="0"/>
+              </a:rPr>
+              <a:t>seqno</a:t>
+            </a:r>
+            <a:r>
+              <a:rPr lang="en-US" b="1" dirty="0">
+                <a:latin typeface="Courier New" panose="02070309020205020404" pitchFamily="49" charset="0"/>
+                <a:cs typeface="Courier New" panose="02070309020205020404" pitchFamily="49" charset="0"/>
+              </a:rPr>
+              <a:t>)</a:t>
+            </a:r>
+          </a:p>
+          <a:p>
+            <a:r>
+              <a:rPr lang="en-US" b="1" dirty="0">
+                <a:latin typeface="Courier New" panose="02070309020205020404" pitchFamily="49" charset="0"/>
+                <a:cs typeface="Courier New" panose="02070309020205020404" pitchFamily="49" charset="0"/>
+              </a:rPr>
+              <a:t>{</a:t>
+            </a:r>
+          </a:p>
+          <a:p>
+            <a:r>
+              <a:rPr lang="en-US" b="1" dirty="0">
+                <a:latin typeface="Courier New" panose="02070309020205020404" pitchFamily="49" charset="0"/>
+                <a:cs typeface="Courier New" panose="02070309020205020404" pitchFamily="49" charset="0"/>
+              </a:rPr>
+              <a:t>    if (B_state.sv[</a:t>
+            </a:r>
+            <a:r>
+              <a:rPr lang="en-US" b="1" dirty="0" err="1">
+                <a:solidFill>
+                  <a:srgbClr val="FF0000"/>
+                </a:solidFill>
+                <a:latin typeface="Courier New" panose="02070309020205020404" pitchFamily="49" charset="0"/>
+                <a:cs typeface="Courier New" panose="02070309020205020404" pitchFamily="49" charset="0"/>
+              </a:rPr>
+              <a:t>src</a:t>
+            </a:r>
+            <a:r>
+              <a:rPr lang="en-US" b="1" dirty="0">
+                <a:latin typeface="Courier New" panose="02070309020205020404" pitchFamily="49" charset="0"/>
+                <a:cs typeface="Courier New" panose="02070309020205020404" pitchFamily="49" charset="0"/>
+              </a:rPr>
+              <a:t>] != 2*</a:t>
+            </a:r>
+            <a:r>
+              <a:rPr lang="en-US" b="1" dirty="0" err="1">
+                <a:solidFill>
+                  <a:srgbClr val="FF0000"/>
+                </a:solidFill>
+                <a:latin typeface="Courier New" panose="02070309020205020404" pitchFamily="49" charset="0"/>
+                <a:cs typeface="Courier New" panose="02070309020205020404" pitchFamily="49" charset="0"/>
+              </a:rPr>
+              <a:t>tp</a:t>
+            </a:r>
+            <a:r>
+              <a:rPr lang="en-US" b="1" dirty="0">
+                <a:latin typeface="Courier New" panose="02070309020205020404" pitchFamily="49" charset="0"/>
+                <a:cs typeface="Courier New" panose="02070309020205020404" pitchFamily="49" charset="0"/>
+              </a:rPr>
               <a:t> + </a:t>
             </a:r>
             <a:r>
               <a:rPr lang="en-US" b="1" dirty="0" err="1">
+                <a:solidFill>
+                  <a:srgbClr val="FF0000"/>
+                </a:solidFill>
                 <a:latin typeface="Courier New" panose="02070309020205020404" pitchFamily="49" charset="0"/>
                 <a:cs typeface="Courier New" panose="02070309020205020404" pitchFamily="49" charset="0"/>
               </a:rPr>
@@ -5681,27 +6520,16 @@
                 <a:latin typeface="Courier New" panose="02070309020205020404" pitchFamily="49" charset="0"/>
                 <a:cs typeface="Courier New" panose="02070309020205020404" pitchFamily="49" charset="0"/>
               </a:rPr>
-              <a:t>; </a:t>
-            </a:r>
-            <a:endParaRPr lang="en-US" b="1" dirty="0" smtClean="0">
-              <a:latin typeface="Courier New" panose="02070309020205020404" pitchFamily="49" charset="0"/>
-              <a:cs typeface="Courier New" panose="02070309020205020404" pitchFamily="49" charset="0"/>
-            </a:endParaRPr>
-          </a:p>
-          <a:p>
-            <a:r>
-              <a:rPr lang="en-US" b="1" dirty="0" smtClean="0">
-                <a:latin typeface="Courier New" panose="02070309020205020404" pitchFamily="49" charset="0"/>
-                <a:cs typeface="Courier New" panose="02070309020205020404" pitchFamily="49" charset="0"/>
-              </a:rPr>
-              <a:t>    return </a:t>
-            </a:r>
+              <a:t>)</a:t>
+            </a:r>
+          </a:p>
+          <a:p>
             <a:r>
               <a:rPr lang="en-US" b="1" dirty="0">
                 <a:latin typeface="Courier New" panose="02070309020205020404" pitchFamily="49" charset="0"/>
                 <a:cs typeface="Courier New" panose="02070309020205020404" pitchFamily="49" charset="0"/>
               </a:rPr>
-              <a:t>1;</a:t>
+              <a:t>    {       return 0;</a:t>
             </a:r>
           </a:p>
           <a:p>
@@ -5710,29 +6538,84 @@
                 <a:latin typeface="Courier New" panose="02070309020205020404" pitchFamily="49" charset="0"/>
                 <a:cs typeface="Courier New" panose="02070309020205020404" pitchFamily="49" charset="0"/>
               </a:rPr>
+              <a:t>    }</a:t>
+            </a:r>
+          </a:p>
+          <a:p>
+            <a:r>
+              <a:rPr lang="en-US" b="1" dirty="0">
+                <a:latin typeface="Courier New" panose="02070309020205020404" pitchFamily="49" charset="0"/>
+                <a:cs typeface="Courier New" panose="02070309020205020404" pitchFamily="49" charset="0"/>
+              </a:rPr>
+              <a:t>    B_state.sv[</a:t>
+            </a:r>
+            <a:r>
+              <a:rPr lang="en-US" b="1" dirty="0" err="1">
+                <a:solidFill>
+                  <a:srgbClr val="FF0000"/>
+                </a:solidFill>
+                <a:latin typeface="Courier New" panose="02070309020205020404" pitchFamily="49" charset="0"/>
+                <a:cs typeface="Courier New" panose="02070309020205020404" pitchFamily="49" charset="0"/>
+              </a:rPr>
+              <a:t>src</a:t>
+            </a:r>
+            <a:r>
+              <a:rPr lang="en-US" b="1" dirty="0">
+                <a:latin typeface="Courier New" panose="02070309020205020404" pitchFamily="49" charset="0"/>
+                <a:cs typeface="Courier New" panose="02070309020205020404" pitchFamily="49" charset="0"/>
+              </a:rPr>
+              <a:t>] = 0;</a:t>
+            </a:r>
+          </a:p>
+          <a:p>
+            <a:r>
+              <a:rPr lang="en-US" b="1" dirty="0">
+                <a:latin typeface="Courier New" panose="02070309020205020404" pitchFamily="49" charset="0"/>
+                <a:cs typeface="Courier New" panose="02070309020205020404" pitchFamily="49" charset="0"/>
+              </a:rPr>
+              <a:t>    return 1;</a:t>
+            </a:r>
+          </a:p>
+          <a:p>
+            <a:r>
+              <a:rPr lang="en-US" b="1" dirty="0">
+                <a:latin typeface="Courier New" panose="02070309020205020404" pitchFamily="49" charset="0"/>
+                <a:cs typeface="Courier New" panose="02070309020205020404" pitchFamily="49" charset="0"/>
+              </a:rPr>
               <a:t>}</a:t>
             </a:r>
           </a:p>
           <a:p>
-            <a:endParaRPr lang="en-US" sz="800" b="1" dirty="0">
-              <a:latin typeface="Courier New" panose="02070309020205020404" pitchFamily="49" charset="0"/>
-              <a:cs typeface="Courier New" panose="02070309020205020404" pitchFamily="49" charset="0"/>
-            </a:endParaRPr>
-          </a:p>
-          <a:p>
+            <a:r>
+              <a:rPr lang="en-US" b="1" dirty="0">
+                <a:latin typeface="Courier New" panose="02070309020205020404" pitchFamily="49" charset="0"/>
+                <a:cs typeface="Courier New" panose="02070309020205020404" pitchFamily="49" charset="0"/>
+              </a:rPr>
+              <a:t>int snd_m0(void) { return </a:t>
+            </a:r>
             <a:r>
               <a:rPr lang="en-US" b="1" dirty="0" err="1">
                 <a:latin typeface="Courier New" panose="02070309020205020404" pitchFamily="49" charset="0"/>
                 <a:cs typeface="Courier New" panose="02070309020205020404" pitchFamily="49" charset="0"/>
               </a:rPr>
-              <a:t>int</a:t>
-            </a:r>
-            <a:endParaRPr lang="en-US" b="1" dirty="0">
-              <a:latin typeface="Courier New" panose="02070309020205020404" pitchFamily="49" charset="0"/>
-              <a:cs typeface="Courier New" panose="02070309020205020404" pitchFamily="49" charset="0"/>
-            </a:endParaRPr>
-          </a:p>
-          <a:p>
+              <a:t>snd</a:t>
+            </a:r>
+            <a:r>
+              <a:rPr lang="en-US" b="1" dirty="0">
+                <a:latin typeface="Courier New" panose="02070309020205020404" pitchFamily="49" charset="0"/>
+                <a:cs typeface="Courier New" panose="02070309020205020404" pitchFamily="49" charset="0"/>
+              </a:rPr>
+              <a:t>(s2r,Msg,0); }</a:t>
+            </a:r>
+          </a:p>
+          <a:p>
+            <a:r>
+              <a:rPr lang="en-US" b="1" dirty="0">
+                <a:latin typeface="Courier New" panose="02070309020205020404" pitchFamily="49" charset="0"/>
+                <a:cs typeface="Courier New" panose="02070309020205020404" pitchFamily="49" charset="0"/>
+              </a:rPr>
+              <a:t>int rcv_a0(void) { return </a:t>
+            </a:r>
             <a:r>
               <a:rPr lang="en-US" b="1" dirty="0" err="1">
                 <a:latin typeface="Courier New" panose="02070309020205020404" pitchFamily="49" charset="0"/>
@@ -5745,275 +6628,17 @@
                 <a:latin typeface="Courier New" panose="02070309020205020404" pitchFamily="49" charset="0"/>
                 <a:cs typeface="Courier New" panose="02070309020205020404" pitchFamily="49" charset="0"/>
               </a:rPr>
-              <a:t>(</a:t>
-            </a:r>
-            <a:r>
-              <a:rPr lang="en-US" b="1" dirty="0" err="1">
-                <a:latin typeface="Courier New" panose="02070309020205020404" pitchFamily="49" charset="0"/>
-                <a:cs typeface="Courier New" panose="02070309020205020404" pitchFamily="49" charset="0"/>
-              </a:rPr>
-              <a:t>int</a:t>
-            </a:r>
+              <a:t>(r2s,Ack,0); }</a:t>
+            </a:r>
+          </a:p>
+          <a:p>
             <a:r>
               <a:rPr lang="en-US" b="1" dirty="0">
                 <a:latin typeface="Courier New" panose="02070309020205020404" pitchFamily="49" charset="0"/>
                 <a:cs typeface="Courier New" panose="02070309020205020404" pitchFamily="49" charset="0"/>
               </a:rPr>
-              <a:t> </a:t>
-            </a:r>
-            <a:r>
-              <a:rPr lang="en-US" b="1" dirty="0" err="1">
-                <a:latin typeface="Courier New" panose="02070309020205020404" pitchFamily="49" charset="0"/>
-                <a:cs typeface="Courier New" panose="02070309020205020404" pitchFamily="49" charset="0"/>
-              </a:rPr>
-              <a:t>src</a:t>
-            </a:r>
-            <a:r>
-              <a:rPr lang="en-US" b="1" dirty="0">
-                <a:latin typeface="Courier New" panose="02070309020205020404" pitchFamily="49" charset="0"/>
-                <a:cs typeface="Courier New" panose="02070309020205020404" pitchFamily="49" charset="0"/>
-              </a:rPr>
-              <a:t>, </a:t>
-            </a:r>
-            <a:r>
-              <a:rPr lang="en-US" b="1" dirty="0" err="1">
-                <a:latin typeface="Courier New" panose="02070309020205020404" pitchFamily="49" charset="0"/>
-                <a:cs typeface="Courier New" panose="02070309020205020404" pitchFamily="49" charset="0"/>
-              </a:rPr>
-              <a:t>int</a:t>
-            </a:r>
-            <a:r>
-              <a:rPr lang="en-US" b="1" dirty="0">
-                <a:latin typeface="Courier New" panose="02070309020205020404" pitchFamily="49" charset="0"/>
-                <a:cs typeface="Courier New" panose="02070309020205020404" pitchFamily="49" charset="0"/>
-              </a:rPr>
-              <a:t> </a:t>
-            </a:r>
-            <a:r>
-              <a:rPr lang="en-US" b="1" dirty="0" err="1">
-                <a:latin typeface="Courier New" panose="02070309020205020404" pitchFamily="49" charset="0"/>
-                <a:cs typeface="Courier New" panose="02070309020205020404" pitchFamily="49" charset="0"/>
-              </a:rPr>
-              <a:t>tp</a:t>
-            </a:r>
-            <a:r>
-              <a:rPr lang="en-US" b="1" dirty="0">
-                <a:latin typeface="Courier New" panose="02070309020205020404" pitchFamily="49" charset="0"/>
-                <a:cs typeface="Courier New" panose="02070309020205020404" pitchFamily="49" charset="0"/>
-              </a:rPr>
-              <a:t>, </a:t>
-            </a:r>
-            <a:r>
-              <a:rPr lang="en-US" b="1" dirty="0" err="1">
-                <a:latin typeface="Courier New" panose="02070309020205020404" pitchFamily="49" charset="0"/>
-                <a:cs typeface="Courier New" panose="02070309020205020404" pitchFamily="49" charset="0"/>
-              </a:rPr>
-              <a:t>int</a:t>
-            </a:r>
-            <a:r>
-              <a:rPr lang="en-US" b="1" dirty="0">
-                <a:latin typeface="Courier New" panose="02070309020205020404" pitchFamily="49" charset="0"/>
-                <a:cs typeface="Courier New" panose="02070309020205020404" pitchFamily="49" charset="0"/>
-              </a:rPr>
-              <a:t> </a:t>
-            </a:r>
-            <a:r>
-              <a:rPr lang="en-US" b="1" dirty="0" err="1">
-                <a:latin typeface="Courier New" panose="02070309020205020404" pitchFamily="49" charset="0"/>
-                <a:cs typeface="Courier New" panose="02070309020205020404" pitchFamily="49" charset="0"/>
-              </a:rPr>
-              <a:t>seqno</a:t>
-            </a:r>
-            <a:r>
-              <a:rPr lang="en-US" b="1" dirty="0">
-                <a:latin typeface="Courier New" panose="02070309020205020404" pitchFamily="49" charset="0"/>
-                <a:cs typeface="Courier New" panose="02070309020205020404" pitchFamily="49" charset="0"/>
-              </a:rPr>
-              <a:t>, ...)</a:t>
-            </a:r>
-          </a:p>
-          <a:p>
-            <a:r>
-              <a:rPr lang="en-US" b="1" dirty="0" smtClean="0">
-                <a:latin typeface="Courier New" panose="02070309020205020404" pitchFamily="49" charset="0"/>
-                <a:cs typeface="Courier New" panose="02070309020205020404" pitchFamily="49" charset="0"/>
-              </a:rPr>
-              <a:t>{</a:t>
-            </a:r>
-          </a:p>
-          <a:p>
-            <a:r>
-              <a:rPr lang="en-US" b="1" dirty="0" smtClean="0">
-                <a:latin typeface="Courier New" panose="02070309020205020404" pitchFamily="49" charset="0"/>
-                <a:cs typeface="Courier New" panose="02070309020205020404" pitchFamily="49" charset="0"/>
-              </a:rPr>
-              <a:t>    if (</a:t>
-            </a:r>
-            <a:r>
-              <a:rPr lang="en-US" b="1" dirty="0" err="1" smtClean="0">
-                <a:latin typeface="Courier New" panose="02070309020205020404" pitchFamily="49" charset="0"/>
-                <a:cs typeface="Courier New" panose="02070309020205020404" pitchFamily="49" charset="0"/>
-              </a:rPr>
-              <a:t>state.c</a:t>
-            </a:r>
-            <a:r>
-              <a:rPr lang="en-US" b="1" dirty="0" smtClean="0">
-                <a:latin typeface="Courier New" panose="02070309020205020404" pitchFamily="49" charset="0"/>
-                <a:cs typeface="Courier New" panose="02070309020205020404" pitchFamily="49" charset="0"/>
-              </a:rPr>
-              <a:t>[</a:t>
-            </a:r>
-            <a:r>
-              <a:rPr lang="en-US" b="1" dirty="0" err="1" smtClean="0">
-                <a:latin typeface="Courier New" panose="02070309020205020404" pitchFamily="49" charset="0"/>
-                <a:cs typeface="Courier New" panose="02070309020205020404" pitchFamily="49" charset="0"/>
-              </a:rPr>
-              <a:t>src</a:t>
-            </a:r>
-            <a:r>
-              <a:rPr lang="en-US" b="1" dirty="0">
-                <a:latin typeface="Courier New" panose="02070309020205020404" pitchFamily="49" charset="0"/>
-                <a:cs typeface="Courier New" panose="02070309020205020404" pitchFamily="49" charset="0"/>
-              </a:rPr>
-              <a:t>] </a:t>
-            </a:r>
-            <a:r>
-              <a:rPr lang="en-US" b="1" dirty="0" smtClean="0">
-                <a:latin typeface="Courier New" panose="02070309020205020404" pitchFamily="49" charset="0"/>
-                <a:cs typeface="Courier New" panose="02070309020205020404" pitchFamily="49" charset="0"/>
-              </a:rPr>
-              <a:t>!= </a:t>
-            </a:r>
-            <a:r>
-              <a:rPr lang="en-US" b="1" dirty="0">
-                <a:latin typeface="Courier New" panose="02070309020205020404" pitchFamily="49" charset="0"/>
-                <a:cs typeface="Courier New" panose="02070309020205020404" pitchFamily="49" charset="0"/>
-              </a:rPr>
-              <a:t>2*</a:t>
-            </a:r>
-            <a:r>
-              <a:rPr lang="en-US" b="1" dirty="0" err="1">
-                <a:latin typeface="Courier New" panose="02070309020205020404" pitchFamily="49" charset="0"/>
-                <a:cs typeface="Courier New" panose="02070309020205020404" pitchFamily="49" charset="0"/>
-              </a:rPr>
-              <a:t>tp</a:t>
-            </a:r>
-            <a:r>
-              <a:rPr lang="en-US" b="1" dirty="0">
-                <a:latin typeface="Courier New" panose="02070309020205020404" pitchFamily="49" charset="0"/>
-                <a:cs typeface="Courier New" panose="02070309020205020404" pitchFamily="49" charset="0"/>
-              </a:rPr>
-              <a:t> + </a:t>
-            </a:r>
-            <a:r>
-              <a:rPr lang="en-US" b="1" dirty="0" err="1">
-                <a:latin typeface="Courier New" panose="02070309020205020404" pitchFamily="49" charset="0"/>
-                <a:cs typeface="Courier New" panose="02070309020205020404" pitchFamily="49" charset="0"/>
-              </a:rPr>
-              <a:t>seqno</a:t>
-            </a:r>
-            <a:r>
-              <a:rPr lang="en-US" b="1" dirty="0">
-                <a:latin typeface="Courier New" panose="02070309020205020404" pitchFamily="49" charset="0"/>
-                <a:cs typeface="Courier New" panose="02070309020205020404" pitchFamily="49" charset="0"/>
-              </a:rPr>
-              <a:t>)</a:t>
-            </a:r>
-          </a:p>
-          <a:p>
-            <a:r>
-              <a:rPr lang="en-US" b="1" dirty="0" smtClean="0">
-                <a:latin typeface="Courier New" panose="02070309020205020404" pitchFamily="49" charset="0"/>
-                <a:cs typeface="Courier New" panose="02070309020205020404" pitchFamily="49" charset="0"/>
-              </a:rPr>
-              <a:t>    {       </a:t>
-            </a:r>
-            <a:r>
-              <a:rPr lang="en-US" b="1" dirty="0">
-                <a:latin typeface="Courier New" panose="02070309020205020404" pitchFamily="49" charset="0"/>
-                <a:cs typeface="Courier New" panose="02070309020205020404" pitchFamily="49" charset="0"/>
-              </a:rPr>
-              <a:t>return 0;</a:t>
-            </a:r>
-          </a:p>
-          <a:p>
-            <a:r>
-              <a:rPr lang="en-US" b="1" dirty="0" smtClean="0">
-                <a:latin typeface="Courier New" panose="02070309020205020404" pitchFamily="49" charset="0"/>
-                <a:cs typeface="Courier New" panose="02070309020205020404" pitchFamily="49" charset="0"/>
-              </a:rPr>
-              <a:t>    }</a:t>
-            </a:r>
-            <a:endParaRPr lang="en-US" b="1" dirty="0">
-              <a:latin typeface="Courier New" panose="02070309020205020404" pitchFamily="49" charset="0"/>
-              <a:cs typeface="Courier New" panose="02070309020205020404" pitchFamily="49" charset="0"/>
-            </a:endParaRPr>
-          </a:p>
-          <a:p>
-            <a:r>
-              <a:rPr lang="en-US" b="1" dirty="0" smtClean="0">
-                <a:latin typeface="Courier New" panose="02070309020205020404" pitchFamily="49" charset="0"/>
-                <a:cs typeface="Courier New" panose="02070309020205020404" pitchFamily="49" charset="0"/>
-              </a:rPr>
-              <a:t>    </a:t>
-            </a:r>
-            <a:r>
-              <a:rPr lang="en-US" b="1" dirty="0" err="1" smtClean="0">
-                <a:latin typeface="Courier New" panose="02070309020205020404" pitchFamily="49" charset="0"/>
-                <a:cs typeface="Courier New" panose="02070309020205020404" pitchFamily="49" charset="0"/>
-              </a:rPr>
-              <a:t>state.c</a:t>
-            </a:r>
-            <a:r>
-              <a:rPr lang="en-US" b="1" dirty="0" smtClean="0">
-                <a:latin typeface="Courier New" panose="02070309020205020404" pitchFamily="49" charset="0"/>
-                <a:cs typeface="Courier New" panose="02070309020205020404" pitchFamily="49" charset="0"/>
-              </a:rPr>
-              <a:t>[</a:t>
-            </a:r>
-            <a:r>
-              <a:rPr lang="en-US" b="1" dirty="0" err="1" smtClean="0">
-                <a:latin typeface="Courier New" panose="02070309020205020404" pitchFamily="49" charset="0"/>
-                <a:cs typeface="Courier New" panose="02070309020205020404" pitchFamily="49" charset="0"/>
-              </a:rPr>
-              <a:t>src</a:t>
-            </a:r>
-            <a:r>
-              <a:rPr lang="en-US" b="1" dirty="0">
-                <a:latin typeface="Courier New" panose="02070309020205020404" pitchFamily="49" charset="0"/>
-                <a:cs typeface="Courier New" panose="02070309020205020404" pitchFamily="49" charset="0"/>
-              </a:rPr>
-              <a:t>] = 0;</a:t>
-            </a:r>
-          </a:p>
-          <a:p>
-            <a:r>
-              <a:rPr lang="en-US" b="1" dirty="0" smtClean="0">
-                <a:latin typeface="Courier New" panose="02070309020205020404" pitchFamily="49" charset="0"/>
-                <a:cs typeface="Courier New" panose="02070309020205020404" pitchFamily="49" charset="0"/>
-              </a:rPr>
-              <a:t>    return </a:t>
-            </a:r>
-            <a:r>
-              <a:rPr lang="en-US" b="1" dirty="0">
-                <a:latin typeface="Courier New" panose="02070309020205020404" pitchFamily="49" charset="0"/>
-                <a:cs typeface="Courier New" panose="02070309020205020404" pitchFamily="49" charset="0"/>
-              </a:rPr>
-              <a:t>1;</a:t>
-            </a:r>
-          </a:p>
-          <a:p>
-            <a:r>
-              <a:rPr lang="en-US" b="1" dirty="0" smtClean="0">
-                <a:latin typeface="Courier New" panose="02070309020205020404" pitchFamily="49" charset="0"/>
-                <a:cs typeface="Courier New" panose="02070309020205020404" pitchFamily="49" charset="0"/>
-              </a:rPr>
-              <a:t>}</a:t>
-            </a:r>
-            <a:endParaRPr lang="en-US" b="1" dirty="0">
-              <a:latin typeface="Courier New" panose="02070309020205020404" pitchFamily="49" charset="0"/>
-              <a:cs typeface="Courier New" panose="02070309020205020404" pitchFamily="49" charset="0"/>
-            </a:endParaRPr>
+              <a:t>...</a:t>
+            </a:r>
           </a:p>
         </p:txBody>
       </p:sp>
@@ -6025,8 +6650,8 @@
         </p:nvSpPr>
         <p:spPr>
           <a:xfrm>
-            <a:off x="285631" y="871268"/>
-            <a:ext cx="2716706" cy="3139321"/>
+            <a:off x="267811" y="368456"/>
+            <a:ext cx="2716706" cy="4247317"/>
           </a:xfrm>
           <a:prstGeom prst="rect">
             <a:avLst/>
@@ -6040,42 +6665,42 @@
           <a:lstStyle/>
           <a:p>
             <a:r>
-              <a:rPr lang="en-US" dirty="0" smtClean="0"/>
+              <a:rPr lang="en-US" dirty="0"/>
               <a:t>functions must return 0</a:t>
             </a:r>
           </a:p>
           <a:p>
             <a:r>
-              <a:rPr lang="en-US" dirty="0" smtClean="0"/>
+              <a:rPr lang="en-US" dirty="0"/>
               <a:t>if they block, </a:t>
             </a:r>
             <a:r>
-              <a:rPr lang="en-US" i="1" dirty="0" smtClean="0"/>
+              <a:rPr lang="en-US" i="1" dirty="0"/>
               <a:t>without</a:t>
             </a:r>
           </a:p>
           <a:p>
             <a:r>
-              <a:rPr lang="en-US" i="1" dirty="0" smtClean="0"/>
+              <a:rPr lang="en-US" i="1" dirty="0"/>
               <a:t>side-effects</a:t>
             </a:r>
             <a:r>
-              <a:rPr lang="en-US" dirty="0" smtClean="0"/>
+              <a:rPr lang="en-US" dirty="0"/>
               <a:t>.</a:t>
             </a:r>
           </a:p>
           <a:p>
-            <a:endParaRPr lang="en-US" dirty="0" smtClean="0"/>
-          </a:p>
-          <a:p>
-            <a:r>
-              <a:rPr lang="en-US" dirty="0" smtClean="0"/>
+            <a:endParaRPr lang="en-US" dirty="0"/>
+          </a:p>
+          <a:p>
+            <a:r>
+              <a:rPr lang="en-US" dirty="0"/>
               <a:t>they must execute and</a:t>
             </a:r>
           </a:p>
           <a:p>
             <a:r>
-              <a:rPr lang="en-US" dirty="0" smtClean="0"/>
+              <a:rPr lang="en-US" dirty="0"/>
               <a:t>return non-zero otherwise.</a:t>
             </a:r>
           </a:p>
@@ -6084,29 +6709,29 @@
           </a:p>
           <a:p>
             <a:r>
-              <a:rPr lang="en-US" dirty="0" smtClean="0"/>
+              <a:rPr lang="en-US" dirty="0"/>
               <a:t>they can access all the</a:t>
             </a:r>
           </a:p>
           <a:p>
             <a:r>
-              <a:rPr lang="en-US" dirty="0" smtClean="0"/>
+              <a:rPr lang="en-US" dirty="0"/>
               <a:t>data structures exposed in</a:t>
             </a:r>
           </a:p>
           <a:p>
             <a:r>
-              <a:rPr lang="en-US" dirty="0" smtClean="0"/>
+              <a:rPr lang="en-US" dirty="0"/>
               <a:t>the generic interface (e.g.,</a:t>
             </a:r>
           </a:p>
           <a:p>
             <a:r>
-              <a:rPr lang="en-US" dirty="0" smtClean="0"/>
+              <a:rPr lang="en-US" dirty="0"/>
               <a:t>the </a:t>
             </a:r>
             <a:r>
-              <a:rPr lang="en-US" b="1" i="1" dirty="0" smtClean="0">
+              <a:rPr lang="en-US" b="1" i="1" dirty="0">
                 <a:solidFill>
                   <a:schemeClr val="tx2"/>
                 </a:solidFill>
@@ -6114,7 +6739,7 @@
               <a:t>state</a:t>
             </a:r>
             <a:r>
-              <a:rPr lang="en-US" dirty="0" smtClean="0">
+              <a:rPr lang="en-US" dirty="0">
                 <a:solidFill>
                   <a:schemeClr val="tx2"/>
                 </a:solidFill>
@@ -6122,7 +6747,7 @@
               <a:t> </a:t>
             </a:r>
             <a:r>
-              <a:rPr lang="en-US" b="1" i="1" dirty="0" smtClean="0">
+              <a:rPr lang="en-US" b="1" i="1" dirty="0">
                 <a:solidFill>
                   <a:schemeClr val="tx2"/>
                 </a:solidFill>
@@ -6130,29 +6755,98 @@
               <a:t>vector</a:t>
             </a:r>
             <a:r>
-              <a:rPr lang="en-US" dirty="0" smtClean="0"/>
+              <a:rPr lang="en-US" dirty="0"/>
               <a:t>)</a:t>
             </a:r>
+          </a:p>
+          <a:p>
+            <a:endParaRPr lang="en-US" dirty="0"/>
+          </a:p>
+          <a:p>
+            <a:r>
+              <a:rPr lang="en-US" dirty="0"/>
+              <a:t>but, functions </a:t>
+            </a:r>
+            <a:r>
+              <a:rPr lang="en-US" i="1" dirty="0"/>
+              <a:t>cannot</a:t>
+            </a:r>
+            <a:r>
+              <a:rPr lang="en-US" dirty="0"/>
+              <a:t> have</a:t>
+            </a:r>
+          </a:p>
+          <a:p>
+            <a:r>
+              <a:rPr lang="en-US" dirty="0"/>
+              <a:t>arguments (could be done</a:t>
+            </a:r>
+          </a:p>
+          <a:p>
+            <a:r>
+              <a:rPr lang="en-US" dirty="0"/>
+              <a:t>by extending the parser)</a:t>
+            </a:r>
+          </a:p>
+        </p:txBody>
+      </p:sp>
+      <p:sp>
+        <p:nvSpPr>
+          <p:cNvPr id="2" name="TextBox 1">
+            <a:extLst>
+              <a:ext uri="{FF2B5EF4-FFF2-40B4-BE49-F238E27FC236}">
+                <a16:creationId xmlns:a16="http://schemas.microsoft.com/office/drawing/2014/main" id="{4CBE0CCC-C4B1-45B8-B124-A0EC6893EE61}"/>
+              </a:ext>
+            </a:extLst>
+          </p:cNvPr>
+          <p:cNvSpPr txBox="1"/>
+          <p:nvPr/>
+        </p:nvSpPr>
+        <p:spPr>
+          <a:xfrm>
+            <a:off x="285631" y="6257192"/>
+            <a:ext cx="2781211" cy="369332"/>
+          </a:xfrm>
+          <a:prstGeom prst="rect">
+            <a:avLst/>
+          </a:prstGeom>
+          <a:solidFill>
+            <a:schemeClr val="bg1"/>
+          </a:solidFill>
+          <a:ln>
+            <a:solidFill>
+              <a:schemeClr val="accent1"/>
+            </a:solidFill>
+          </a:ln>
+        </p:spPr>
+        <p:txBody>
+          <a:bodyPr wrap="none" rtlCol="0">
+            <a:spAutoFit/>
+          </a:bodyPr>
+          <a:lstStyle/>
+          <a:p>
+            <a:r>
+              <a:rPr lang="en-US" dirty="0"/>
+              <a:t>try: buzz –d examples/</a:t>
+            </a:r>
+            <a:r>
+              <a:rPr lang="en-US" dirty="0" err="1"/>
+              <a:t>p_fct</a:t>
+            </a:r>
+            <a:endParaRPr lang="en-US" dirty="0"/>
           </a:p>
         </p:txBody>
       </p:sp>
     </p:spTree>
     <p:extLst>
       <p:ext uri="{BB962C8B-B14F-4D97-AF65-F5344CB8AC3E}">
-        <p14:creationId xmlns:p14="http://schemas.microsoft.com/office/powerpoint/2010/main" val="987109067"/>
+        <p14:creationId xmlns:p14="http://schemas.microsoft.com/office/powerpoint/2010/main" val="720838825"/>
       </p:ext>
     </p:extLst>
   </p:cSld>
   <p:clrMapOvr>
     <a:masterClrMapping/>
   </p:clrMapOvr>
-  <p:timing>
-    <p:tnLst>
-      <p:par>
-        <p:cTn id="1" dur="indefinite" restart="never" nodeType="tmRoot"/>
-      </p:par>
-    </p:tnLst>
-  </p:timing>
 </p:sld>
 </file>
 
@@ -6250,10 +6944,9 @@
           <a:lstStyle/>
           <a:p>
             <a:r>
-              <a:rPr lang="en-US" sz="2000" b="1" i="1" dirty="0" smtClean="0"/>
+              <a:rPr lang="en-US" sz="2000" b="1" i="1" dirty="0"/>
               <a:t>hashing</a:t>
             </a:r>
-            <a:endParaRPr lang="en-US" sz="2000" b="1" i="1" dirty="0"/>
           </a:p>
         </p:txBody>
       </p:sp>
@@ -6280,10 +6973,9 @@
           <a:lstStyle/>
           <a:p>
             <a:r>
-              <a:rPr lang="en-US" sz="2000" b="1" i="1" dirty="0" smtClean="0"/>
+              <a:rPr lang="en-US" sz="2000" b="1" i="1" dirty="0"/>
               <a:t>storage</a:t>
             </a:r>
-            <a:endParaRPr lang="en-US" sz="2000" b="1" i="1" dirty="0"/>
           </a:p>
         </p:txBody>
       </p:sp>
@@ -6310,10 +7002,9 @@
           <a:lstStyle/>
           <a:p>
             <a:r>
-              <a:rPr lang="en-US" sz="2000" b="1" i="1" dirty="0" smtClean="0"/>
+              <a:rPr lang="en-US" sz="2000" b="1" i="1" dirty="0"/>
               <a:t>search</a:t>
             </a:r>
-            <a:endParaRPr lang="en-US" sz="2000" b="1" i="1" dirty="0"/>
           </a:p>
         </p:txBody>
       </p:sp>
@@ -6340,10 +7031,9 @@
           <a:lstStyle/>
           <a:p>
             <a:r>
-              <a:rPr lang="en-US" sz="2000" b="1" i="1" dirty="0" smtClean="0"/>
+              <a:rPr lang="en-US" sz="2000" b="1" i="1" dirty="0"/>
               <a:t>parsing</a:t>
             </a:r>
-            <a:endParaRPr lang="en-US" sz="2000" b="1" i="1" dirty="0"/>
           </a:p>
         </p:txBody>
       </p:sp>
@@ -6371,17 +7061,16 @@
           <a:p>
             <a:pPr algn="r"/>
             <a:r>
-              <a:rPr lang="en-US" sz="2000" b="1" i="1" dirty="0" smtClean="0"/>
+              <a:rPr lang="en-US" sz="2000" b="1" i="1" dirty="0"/>
               <a:t>step</a:t>
             </a:r>
           </a:p>
           <a:p>
             <a:pPr algn="r"/>
             <a:r>
-              <a:rPr lang="en-US" sz="2000" b="1" i="1" dirty="0" smtClean="0"/>
+              <a:rPr lang="en-US" sz="2000" b="1" i="1" dirty="0"/>
               <a:t>semantics</a:t>
             </a:r>
-            <a:endParaRPr lang="en-US" sz="2000" b="1" i="1" dirty="0"/>
           </a:p>
         </p:txBody>
       </p:sp>
@@ -6449,17 +7138,16 @@
           <a:p>
             <a:pPr algn="r"/>
             <a:r>
-              <a:rPr lang="en-US" sz="2000" b="1" i="1" dirty="0" smtClean="0"/>
+              <a:rPr lang="en-US" sz="2000" b="1" i="1" dirty="0"/>
               <a:t>lexical</a:t>
             </a:r>
           </a:p>
           <a:p>
             <a:pPr algn="r"/>
             <a:r>
-              <a:rPr lang="en-US" sz="2000" b="1" i="1" dirty="0" smtClean="0"/>
+              <a:rPr lang="en-US" sz="2000" b="1" i="1" dirty="0"/>
               <a:t>analysis</a:t>
             </a:r>
-            <a:endParaRPr lang="en-US" sz="2000" b="1" i="1" dirty="0"/>
           </a:p>
         </p:txBody>
       </p:sp>
@@ -6487,11 +7175,11 @@
           <a:p>
             <a:pPr algn="r"/>
             <a:r>
-              <a:rPr lang="en-US" sz="2000" b="1" i="1" dirty="0" smtClean="0"/>
+              <a:rPr lang="en-US" sz="2000" b="1" i="1" dirty="0"/>
               <a:t>interface </a:t>
             </a:r>
             <a:r>
-              <a:rPr lang="en-US" sz="2000" b="1" i="1" dirty="0" err="1" smtClean="0"/>
+              <a:rPr lang="en-US" sz="2000" b="1" i="1" dirty="0" err="1"/>
               <a:t>defs</a:t>
             </a:r>
             <a:endParaRPr lang="en-US" sz="2000" b="1" i="1" dirty="0"/>
@@ -6521,7 +7209,7 @@
           <a:lstStyle/>
           <a:p>
             <a:r>
-              <a:rPr lang="en-US" sz="4000" dirty="0" smtClean="0">
+              <a:rPr lang="en-US" sz="4000" dirty="0">
                 <a:solidFill>
                   <a:schemeClr val="tx2"/>
                 </a:solidFill>
@@ -6531,18 +7219,13 @@
           </a:p>
           <a:p>
             <a:r>
-              <a:rPr lang="en-US" sz="4000" dirty="0" smtClean="0">
+              <a:rPr lang="en-US" sz="4000" dirty="0">
                 <a:solidFill>
                   <a:schemeClr val="tx2"/>
                 </a:solidFill>
               </a:rPr>
               <a:t>blocks</a:t>
             </a:r>
-            <a:endParaRPr lang="en-US" sz="4000" dirty="0">
-              <a:solidFill>
-                <a:schemeClr val="tx2"/>
-              </a:solidFill>
-            </a:endParaRPr>
           </a:p>
         </p:txBody>
       </p:sp>
@@ -6556,13 +7239,6 @@
   <p:clrMapOvr>
     <a:masterClrMapping/>
   </p:clrMapOvr>
-  <p:timing>
-    <p:tnLst>
-      <p:par>
-        <p:cTn id="1" dur="indefinite" restart="never" nodeType="tmRoot"/>
-      </p:par>
-    </p:tnLst>
-  </p:timing>
 </p:sld>
 </file>
 
@@ -6601,41 +7277,28 @@
           <a:lstStyle/>
           <a:p>
             <a:r>
-              <a:rPr lang="en-US" dirty="0" smtClean="0">
+              <a:rPr lang="en-US" dirty="0">
                 <a:solidFill>
                   <a:schemeClr val="tx2"/>
                 </a:solidFill>
               </a:rPr>
-              <a:t>a builder </a:t>
-            </a:r>
-            <a:r>
-              <a:rPr lang="en-US" dirty="0" smtClean="0">
+              <a:t>a builder interface</a:t>
+            </a:r>
+            <a:br>
+              <a:rPr lang="en-US" dirty="0">
                 <a:solidFill>
                   <a:schemeClr val="tx2"/>
                 </a:solidFill>
               </a:rPr>
-              <a:t>interface</a:t>
-            </a:r>
-            <a:br>
-              <a:rPr lang="en-US" dirty="0" smtClean="0">
+            </a:br>
+            <a:r>
+              <a:rPr lang="en-US" sz="2000" dirty="0">
                 <a:solidFill>
                   <a:schemeClr val="tx2"/>
                 </a:solidFill>
               </a:rPr>
-            </a:br>
-            <a:r>
-              <a:rPr lang="en-US" sz="2000" dirty="0" smtClean="0">
-                <a:solidFill>
-                  <a:schemeClr val="tx2"/>
-                </a:solidFill>
-              </a:rPr>
               <a:t>(update: “bb” is now just “buzz”)</a:t>
             </a:r>
-            <a:endParaRPr lang="en-US" sz="2000" dirty="0">
-              <a:solidFill>
-                <a:schemeClr val="tx2"/>
-              </a:solidFill>
-            </a:endParaRPr>
           </a:p>
         </p:txBody>
       </p:sp>
@@ -6703,13 +7366,6 @@
   <p:clrMapOvr>
     <a:masterClrMapping/>
   </p:clrMapOvr>
-  <p:timing>
-    <p:tnLst>
-      <p:par>
-        <p:cTn id="1" dur="indefinite" restart="never" nodeType="tmRoot"/>
-      </p:par>
-    </p:tnLst>
-  </p:timing>
 </p:sld>
 </file>
 
@@ -6754,7 +7410,7 @@
           <a:p>
             <a:pPr algn="l"/>
             <a:r>
-              <a:rPr lang="en-US" dirty="0" smtClean="0">
+              <a:rPr lang="en-US" dirty="0">
                 <a:solidFill>
                   <a:schemeClr val="tx2"/>
                 </a:solidFill>
@@ -6762,14 +7418,14 @@
               <a:t>build</a:t>
             </a:r>
             <a:br>
-              <a:rPr lang="en-US" dirty="0" smtClean="0">
+              <a:rPr lang="en-US" dirty="0">
                 <a:solidFill>
                   <a:schemeClr val="tx2"/>
                 </a:solidFill>
               </a:rPr>
             </a:br>
             <a:r>
-              <a:rPr lang="en-US" dirty="0" smtClean="0">
+              <a:rPr lang="en-US" dirty="0">
                 <a:solidFill>
                   <a:schemeClr val="tx2"/>
                 </a:solidFill>
@@ -6777,25 +7433,20 @@
               <a:t>your</a:t>
             </a:r>
             <a:br>
-              <a:rPr lang="en-US" dirty="0" smtClean="0">
+              <a:rPr lang="en-US" dirty="0">
                 <a:solidFill>
                   <a:schemeClr val="tx2"/>
                 </a:solidFill>
               </a:rPr>
             </a:br>
             <a:r>
-              <a:rPr lang="en-US" dirty="0" smtClean="0">
+              <a:rPr lang="en-US" dirty="0">
                 <a:solidFill>
                   <a:schemeClr val="tx2"/>
                 </a:solidFill>
               </a:rPr>
               <a:t>own</a:t>
             </a:r>
-            <a:endParaRPr lang="en-US" dirty="0">
-              <a:solidFill>
-                <a:schemeClr val="tx2"/>
-              </a:solidFill>
-            </a:endParaRPr>
           </a:p>
         </p:txBody>
       </p:sp>
@@ -6863,13 +7514,6 @@
   <p:clrMapOvr>
     <a:masterClrMapping/>
   </p:clrMapOvr>
-  <p:timing>
-    <p:tnLst>
-      <p:par>
-        <p:cTn id="1" dur="indefinite" restart="never" nodeType="tmRoot"/>
-      </p:par>
-    </p:tnLst>
-  </p:timing>
 </p:sld>
 </file>
 
@@ -6914,7 +7558,7 @@
           <a:p>
             <a:pPr algn="l"/>
             <a:r>
-              <a:rPr lang="en-US" sz="3600" dirty="0" smtClean="0">
+              <a:rPr lang="en-US" sz="3600" dirty="0">
                 <a:solidFill>
                   <a:schemeClr val="tx2"/>
                 </a:solidFill>
@@ -6922,14 +7566,14 @@
               <a:t>the</a:t>
             </a:r>
             <a:br>
-              <a:rPr lang="en-US" sz="3600" dirty="0" smtClean="0">
+              <a:rPr lang="en-US" sz="3600" dirty="0">
                 <a:solidFill>
                   <a:schemeClr val="tx2"/>
                 </a:solidFill>
               </a:rPr>
             </a:br>
             <a:r>
-              <a:rPr lang="en-US" sz="3600" dirty="0" smtClean="0">
+              <a:rPr lang="en-US" sz="3600" dirty="0">
                 <a:solidFill>
                   <a:schemeClr val="tx2"/>
                 </a:solidFill>
@@ -6937,29 +7581,25 @@
               <a:t>default</a:t>
             </a:r>
             <a:br>
-              <a:rPr lang="en-US" sz="3600" dirty="0" smtClean="0">
+              <a:rPr lang="en-US" sz="3600" dirty="0">
                 <a:solidFill>
                   <a:schemeClr val="tx2"/>
                 </a:solidFill>
               </a:rPr>
             </a:br>
             <a:r>
-              <a:rPr lang="en-US" sz="3600" dirty="0" err="1" smtClean="0">
+              <a:rPr lang="en-US" sz="3600" dirty="0" err="1">
                 <a:solidFill>
                   <a:schemeClr val="tx2"/>
                 </a:solidFill>
               </a:rPr>
               <a:t>parse.y</a:t>
             </a:r>
-            <a:r>
-              <a:rPr lang="en-US" sz="3600" dirty="0" smtClean="0"/>
-              <a:t/>
-            </a:r>
             <a:br>
-              <a:rPr lang="en-US" sz="3600" dirty="0" smtClean="0"/>
+              <a:rPr lang="en-US" sz="3600" dirty="0"/>
             </a:br>
             <a:r>
-              <a:rPr lang="en-US" sz="2800" i="1" dirty="0" smtClean="0">
+              <a:rPr lang="en-US" sz="2800" i="1" dirty="0">
                 <a:solidFill>
                   <a:schemeClr val="bg1">
                     <a:lumMod val="50000"/>
@@ -6968,13 +7608,6 @@
               </a:rPr>
               <a:t>(no data)</a:t>
             </a:r>
-            <a:endParaRPr lang="en-US" sz="2800" i="1" dirty="0">
-              <a:solidFill>
-                <a:schemeClr val="bg1">
-                  <a:lumMod val="50000"/>
-                </a:schemeClr>
-              </a:solidFill>
-            </a:endParaRPr>
           </a:p>
         </p:txBody>
       </p:sp>
@@ -7551,16 +8184,12 @@
           </a:p>
           <a:p>
             <a:r>
-              <a:rPr lang="en-US" sz="1200" b="1" dirty="0" smtClean="0">
+              <a:rPr lang="en-US" sz="1200" b="1" dirty="0">
                 <a:latin typeface="Courier New" panose="02070309020205020404" pitchFamily="49" charset="0"/>
                 <a:cs typeface="Courier New" panose="02070309020205020404" pitchFamily="49" charset="0"/>
               </a:rPr>
               <a:t>%%</a:t>
             </a:r>
-            <a:endParaRPr lang="en-US" sz="1200" b="1" dirty="0">
-              <a:latin typeface="Courier New" panose="02070309020205020404" pitchFamily="49" charset="0"/>
-              <a:cs typeface="Courier New" panose="02070309020205020404" pitchFamily="49" charset="0"/>
-            </a:endParaRPr>
           </a:p>
         </p:txBody>
       </p:sp>
@@ -7634,10 +8263,9 @@
           <a:lstStyle/>
           <a:p>
             <a:r>
-              <a:rPr lang="en-US" dirty="0" smtClean="0"/>
+              <a:rPr lang="en-US" dirty="0"/>
               <a:t>two predefined message passing primitives</a:t>
             </a:r>
-            <a:endParaRPr lang="en-US" dirty="0"/>
           </a:p>
         </p:txBody>
       </p:sp>
@@ -7687,13 +8315,6 @@
   <p:clrMapOvr>
     <a:masterClrMapping/>
   </p:clrMapOvr>
-  <p:timing>
-    <p:tnLst>
-      <p:par>
-        <p:cTn id="1" dur="indefinite" restart="never" nodeType="tmRoot"/>
-      </p:par>
-    </p:tnLst>
-  </p:timing>
 </p:sld>
 </file>
 
@@ -7716,7 +8337,13 @@
       </p:grpSpPr>
       <p:sp>
         <p:nvSpPr>
-          <p:cNvPr id="2" name="Title 1"/>
+          <p:cNvPr id="2" name="Title 1">
+            <a:extLst>
+              <a:ext uri="{FF2B5EF4-FFF2-40B4-BE49-F238E27FC236}">
+                <a16:creationId xmlns:a16="http://schemas.microsoft.com/office/drawing/2014/main" id="{27AA0CCB-9115-4F0D-8110-EAAB8744CFAA}"/>
+              </a:ext>
+            </a:extLst>
+          </p:cNvPr>
           <p:cNvSpPr>
             <a:spLocks noGrp="1"/>
           </p:cNvSpPr>
@@ -7724,58 +8351,87 @@
             <p:ph type="title"/>
           </p:nvPr>
         </p:nvSpPr>
+        <p:spPr>
+          <a:xfrm>
+            <a:off x="339283" y="156782"/>
+            <a:ext cx="4047522" cy="1325563"/>
+          </a:xfrm>
+        </p:spPr>
+        <p:txBody>
+          <a:bodyPr>
+            <a:normAutofit fontScale="90000"/>
+          </a:bodyPr>
+          <a:lstStyle/>
+          <a:p>
+            <a:r>
+              <a:rPr lang="en-US" dirty="0">
+                <a:solidFill>
+                  <a:schemeClr val="tx2"/>
+                </a:solidFill>
+              </a:rPr>
+              <a:t>transition semantics</a:t>
+            </a:r>
+          </a:p>
+        </p:txBody>
+      </p:sp>
+      <p:sp>
+        <p:nvSpPr>
+          <p:cNvPr id="3" name="Slide Number Placeholder 2">
+            <a:extLst>
+              <a:ext uri="{FF2B5EF4-FFF2-40B4-BE49-F238E27FC236}">
+                <a16:creationId xmlns:a16="http://schemas.microsoft.com/office/drawing/2014/main" id="{E80AC0B1-3417-4149-8BAD-5F768498C4CD}"/>
+              </a:ext>
+            </a:extLst>
+          </p:cNvPr>
+          <p:cNvSpPr>
+            <a:spLocks noGrp="1"/>
+          </p:cNvSpPr>
+          <p:nvPr>
+            <p:ph type="sldNum" sz="quarter" idx="12"/>
+          </p:nvPr>
+        </p:nvSpPr>
         <p:spPr/>
         <p:txBody>
           <a:bodyPr/>
           <a:lstStyle/>
           <a:p>
-            <a:r>
-              <a:rPr lang="en-US" dirty="0" smtClean="0">
-                <a:solidFill>
-                  <a:schemeClr val="tx2"/>
-                </a:solidFill>
-              </a:rPr>
-              <a:t>the alternating bit protocol</a:t>
-            </a:r>
-            <a:endParaRPr lang="en-US" dirty="0">
-              <a:solidFill>
-                <a:schemeClr val="tx2"/>
-              </a:solidFill>
-            </a:endParaRPr>
+            <a:fld id="{F35A8FA9-273F-4B5F-B951-EF57722484F6}" type="slidenum">
+              <a:rPr lang="en-US" smtClean="0"/>
+              <a:t>6</a:t>
+            </a:fld>
+            <a:endParaRPr lang="en-US"/>
           </a:p>
         </p:txBody>
       </p:sp>
       <p:sp>
         <p:nvSpPr>
-          <p:cNvPr id="3" name="TextBox 2"/>
+          <p:cNvPr id="4" name="TextBox 3">
+            <a:extLst>
+              <a:ext uri="{FF2B5EF4-FFF2-40B4-BE49-F238E27FC236}">
+                <a16:creationId xmlns:a16="http://schemas.microsoft.com/office/drawing/2014/main" id="{947208E5-E2B5-49D4-A9D3-BA330EF6352D}"/>
+              </a:ext>
+            </a:extLst>
+          </p:cNvPr>
           <p:cNvSpPr txBox="1"/>
           <p:nvPr/>
         </p:nvSpPr>
         <p:spPr>
           <a:xfrm>
-            <a:off x="2480153" y="1640910"/>
-            <a:ext cx="3355406" cy="3693319"/>
+            <a:off x="1261639" y="1522155"/>
+            <a:ext cx="7096815" cy="5016758"/>
           </a:xfrm>
           <a:prstGeom prst="rect">
             <a:avLst/>
           </a:prstGeom>
-          <a:solidFill>
-            <a:schemeClr val="bg1"/>
-          </a:solidFill>
+          <a:noFill/>
           <a:ln>
             <a:solidFill>
-              <a:schemeClr val="bg1">
-                <a:lumMod val="95000"/>
+              <a:schemeClr val="tx1">
+                <a:lumMod val="50000"/>
+                <a:lumOff val="50000"/>
               </a:schemeClr>
             </a:solidFill>
           </a:ln>
-          <a:effectLst>
-            <a:outerShdw blurRad="495300" dist="241300" dir="2700000" algn="tl" rotWithShape="0">
-              <a:prstClr val="black">
-                <a:alpha val="40000"/>
-              </a:prstClr>
-            </a:outerShdw>
-          </a:effectLst>
         </p:spPr>
         <p:txBody>
           <a:bodyPr wrap="none" rtlCol="0">
@@ -7784,118 +8440,325 @@
           <a:lstStyle/>
           <a:p>
             <a:r>
-              <a:rPr lang="en-US" b="1" dirty="0">
-                <a:latin typeface="Courier New" panose="02070309020205020404" pitchFamily="49" charset="0"/>
-                <a:cs typeface="Courier New" panose="02070309020205020404" pitchFamily="49" charset="0"/>
-              </a:rPr>
-              <a:t>process sender</a:t>
-            </a:r>
-          </a:p>
-          <a:p>
-            <a:r>
-              <a:rPr lang="en-US" b="1" dirty="0">
-                <a:latin typeface="Courier New" panose="02070309020205020404" pitchFamily="49" charset="0"/>
-                <a:cs typeface="Courier New" panose="02070309020205020404" pitchFamily="49" charset="0"/>
-              </a:rPr>
-              <a:t>{</a:t>
-            </a:r>
-          </a:p>
-          <a:p>
-            <a:r>
-              <a:rPr lang="en-US" b="1" dirty="0">
-                <a:latin typeface="Courier New" panose="02070309020205020404" pitchFamily="49" charset="0"/>
-                <a:cs typeface="Courier New" panose="02070309020205020404" pitchFamily="49" charset="0"/>
-              </a:rPr>
-              <a:t>s0:     s2r!m0; r2s?a0;</a:t>
-            </a:r>
-          </a:p>
-          <a:p>
-            <a:r>
-              <a:rPr lang="en-US" b="1" dirty="0">
-                <a:latin typeface="Courier New" panose="02070309020205020404" pitchFamily="49" charset="0"/>
-                <a:cs typeface="Courier New" panose="02070309020205020404" pitchFamily="49" charset="0"/>
-              </a:rPr>
-              <a:t>        s2r!m1; r2s?a1;</a:t>
-            </a:r>
-          </a:p>
-          <a:p>
-            <a:r>
-              <a:rPr lang="en-US" b="1" dirty="0">
-                <a:latin typeface="Courier New" panose="02070309020205020404" pitchFamily="49" charset="0"/>
-                <a:cs typeface="Courier New" panose="02070309020205020404" pitchFamily="49" charset="0"/>
-              </a:rPr>
-              <a:t>        next s0;</a:t>
-            </a:r>
-          </a:p>
-          <a:p>
-            <a:r>
-              <a:rPr lang="en-US" b="1" dirty="0">
-                <a:latin typeface="Courier New" panose="02070309020205020404" pitchFamily="49" charset="0"/>
-                <a:cs typeface="Courier New" panose="02070309020205020404" pitchFamily="49" charset="0"/>
-              </a:rPr>
-              <a:t>}</a:t>
-            </a:r>
-          </a:p>
-          <a:p>
-            <a:endParaRPr lang="en-US" b="1" dirty="0">
+              <a:rPr lang="en-US" sz="1600" b="1" dirty="0">
+                <a:latin typeface="Courier New" panose="02070309020205020404" pitchFamily="49" charset="0"/>
+                <a:cs typeface="Courier New" panose="02070309020205020404" pitchFamily="49" charset="0"/>
+              </a:rPr>
+              <a:t>int</a:t>
+            </a:r>
+          </a:p>
+          <a:p>
+            <a:r>
+              <a:rPr lang="en-US" sz="1600" b="1" dirty="0">
+                <a:latin typeface="Courier New" panose="02070309020205020404" pitchFamily="49" charset="0"/>
+                <a:cs typeface="Courier New" panose="02070309020205020404" pitchFamily="49" charset="0"/>
+              </a:rPr>
+              <a:t>transition(AST *a, int </a:t>
+            </a:r>
+            <a:r>
+              <a:rPr lang="en-US" sz="1600" b="1" dirty="0" err="1">
+                <a:latin typeface="Courier New" panose="02070309020205020404" pitchFamily="49" charset="0"/>
+                <a:cs typeface="Courier New" panose="02070309020205020404" pitchFamily="49" charset="0"/>
+              </a:rPr>
+              <a:t>notblocked</a:t>
+            </a:r>
+            <a:r>
+              <a:rPr lang="en-US" sz="1600" b="1" dirty="0">
+                <a:latin typeface="Courier New" panose="02070309020205020404" pitchFamily="49" charset="0"/>
+                <a:cs typeface="Courier New" panose="02070309020205020404" pitchFamily="49" charset="0"/>
+              </a:rPr>
+              <a:t>)</a:t>
+            </a:r>
+          </a:p>
+          <a:p>
+            <a:r>
+              <a:rPr lang="da-DK" sz="1600" b="1" dirty="0">
+                <a:latin typeface="Courier New" panose="02070309020205020404" pitchFamily="49" charset="0"/>
+                <a:cs typeface="Courier New" panose="02070309020205020404" pitchFamily="49" charset="0"/>
+              </a:rPr>
+              <a:t>{       int dst = 0, msg = -1, rv = 0;</a:t>
+            </a:r>
+          </a:p>
+          <a:p>
+            <a:endParaRPr lang="en-US" sz="1600" b="1" dirty="0">
               <a:latin typeface="Courier New" panose="02070309020205020404" pitchFamily="49" charset="0"/>
               <a:cs typeface="Courier New" panose="02070309020205020404" pitchFamily="49" charset="0"/>
             </a:endParaRPr>
           </a:p>
           <a:p>
             <a:r>
-              <a:rPr lang="en-US" b="1" dirty="0">
-                <a:latin typeface="Courier New" panose="02070309020205020404" pitchFamily="49" charset="0"/>
-                <a:cs typeface="Courier New" panose="02070309020205020404" pitchFamily="49" charset="0"/>
-              </a:rPr>
-              <a:t>process receiver</a:t>
-            </a:r>
-          </a:p>
-          <a:p>
-            <a:r>
-              <a:rPr lang="en-US" b="1" dirty="0">
-                <a:latin typeface="Courier New" panose="02070309020205020404" pitchFamily="49" charset="0"/>
-                <a:cs typeface="Courier New" panose="02070309020205020404" pitchFamily="49" charset="0"/>
-              </a:rPr>
-              <a:t>{</a:t>
-            </a:r>
-          </a:p>
-          <a:p>
-            <a:r>
-              <a:rPr lang="en-US" b="1" dirty="0">
-                <a:latin typeface="Courier New" panose="02070309020205020404" pitchFamily="49" charset="0"/>
-                <a:cs typeface="Courier New" panose="02070309020205020404" pitchFamily="49" charset="0"/>
-              </a:rPr>
-              <a:t>s0:     s2r?m0; r2s!a0;</a:t>
-            </a:r>
-          </a:p>
-          <a:p>
-            <a:r>
-              <a:rPr lang="en-US" b="1" dirty="0">
-                <a:latin typeface="Courier New" panose="02070309020205020404" pitchFamily="49" charset="0"/>
-                <a:cs typeface="Courier New" panose="02070309020205020404" pitchFamily="49" charset="0"/>
-              </a:rPr>
-              <a:t>        s2r?m1; r2s!a1;</a:t>
-            </a:r>
-          </a:p>
-          <a:p>
-            <a:r>
-              <a:rPr lang="en-US" b="1" dirty="0">
-                <a:latin typeface="Courier New" panose="02070309020205020404" pitchFamily="49" charset="0"/>
-                <a:cs typeface="Courier New" panose="02070309020205020404" pitchFamily="49" charset="0"/>
-              </a:rPr>
-              <a:t>        next s0;</a:t>
-            </a:r>
-          </a:p>
-          <a:p>
-            <a:r>
-              <a:rPr lang="en-US" b="1" dirty="0" smtClean="0">
-                <a:latin typeface="Courier New" panose="02070309020205020404" pitchFamily="49" charset="0"/>
-                <a:cs typeface="Courier New" panose="02070309020205020404" pitchFamily="49" charset="0"/>
-              </a:rPr>
-              <a:t>}</a:t>
-            </a:r>
-            <a:endParaRPr lang="en-US" b="1" dirty="0">
+              <a:rPr lang="en-US" sz="1600" b="1" dirty="0">
+                <a:latin typeface="Courier New" panose="02070309020205020404" pitchFamily="49" charset="0"/>
+                <a:cs typeface="Courier New" panose="02070309020205020404" pitchFamily="49" charset="0"/>
+              </a:rPr>
+              <a:t>        Assert(a);</a:t>
+            </a:r>
+          </a:p>
+          <a:p>
+            <a:endParaRPr lang="en-US" sz="1600" b="1" dirty="0">
+              <a:latin typeface="Courier New" panose="02070309020205020404" pitchFamily="49" charset="0"/>
+              <a:cs typeface="Courier New" panose="02070309020205020404" pitchFamily="49" charset="0"/>
+            </a:endParaRPr>
+          </a:p>
+          <a:p>
+            <a:r>
+              <a:rPr lang="en-US" sz="1600" b="1" dirty="0">
+                <a:latin typeface="Courier New" panose="02070309020205020404" pitchFamily="49" charset="0"/>
+                <a:cs typeface="Courier New" panose="02070309020205020404" pitchFamily="49" charset="0"/>
+              </a:rPr>
+              <a:t>        switch (a-&gt;</a:t>
+            </a:r>
+            <a:r>
+              <a:rPr lang="en-US" sz="1600" b="1" dirty="0" err="1">
+                <a:latin typeface="Courier New" panose="02070309020205020404" pitchFamily="49" charset="0"/>
+                <a:cs typeface="Courier New" panose="02070309020205020404" pitchFamily="49" charset="0"/>
+              </a:rPr>
+              <a:t>tok</a:t>
+            </a:r>
+            <a:r>
+              <a:rPr lang="en-US" sz="1600" b="1" dirty="0">
+                <a:latin typeface="Courier New" panose="02070309020205020404" pitchFamily="49" charset="0"/>
+                <a:cs typeface="Courier New" panose="02070309020205020404" pitchFamily="49" charset="0"/>
+              </a:rPr>
+              <a:t>) {</a:t>
+            </a:r>
+          </a:p>
+          <a:p>
+            <a:r>
+              <a:rPr lang="en-US" sz="1600" b="1" dirty="0">
+                <a:latin typeface="Courier New" panose="02070309020205020404" pitchFamily="49" charset="0"/>
+                <a:cs typeface="Courier New" panose="02070309020205020404" pitchFamily="49" charset="0"/>
+              </a:rPr>
+              <a:t>        case '!':       // </a:t>
+            </a:r>
+            <a:r>
+              <a:rPr lang="en-US" sz="1600" b="1" dirty="0" err="1">
+                <a:latin typeface="Courier New" panose="02070309020205020404" pitchFamily="49" charset="0"/>
+                <a:cs typeface="Courier New" panose="02070309020205020404" pitchFamily="49" charset="0"/>
+              </a:rPr>
+              <a:t>dst</a:t>
+            </a:r>
+            <a:r>
+              <a:rPr lang="en-US" sz="1600" b="1" dirty="0">
+                <a:latin typeface="Courier New" panose="02070309020205020404" pitchFamily="49" charset="0"/>
+                <a:cs typeface="Courier New" panose="02070309020205020404" pitchFamily="49" charset="0"/>
+              </a:rPr>
+              <a:t> [!?] msg</a:t>
+            </a:r>
+          </a:p>
+          <a:p>
+            <a:r>
+              <a:rPr lang="it-IT" sz="1600" b="1" dirty="0">
+                <a:latin typeface="Courier New" panose="02070309020205020404" pitchFamily="49" charset="0"/>
+                <a:cs typeface="Courier New" panose="02070309020205020404" pitchFamily="49" charset="0"/>
+              </a:rPr>
+              <a:t>                Assert(a-&gt;attr &amp;&amp; a-&gt;attr-&gt;attr);</a:t>
+            </a:r>
+          </a:p>
+          <a:p>
+            <a:r>
+              <a:rPr lang="en-US" sz="1600" b="1" dirty="0">
+                <a:latin typeface="Courier New" panose="02070309020205020404" pitchFamily="49" charset="0"/>
+                <a:cs typeface="Courier New" panose="02070309020205020404" pitchFamily="49" charset="0"/>
+              </a:rPr>
+              <a:t>                </a:t>
+            </a:r>
+            <a:r>
+              <a:rPr lang="en-US" sz="1600" b="1" dirty="0" err="1">
+                <a:latin typeface="Courier New" panose="02070309020205020404" pitchFamily="49" charset="0"/>
+                <a:cs typeface="Courier New" panose="02070309020205020404" pitchFamily="49" charset="0"/>
+              </a:rPr>
+              <a:t>dst</a:t>
+            </a:r>
+            <a:r>
+              <a:rPr lang="en-US" sz="1600" b="1" dirty="0">
+                <a:latin typeface="Courier New" panose="02070309020205020404" pitchFamily="49" charset="0"/>
+                <a:cs typeface="Courier New" panose="02070309020205020404" pitchFamily="49" charset="0"/>
+              </a:rPr>
+              <a:t> = a-&gt;</a:t>
+            </a:r>
+            <a:r>
+              <a:rPr lang="en-US" sz="1600" b="1" dirty="0" err="1">
+                <a:latin typeface="Courier New" panose="02070309020205020404" pitchFamily="49" charset="0"/>
+                <a:cs typeface="Courier New" panose="02070309020205020404" pitchFamily="49" charset="0"/>
+              </a:rPr>
+              <a:t>attr</a:t>
+            </a:r>
+            <a:r>
+              <a:rPr lang="en-US" sz="1600" b="1" dirty="0">
+                <a:latin typeface="Courier New" panose="02070309020205020404" pitchFamily="49" charset="0"/>
+                <a:cs typeface="Courier New" panose="02070309020205020404" pitchFamily="49" charset="0"/>
+              </a:rPr>
+              <a:t>-&gt;</a:t>
+            </a:r>
+            <a:r>
+              <a:rPr lang="en-US" sz="1600" b="1" dirty="0" err="1">
+                <a:latin typeface="Courier New" panose="02070309020205020404" pitchFamily="49" charset="0"/>
+                <a:cs typeface="Courier New" panose="02070309020205020404" pitchFamily="49" charset="0"/>
+              </a:rPr>
+              <a:t>val</a:t>
+            </a:r>
+            <a:r>
+              <a:rPr lang="en-US" sz="1600" b="1" dirty="0">
+                <a:latin typeface="Courier New" panose="02070309020205020404" pitchFamily="49" charset="0"/>
+                <a:cs typeface="Courier New" panose="02070309020205020404" pitchFamily="49" charset="0"/>
+              </a:rPr>
+              <a:t>;</a:t>
+            </a:r>
+          </a:p>
+          <a:p>
+            <a:r>
+              <a:rPr lang="sv-SE" sz="1600" b="1" dirty="0">
+                <a:latin typeface="Courier New" panose="02070309020205020404" pitchFamily="49" charset="0"/>
+                <a:cs typeface="Courier New" panose="02070309020205020404" pitchFamily="49" charset="0"/>
+              </a:rPr>
+              <a:t>                msg = a-&gt;attr-&gt;attr-&gt;val;</a:t>
+            </a:r>
+          </a:p>
+          <a:p>
+            <a:r>
+              <a:rPr lang="en-US" sz="1600" b="1" dirty="0">
+                <a:latin typeface="Courier New" panose="02070309020205020404" pitchFamily="49" charset="0"/>
+                <a:cs typeface="Courier New" panose="02070309020205020404" pitchFamily="49" charset="0"/>
+              </a:rPr>
+              <a:t>                Assert(</a:t>
+            </a:r>
+            <a:r>
+              <a:rPr lang="en-US" sz="1600" b="1" dirty="0" err="1">
+                <a:latin typeface="Courier New" panose="02070309020205020404" pitchFamily="49" charset="0"/>
+                <a:cs typeface="Courier New" panose="02070309020205020404" pitchFamily="49" charset="0"/>
+              </a:rPr>
+              <a:t>dst</a:t>
+            </a:r>
+            <a:r>
+              <a:rPr lang="en-US" sz="1600" b="1" dirty="0">
+                <a:latin typeface="Courier New" panose="02070309020205020404" pitchFamily="49" charset="0"/>
+                <a:cs typeface="Courier New" panose="02070309020205020404" pitchFamily="49" charset="0"/>
+              </a:rPr>
+              <a:t> &gt;= 0 &amp;&amp; </a:t>
+            </a:r>
+            <a:r>
+              <a:rPr lang="en-US" sz="1600" b="1" dirty="0" err="1">
+                <a:latin typeface="Courier New" panose="02070309020205020404" pitchFamily="49" charset="0"/>
+                <a:cs typeface="Courier New" panose="02070309020205020404" pitchFamily="49" charset="0"/>
+              </a:rPr>
+              <a:t>dst</a:t>
+            </a:r>
+            <a:r>
+              <a:rPr lang="en-US" sz="1600" b="1" dirty="0">
+                <a:latin typeface="Courier New" panose="02070309020205020404" pitchFamily="49" charset="0"/>
+                <a:cs typeface="Courier New" panose="02070309020205020404" pitchFamily="49" charset="0"/>
+              </a:rPr>
+              <a:t> &lt; SV &amp;&amp; msg &gt; 0);</a:t>
+            </a:r>
+          </a:p>
+          <a:p>
+            <a:r>
+              <a:rPr lang="en-US" sz="1600" b="1" dirty="0">
+                <a:latin typeface="Courier New" panose="02070309020205020404" pitchFamily="49" charset="0"/>
+                <a:cs typeface="Courier New" panose="02070309020205020404" pitchFamily="49" charset="0"/>
+              </a:rPr>
+              <a:t>                if (B_state.sv[</a:t>
+            </a:r>
+            <a:r>
+              <a:rPr lang="en-US" sz="1600" b="1" dirty="0" err="1">
+                <a:latin typeface="Courier New" panose="02070309020205020404" pitchFamily="49" charset="0"/>
+                <a:cs typeface="Courier New" panose="02070309020205020404" pitchFamily="49" charset="0"/>
+              </a:rPr>
+              <a:t>dst</a:t>
+            </a:r>
+            <a:r>
+              <a:rPr lang="en-US" sz="1600" b="1" dirty="0">
+                <a:latin typeface="Courier New" panose="02070309020205020404" pitchFamily="49" charset="0"/>
+                <a:cs typeface="Courier New" panose="02070309020205020404" pitchFamily="49" charset="0"/>
+              </a:rPr>
+              <a:t>] == 0)</a:t>
+            </a:r>
+          </a:p>
+          <a:p>
+            <a:r>
+              <a:rPr lang="en-US" sz="1600" b="1" dirty="0">
+                <a:latin typeface="Courier New" panose="02070309020205020404" pitchFamily="49" charset="0"/>
+                <a:cs typeface="Courier New" panose="02070309020205020404" pitchFamily="49" charset="0"/>
+              </a:rPr>
+              <a:t>                {       B_state.sv[</a:t>
+            </a:r>
+            <a:r>
+              <a:rPr lang="en-US" sz="1600" b="1" dirty="0" err="1">
+                <a:latin typeface="Courier New" panose="02070309020205020404" pitchFamily="49" charset="0"/>
+                <a:cs typeface="Courier New" panose="02070309020205020404" pitchFamily="49" charset="0"/>
+              </a:rPr>
+              <a:t>dst</a:t>
+            </a:r>
+            <a:r>
+              <a:rPr lang="en-US" sz="1600" b="1" dirty="0">
+                <a:latin typeface="Courier New" panose="02070309020205020404" pitchFamily="49" charset="0"/>
+                <a:cs typeface="Courier New" panose="02070309020205020404" pitchFamily="49" charset="0"/>
+              </a:rPr>
+              <a:t>] = msg;</a:t>
+            </a:r>
+          </a:p>
+          <a:p>
+            <a:r>
+              <a:rPr lang="en-US" sz="1600" b="1" dirty="0">
+                <a:latin typeface="Courier New" panose="02070309020205020404" pitchFamily="49" charset="0"/>
+                <a:cs typeface="Courier New" panose="02070309020205020404" pitchFamily="49" charset="0"/>
+              </a:rPr>
+              <a:t>                        </a:t>
+            </a:r>
+            <a:r>
+              <a:rPr lang="en-US" sz="1600" b="1" dirty="0" err="1">
+                <a:latin typeface="Courier New" panose="02070309020205020404" pitchFamily="49" charset="0"/>
+                <a:cs typeface="Courier New" panose="02070309020205020404" pitchFamily="49" charset="0"/>
+              </a:rPr>
+              <a:t>rv</a:t>
+            </a:r>
+            <a:r>
+              <a:rPr lang="en-US" sz="1600" b="1" dirty="0">
+                <a:latin typeface="Courier New" panose="02070309020205020404" pitchFamily="49" charset="0"/>
+                <a:cs typeface="Courier New" panose="02070309020205020404" pitchFamily="49" charset="0"/>
+              </a:rPr>
+              <a:t> = 1;</a:t>
+            </a:r>
+          </a:p>
+          <a:p>
+            <a:r>
+              <a:rPr lang="en-US" sz="1600" b="1" dirty="0">
+                <a:latin typeface="Courier New" panose="02070309020205020404" pitchFamily="49" charset="0"/>
+                <a:cs typeface="Courier New" panose="02070309020205020404" pitchFamily="49" charset="0"/>
+              </a:rPr>
+              <a:t>                }</a:t>
+            </a:r>
+          </a:p>
+          <a:p>
+            <a:r>
+              <a:rPr lang="en-US" sz="1600" b="1" dirty="0">
+                <a:latin typeface="Courier New" panose="02070309020205020404" pitchFamily="49" charset="0"/>
+                <a:cs typeface="Courier New" panose="02070309020205020404" pitchFamily="49" charset="0"/>
+              </a:rPr>
+              <a:t>                break;</a:t>
+            </a:r>
+          </a:p>
+          <a:p>
+            <a:r>
+              <a:rPr lang="en-US" sz="1600" b="1" dirty="0">
+                <a:latin typeface="Courier New" panose="02070309020205020404" pitchFamily="49" charset="0"/>
+                <a:cs typeface="Courier New" panose="02070309020205020404" pitchFamily="49" charset="0"/>
+              </a:rPr>
+              <a:t>        case '?’: ...</a:t>
+            </a:r>
+          </a:p>
+          <a:p>
+            <a:r>
+              <a:rPr lang="en-US" sz="1600" b="1" dirty="0">
+                <a:latin typeface="Courier New" panose="02070309020205020404" pitchFamily="49" charset="0"/>
+                <a:cs typeface="Courier New" panose="02070309020205020404" pitchFamily="49" charset="0"/>
+              </a:rPr>
+              <a:t>		case ‘@’: ...</a:t>
+            </a:r>
+          </a:p>
+          <a:p>
+            <a:endParaRPr lang="en-US" sz="1600" b="1" dirty="0">
               <a:latin typeface="Courier New" panose="02070309020205020404" pitchFamily="49" charset="0"/>
               <a:cs typeface="Courier New" panose="02070309020205020404" pitchFamily="49" charset="0"/>
             </a:endParaRPr>
@@ -7905,20 +8768,13 @@
     </p:spTree>
     <p:extLst>
       <p:ext uri="{BB962C8B-B14F-4D97-AF65-F5344CB8AC3E}">
-        <p14:creationId xmlns:p14="http://schemas.microsoft.com/office/powerpoint/2010/main" val="2475294907"/>
+        <p14:creationId xmlns:p14="http://schemas.microsoft.com/office/powerpoint/2010/main" val="3947361210"/>
       </p:ext>
     </p:extLst>
   </p:cSld>
   <p:clrMapOvr>
     <a:masterClrMapping/>
   </p:clrMapOvr>
-  <p:timing>
-    <p:tnLst>
-      <p:par>
-        <p:cTn id="1" dur="indefinite" restart="never" nodeType="tmRoot"/>
-      </p:par>
-    </p:tnLst>
-  </p:timing>
 </p:sld>
 </file>
 
@@ -7951,80 +8807,39 @@
         </p:nvSpPr>
         <p:spPr>
           <a:xfrm>
-            <a:off x="251137" y="339031"/>
-            <a:ext cx="3400817" cy="2781713"/>
+            <a:off x="786685" y="136526"/>
+            <a:ext cx="3443288" cy="2249487"/>
           </a:xfrm>
         </p:spPr>
         <p:txBody>
           <a:bodyPr>
-            <a:normAutofit fontScale="90000"/>
+            <a:normAutofit/>
           </a:bodyPr>
           <a:lstStyle/>
           <a:p>
-            <a:pPr algn="l"/>
-            <a:r>
-              <a:rPr lang="en-US" sz="3200" dirty="0" smtClean="0"/>
-              <a:t>control-flow:</a:t>
-            </a:r>
-            <a:br>
-              <a:rPr lang="en-US" sz="3200" dirty="0" smtClean="0"/>
-            </a:br>
-            <a:r>
-              <a:rPr lang="en-US" sz="3200" dirty="0" smtClean="0"/>
-              <a:t>non-determinism</a:t>
-            </a:r>
-            <a:br>
-              <a:rPr lang="en-US" sz="3200" dirty="0" smtClean="0"/>
-            </a:br>
-            <a:r>
-              <a:rPr lang="en-US" sz="3200" dirty="0" smtClean="0"/>
-              <a:t>selection&amp; </a:t>
-            </a:r>
-            <a:br>
-              <a:rPr lang="en-US" sz="3200" dirty="0" smtClean="0"/>
-            </a:br>
-            <a:r>
-              <a:rPr lang="en-US" sz="3200" dirty="0" smtClean="0"/>
-              <a:t>iteration</a:t>
-            </a:r>
-            <a:br>
-              <a:rPr lang="en-US" sz="3200" dirty="0" smtClean="0"/>
-            </a:br>
-            <a:r>
-              <a:rPr lang="en-US" sz="3200" dirty="0"/>
-              <a:t/>
-            </a:r>
-            <a:br>
-              <a:rPr lang="en-US" sz="3200" dirty="0"/>
-            </a:br>
-            <a:r>
-              <a:rPr lang="en-US" sz="3600" dirty="0" smtClean="0">
+            <a:r>
+              <a:rPr lang="en-US" sz="3600" dirty="0">
                 <a:solidFill>
                   <a:schemeClr val="tx2"/>
                 </a:solidFill>
               </a:rPr>
-              <a:t>dining </a:t>
+              <a:t>alternating bit</a:t>
             </a:r>
             <a:br>
-              <a:rPr lang="en-US" sz="3600" dirty="0" smtClean="0">
+              <a:rPr lang="en-US" sz="3600" dirty="0">
                 <a:solidFill>
                   <a:schemeClr val="tx2"/>
                 </a:solidFill>
               </a:rPr>
             </a:br>
             <a:r>
-              <a:rPr lang="en-US" sz="3600" dirty="0" smtClean="0">
+              <a:rPr lang="en-US" sz="3600" dirty="0">
                 <a:solidFill>
                   <a:schemeClr val="tx2"/>
                 </a:solidFill>
               </a:rPr>
-              <a:t>philosophers</a:t>
-            </a:r>
-            <a:endParaRPr lang="en-US" sz="3600" dirty="0">
-              <a:solidFill>
-                <a:schemeClr val="tx2"/>
-              </a:solidFill>
-            </a:endParaRPr>
+              <a:t>protocol</a:t>
+            </a:r>
           </a:p>
         </p:txBody>
       </p:sp>
@@ -8036,8 +8851,1574 @@
         </p:nvSpPr>
         <p:spPr>
           <a:xfrm>
-            <a:off x="3375676" y="446703"/>
-            <a:ext cx="5423280" cy="6186309"/>
+            <a:off x="3007611" y="2011842"/>
+            <a:ext cx="3355406" cy="3693319"/>
+          </a:xfrm>
+          <a:prstGeom prst="rect">
+            <a:avLst/>
+          </a:prstGeom>
+          <a:solidFill>
+            <a:schemeClr val="bg1"/>
+          </a:solidFill>
+          <a:ln>
+            <a:solidFill>
+              <a:schemeClr val="bg1">
+                <a:lumMod val="95000"/>
+              </a:schemeClr>
+            </a:solidFill>
+          </a:ln>
+          <a:effectLst>
+            <a:outerShdw blurRad="495300" dist="241300" dir="2700000" algn="tl" rotWithShape="0">
+              <a:prstClr val="black">
+                <a:alpha val="40000"/>
+              </a:prstClr>
+            </a:outerShdw>
+          </a:effectLst>
+        </p:spPr>
+        <p:txBody>
+          <a:bodyPr wrap="none" rtlCol="0">
+            <a:spAutoFit/>
+          </a:bodyPr>
+          <a:lstStyle/>
+          <a:p>
+            <a:r>
+              <a:rPr lang="en-US" b="1" dirty="0">
+                <a:latin typeface="Courier New" panose="02070309020205020404" pitchFamily="49" charset="0"/>
+                <a:cs typeface="Courier New" panose="02070309020205020404" pitchFamily="49" charset="0"/>
+              </a:rPr>
+              <a:t>process sender</a:t>
+            </a:r>
+          </a:p>
+          <a:p>
+            <a:r>
+              <a:rPr lang="en-US" b="1" dirty="0">
+                <a:latin typeface="Courier New" panose="02070309020205020404" pitchFamily="49" charset="0"/>
+                <a:cs typeface="Courier New" panose="02070309020205020404" pitchFamily="49" charset="0"/>
+              </a:rPr>
+              <a:t>{</a:t>
+            </a:r>
+          </a:p>
+          <a:p>
+            <a:r>
+              <a:rPr lang="en-US" b="1" dirty="0">
+                <a:latin typeface="Courier New" panose="02070309020205020404" pitchFamily="49" charset="0"/>
+                <a:cs typeface="Courier New" panose="02070309020205020404" pitchFamily="49" charset="0"/>
+              </a:rPr>
+              <a:t>s0:     s2r!m0; r2s?a0;</a:t>
+            </a:r>
+          </a:p>
+          <a:p>
+            <a:r>
+              <a:rPr lang="en-US" b="1" dirty="0">
+                <a:latin typeface="Courier New" panose="02070309020205020404" pitchFamily="49" charset="0"/>
+                <a:cs typeface="Courier New" panose="02070309020205020404" pitchFamily="49" charset="0"/>
+              </a:rPr>
+              <a:t>        s2r!m1; r2s?a1;</a:t>
+            </a:r>
+          </a:p>
+          <a:p>
+            <a:r>
+              <a:rPr lang="en-US" b="1" dirty="0">
+                <a:latin typeface="Courier New" panose="02070309020205020404" pitchFamily="49" charset="0"/>
+                <a:cs typeface="Courier New" panose="02070309020205020404" pitchFamily="49" charset="0"/>
+              </a:rPr>
+              <a:t>        next s0;</a:t>
+            </a:r>
+          </a:p>
+          <a:p>
+            <a:r>
+              <a:rPr lang="en-US" b="1" dirty="0">
+                <a:latin typeface="Courier New" panose="02070309020205020404" pitchFamily="49" charset="0"/>
+                <a:cs typeface="Courier New" panose="02070309020205020404" pitchFamily="49" charset="0"/>
+              </a:rPr>
+              <a:t>}</a:t>
+            </a:r>
+          </a:p>
+          <a:p>
+            <a:endParaRPr lang="en-US" b="1" dirty="0">
+              <a:latin typeface="Courier New" panose="02070309020205020404" pitchFamily="49" charset="0"/>
+              <a:cs typeface="Courier New" panose="02070309020205020404" pitchFamily="49" charset="0"/>
+            </a:endParaRPr>
+          </a:p>
+          <a:p>
+            <a:r>
+              <a:rPr lang="en-US" b="1" dirty="0">
+                <a:latin typeface="Courier New" panose="02070309020205020404" pitchFamily="49" charset="0"/>
+                <a:cs typeface="Courier New" panose="02070309020205020404" pitchFamily="49" charset="0"/>
+              </a:rPr>
+              <a:t>process receiver</a:t>
+            </a:r>
+          </a:p>
+          <a:p>
+            <a:r>
+              <a:rPr lang="en-US" b="1" dirty="0">
+                <a:latin typeface="Courier New" panose="02070309020205020404" pitchFamily="49" charset="0"/>
+                <a:cs typeface="Courier New" panose="02070309020205020404" pitchFamily="49" charset="0"/>
+              </a:rPr>
+              <a:t>{</a:t>
+            </a:r>
+          </a:p>
+          <a:p>
+            <a:r>
+              <a:rPr lang="en-US" b="1" dirty="0">
+                <a:latin typeface="Courier New" panose="02070309020205020404" pitchFamily="49" charset="0"/>
+                <a:cs typeface="Courier New" panose="02070309020205020404" pitchFamily="49" charset="0"/>
+              </a:rPr>
+              <a:t>s0:     s2r?m0; r2s!a0;</a:t>
+            </a:r>
+          </a:p>
+          <a:p>
+            <a:r>
+              <a:rPr lang="en-US" b="1" dirty="0">
+                <a:latin typeface="Courier New" panose="02070309020205020404" pitchFamily="49" charset="0"/>
+                <a:cs typeface="Courier New" panose="02070309020205020404" pitchFamily="49" charset="0"/>
+              </a:rPr>
+              <a:t>        s2r?m1; r2s!a1;</a:t>
+            </a:r>
+          </a:p>
+          <a:p>
+            <a:r>
+              <a:rPr lang="en-US" b="1" dirty="0">
+                <a:latin typeface="Courier New" panose="02070309020205020404" pitchFamily="49" charset="0"/>
+                <a:cs typeface="Courier New" panose="02070309020205020404" pitchFamily="49" charset="0"/>
+              </a:rPr>
+              <a:t>        next s0;</a:t>
+            </a:r>
+          </a:p>
+          <a:p>
+            <a:r>
+              <a:rPr lang="en-US" b="1" dirty="0">
+                <a:latin typeface="Courier New" panose="02070309020205020404" pitchFamily="49" charset="0"/>
+                <a:cs typeface="Courier New" panose="02070309020205020404" pitchFamily="49" charset="0"/>
+              </a:rPr>
+              <a:t>}</a:t>
+            </a:r>
+          </a:p>
+        </p:txBody>
+      </p:sp>
+      <p:grpSp>
+        <p:nvGrpSpPr>
+          <p:cNvPr id="21" name="Group 20">
+            <a:extLst>
+              <a:ext uri="{FF2B5EF4-FFF2-40B4-BE49-F238E27FC236}">
+                <a16:creationId xmlns:a16="http://schemas.microsoft.com/office/drawing/2014/main" id="{D5DC6D92-0346-4518-A842-62B8F06AAA46}"/>
+              </a:ext>
+            </a:extLst>
+          </p:cNvPr>
+          <p:cNvGrpSpPr/>
+          <p:nvPr/>
+        </p:nvGrpSpPr>
+        <p:grpSpPr>
+          <a:xfrm>
+            <a:off x="606982" y="2178844"/>
+            <a:ext cx="2268070" cy="1763430"/>
+            <a:chOff x="606982" y="2178844"/>
+            <a:chExt cx="2268070" cy="1763430"/>
+          </a:xfrm>
+        </p:grpSpPr>
+        <p:sp>
+          <p:nvSpPr>
+            <p:cNvPr id="4" name="Oval 3">
+              <a:extLst>
+                <a:ext uri="{FF2B5EF4-FFF2-40B4-BE49-F238E27FC236}">
+                  <a16:creationId xmlns:a16="http://schemas.microsoft.com/office/drawing/2014/main" id="{57501B13-EE21-465F-BFD7-5294EF09BF59}"/>
+                </a:ext>
+              </a:extLst>
+            </p:cNvPr>
+            <p:cNvSpPr/>
+            <p:nvPr/>
+          </p:nvSpPr>
+          <p:spPr>
+            <a:xfrm>
+              <a:off x="821531" y="2243138"/>
+              <a:ext cx="571500" cy="571500"/>
+            </a:xfrm>
+            <a:prstGeom prst="ellipse">
+              <a:avLst/>
+            </a:prstGeom>
+            <a:solidFill>
+              <a:schemeClr val="bg1"/>
+            </a:solidFill>
+          </p:spPr>
+          <p:style>
+            <a:lnRef idx="2">
+              <a:schemeClr val="accent1">
+                <a:shade val="50000"/>
+              </a:schemeClr>
+            </a:lnRef>
+            <a:fillRef idx="1">
+              <a:schemeClr val="accent1"/>
+            </a:fillRef>
+            <a:effectRef idx="0">
+              <a:schemeClr val="accent1"/>
+            </a:effectRef>
+            <a:fontRef idx="minor">
+              <a:schemeClr val="lt1"/>
+            </a:fontRef>
+          </p:style>
+          <p:txBody>
+            <a:bodyPr rtlCol="0" anchor="ctr"/>
+            <a:lstStyle/>
+            <a:p>
+              <a:pPr algn="ctr"/>
+              <a:r>
+                <a:rPr lang="en-US" dirty="0">
+                  <a:solidFill>
+                    <a:schemeClr val="tx1"/>
+                  </a:solidFill>
+                </a:rPr>
+                <a:t>s</a:t>
+              </a:r>
+              <a:r>
+                <a:rPr lang="en-US" sz="1600" dirty="0">
+                  <a:solidFill>
+                    <a:schemeClr val="tx1"/>
+                  </a:solidFill>
+                </a:rPr>
+                <a:t>0</a:t>
+              </a:r>
+              <a:endParaRPr lang="en-US" dirty="0">
+                <a:solidFill>
+                  <a:schemeClr val="tx1"/>
+                </a:solidFill>
+              </a:endParaRPr>
+            </a:p>
+          </p:txBody>
+        </p:sp>
+        <p:sp>
+          <p:nvSpPr>
+            <p:cNvPr id="5" name="Oval 4">
+              <a:extLst>
+                <a:ext uri="{FF2B5EF4-FFF2-40B4-BE49-F238E27FC236}">
+                  <a16:creationId xmlns:a16="http://schemas.microsoft.com/office/drawing/2014/main" id="{536A6310-9221-4CEA-A2DB-BD9C56F93009}"/>
+                </a:ext>
+              </a:extLst>
+            </p:cNvPr>
+            <p:cNvSpPr/>
+            <p:nvPr/>
+          </p:nvSpPr>
+          <p:spPr>
+            <a:xfrm>
+              <a:off x="2064544" y="2243138"/>
+              <a:ext cx="571500" cy="571500"/>
+            </a:xfrm>
+            <a:prstGeom prst="ellipse">
+              <a:avLst/>
+            </a:prstGeom>
+            <a:solidFill>
+              <a:schemeClr val="bg1"/>
+            </a:solidFill>
+          </p:spPr>
+          <p:style>
+            <a:lnRef idx="2">
+              <a:schemeClr val="accent1">
+                <a:shade val="50000"/>
+              </a:schemeClr>
+            </a:lnRef>
+            <a:fillRef idx="1">
+              <a:schemeClr val="accent1"/>
+            </a:fillRef>
+            <a:effectRef idx="0">
+              <a:schemeClr val="accent1"/>
+            </a:effectRef>
+            <a:fontRef idx="minor">
+              <a:schemeClr val="lt1"/>
+            </a:fontRef>
+          </p:style>
+          <p:txBody>
+            <a:bodyPr rtlCol="0" anchor="ctr"/>
+            <a:lstStyle/>
+            <a:p>
+              <a:pPr algn="ctr"/>
+              <a:endParaRPr lang="en-US"/>
+            </a:p>
+          </p:txBody>
+        </p:sp>
+        <p:cxnSp>
+          <p:nvCxnSpPr>
+            <p:cNvPr id="7" name="Straight Arrow Connector 6">
+              <a:extLst>
+                <a:ext uri="{FF2B5EF4-FFF2-40B4-BE49-F238E27FC236}">
+                  <a16:creationId xmlns:a16="http://schemas.microsoft.com/office/drawing/2014/main" id="{93C3832F-FF05-4F42-A175-94340B6E6844}"/>
+                </a:ext>
+              </a:extLst>
+            </p:cNvPr>
+            <p:cNvCxnSpPr>
+              <a:stCxn id="4" idx="6"/>
+              <a:endCxn id="5" idx="2"/>
+            </p:cNvCxnSpPr>
+            <p:nvPr/>
+          </p:nvCxnSpPr>
+          <p:spPr>
+            <a:xfrm>
+              <a:off x="1393031" y="2528888"/>
+              <a:ext cx="671513" cy="0"/>
+            </a:xfrm>
+            <a:prstGeom prst="straightConnector1">
+              <a:avLst/>
+            </a:prstGeom>
+            <a:ln>
+              <a:tailEnd type="triangle"/>
+            </a:ln>
+          </p:spPr>
+          <p:style>
+            <a:lnRef idx="1">
+              <a:schemeClr val="accent1"/>
+            </a:lnRef>
+            <a:fillRef idx="0">
+              <a:schemeClr val="accent1"/>
+            </a:fillRef>
+            <a:effectRef idx="0">
+              <a:schemeClr val="accent1"/>
+            </a:effectRef>
+            <a:fontRef idx="minor">
+              <a:schemeClr val="tx1"/>
+            </a:fontRef>
+          </p:style>
+        </p:cxnSp>
+        <p:sp>
+          <p:nvSpPr>
+            <p:cNvPr id="8" name="Oval 7">
+              <a:extLst>
+                <a:ext uri="{FF2B5EF4-FFF2-40B4-BE49-F238E27FC236}">
+                  <a16:creationId xmlns:a16="http://schemas.microsoft.com/office/drawing/2014/main" id="{12404C65-1FC4-48D1-9791-471123467AB2}"/>
+                </a:ext>
+              </a:extLst>
+            </p:cNvPr>
+            <p:cNvSpPr/>
+            <p:nvPr/>
+          </p:nvSpPr>
+          <p:spPr>
+            <a:xfrm>
+              <a:off x="821531" y="3370774"/>
+              <a:ext cx="571500" cy="571500"/>
+            </a:xfrm>
+            <a:prstGeom prst="ellipse">
+              <a:avLst/>
+            </a:prstGeom>
+            <a:solidFill>
+              <a:schemeClr val="bg1"/>
+            </a:solidFill>
+          </p:spPr>
+          <p:style>
+            <a:lnRef idx="2">
+              <a:schemeClr val="accent1">
+                <a:shade val="50000"/>
+              </a:schemeClr>
+            </a:lnRef>
+            <a:fillRef idx="1">
+              <a:schemeClr val="accent1"/>
+            </a:fillRef>
+            <a:effectRef idx="0">
+              <a:schemeClr val="accent1"/>
+            </a:effectRef>
+            <a:fontRef idx="minor">
+              <a:schemeClr val="lt1"/>
+            </a:fontRef>
+          </p:style>
+          <p:txBody>
+            <a:bodyPr rtlCol="0" anchor="ctr"/>
+            <a:lstStyle/>
+            <a:p>
+              <a:pPr algn="ctr"/>
+              <a:endParaRPr lang="en-US"/>
+            </a:p>
+          </p:txBody>
+        </p:sp>
+        <p:sp>
+          <p:nvSpPr>
+            <p:cNvPr id="9" name="Oval 8">
+              <a:extLst>
+                <a:ext uri="{FF2B5EF4-FFF2-40B4-BE49-F238E27FC236}">
+                  <a16:creationId xmlns:a16="http://schemas.microsoft.com/office/drawing/2014/main" id="{49F04C4F-A9AB-411B-B0B0-FCD09CB5965A}"/>
+                </a:ext>
+              </a:extLst>
+            </p:cNvPr>
+            <p:cNvSpPr/>
+            <p:nvPr/>
+          </p:nvSpPr>
+          <p:spPr>
+            <a:xfrm>
+              <a:off x="2064544" y="3370774"/>
+              <a:ext cx="571500" cy="571500"/>
+            </a:xfrm>
+            <a:prstGeom prst="ellipse">
+              <a:avLst/>
+            </a:prstGeom>
+            <a:solidFill>
+              <a:schemeClr val="bg1"/>
+            </a:solidFill>
+          </p:spPr>
+          <p:style>
+            <a:lnRef idx="2">
+              <a:schemeClr val="accent1">
+                <a:shade val="50000"/>
+              </a:schemeClr>
+            </a:lnRef>
+            <a:fillRef idx="1">
+              <a:schemeClr val="accent1"/>
+            </a:fillRef>
+            <a:effectRef idx="0">
+              <a:schemeClr val="accent1"/>
+            </a:effectRef>
+            <a:fontRef idx="minor">
+              <a:schemeClr val="lt1"/>
+            </a:fontRef>
+          </p:style>
+          <p:txBody>
+            <a:bodyPr rtlCol="0" anchor="ctr"/>
+            <a:lstStyle/>
+            <a:p>
+              <a:pPr algn="ctr"/>
+              <a:endParaRPr lang="en-US"/>
+            </a:p>
+          </p:txBody>
+        </p:sp>
+        <p:cxnSp>
+          <p:nvCxnSpPr>
+            <p:cNvPr id="10" name="Straight Arrow Connector 9">
+              <a:extLst>
+                <a:ext uri="{FF2B5EF4-FFF2-40B4-BE49-F238E27FC236}">
+                  <a16:creationId xmlns:a16="http://schemas.microsoft.com/office/drawing/2014/main" id="{99EBE54D-AB27-477B-9023-144777DFD19E}"/>
+                </a:ext>
+              </a:extLst>
+            </p:cNvPr>
+            <p:cNvCxnSpPr>
+              <a:stCxn id="8" idx="6"/>
+              <a:endCxn id="9" idx="2"/>
+            </p:cNvCxnSpPr>
+            <p:nvPr/>
+          </p:nvCxnSpPr>
+          <p:spPr>
+            <a:xfrm>
+              <a:off x="1393031" y="3656524"/>
+              <a:ext cx="671513" cy="0"/>
+            </a:xfrm>
+            <a:prstGeom prst="straightConnector1">
+              <a:avLst/>
+            </a:prstGeom>
+            <a:ln>
+              <a:headEnd type="triangle" w="med" len="med"/>
+              <a:tailEnd type="none" w="med" len="med"/>
+            </a:ln>
+          </p:spPr>
+          <p:style>
+            <a:lnRef idx="1">
+              <a:schemeClr val="accent1"/>
+            </a:lnRef>
+            <a:fillRef idx="0">
+              <a:schemeClr val="accent1"/>
+            </a:fillRef>
+            <a:effectRef idx="0">
+              <a:schemeClr val="accent1"/>
+            </a:effectRef>
+            <a:fontRef idx="minor">
+              <a:schemeClr val="tx1"/>
+            </a:fontRef>
+          </p:style>
+        </p:cxnSp>
+        <p:cxnSp>
+          <p:nvCxnSpPr>
+            <p:cNvPr id="12" name="Straight Arrow Connector 11">
+              <a:extLst>
+                <a:ext uri="{FF2B5EF4-FFF2-40B4-BE49-F238E27FC236}">
+                  <a16:creationId xmlns:a16="http://schemas.microsoft.com/office/drawing/2014/main" id="{3272FD96-B988-417E-971B-D019023F4EDE}"/>
+                </a:ext>
+              </a:extLst>
+            </p:cNvPr>
+            <p:cNvCxnSpPr>
+              <a:stCxn id="5" idx="4"/>
+              <a:endCxn id="9" idx="0"/>
+            </p:cNvCxnSpPr>
+            <p:nvPr/>
+          </p:nvCxnSpPr>
+          <p:spPr>
+            <a:xfrm>
+              <a:off x="2350294" y="2814638"/>
+              <a:ext cx="0" cy="556136"/>
+            </a:xfrm>
+            <a:prstGeom prst="straightConnector1">
+              <a:avLst/>
+            </a:prstGeom>
+            <a:ln>
+              <a:tailEnd type="triangle"/>
+            </a:ln>
+          </p:spPr>
+          <p:style>
+            <a:lnRef idx="1">
+              <a:schemeClr val="accent1"/>
+            </a:lnRef>
+            <a:fillRef idx="0">
+              <a:schemeClr val="accent1"/>
+            </a:fillRef>
+            <a:effectRef idx="0">
+              <a:schemeClr val="accent1"/>
+            </a:effectRef>
+            <a:fontRef idx="minor">
+              <a:schemeClr val="tx1"/>
+            </a:fontRef>
+          </p:style>
+        </p:cxnSp>
+        <p:cxnSp>
+          <p:nvCxnSpPr>
+            <p:cNvPr id="14" name="Straight Arrow Connector 13">
+              <a:extLst>
+                <a:ext uri="{FF2B5EF4-FFF2-40B4-BE49-F238E27FC236}">
+                  <a16:creationId xmlns:a16="http://schemas.microsoft.com/office/drawing/2014/main" id="{67178C56-0BDD-4290-B22E-4D2D4B6F63C0}"/>
+                </a:ext>
+              </a:extLst>
+            </p:cNvPr>
+            <p:cNvCxnSpPr>
+              <a:stCxn id="8" idx="0"/>
+              <a:endCxn id="4" idx="4"/>
+            </p:cNvCxnSpPr>
+            <p:nvPr/>
+          </p:nvCxnSpPr>
+          <p:spPr>
+            <a:xfrm flipV="1">
+              <a:off x="1107281" y="2814638"/>
+              <a:ext cx="0" cy="556136"/>
+            </a:xfrm>
+            <a:prstGeom prst="straightConnector1">
+              <a:avLst/>
+            </a:prstGeom>
+            <a:ln>
+              <a:tailEnd type="triangle"/>
+            </a:ln>
+          </p:spPr>
+          <p:style>
+            <a:lnRef idx="1">
+              <a:schemeClr val="accent1"/>
+            </a:lnRef>
+            <a:fillRef idx="0">
+              <a:schemeClr val="accent1"/>
+            </a:fillRef>
+            <a:effectRef idx="0">
+              <a:schemeClr val="accent1"/>
+            </a:effectRef>
+            <a:fontRef idx="minor">
+              <a:schemeClr val="tx1"/>
+            </a:fontRef>
+          </p:style>
+        </p:cxnSp>
+        <p:cxnSp>
+          <p:nvCxnSpPr>
+            <p:cNvPr id="16" name="Straight Arrow Connector 15">
+              <a:extLst>
+                <a:ext uri="{FF2B5EF4-FFF2-40B4-BE49-F238E27FC236}">
+                  <a16:creationId xmlns:a16="http://schemas.microsoft.com/office/drawing/2014/main" id="{516C57A4-7BDA-493E-A0C5-2639E05DBA47}"/>
+                </a:ext>
+              </a:extLst>
+            </p:cNvPr>
+            <p:cNvCxnSpPr>
+              <a:endCxn id="4" idx="1"/>
+            </p:cNvCxnSpPr>
+            <p:nvPr/>
+          </p:nvCxnSpPr>
+          <p:spPr>
+            <a:xfrm>
+              <a:off x="714375" y="2178844"/>
+              <a:ext cx="190850" cy="147988"/>
+            </a:xfrm>
+            <a:prstGeom prst="straightConnector1">
+              <a:avLst/>
+            </a:prstGeom>
+            <a:ln>
+              <a:tailEnd type="triangle"/>
+            </a:ln>
+          </p:spPr>
+          <p:style>
+            <a:lnRef idx="1">
+              <a:schemeClr val="accent1"/>
+            </a:lnRef>
+            <a:fillRef idx="0">
+              <a:schemeClr val="accent1"/>
+            </a:fillRef>
+            <a:effectRef idx="0">
+              <a:schemeClr val="accent1"/>
+            </a:effectRef>
+            <a:fontRef idx="minor">
+              <a:schemeClr val="tx1"/>
+            </a:fontRef>
+          </p:style>
+        </p:cxnSp>
+        <p:sp>
+          <p:nvSpPr>
+            <p:cNvPr id="17" name="TextBox 16">
+              <a:extLst>
+                <a:ext uri="{FF2B5EF4-FFF2-40B4-BE49-F238E27FC236}">
+                  <a16:creationId xmlns:a16="http://schemas.microsoft.com/office/drawing/2014/main" id="{4CB38CBA-AE31-4D95-835D-B96F4AAD502F}"/>
+                </a:ext>
+              </a:extLst>
+            </p:cNvPr>
+            <p:cNvSpPr txBox="1"/>
+            <p:nvPr/>
+          </p:nvSpPr>
+          <p:spPr>
+            <a:xfrm>
+              <a:off x="1448101" y="2203490"/>
+              <a:ext cx="561372" cy="369332"/>
+            </a:xfrm>
+            <a:prstGeom prst="rect">
+              <a:avLst/>
+            </a:prstGeom>
+            <a:noFill/>
+          </p:spPr>
+          <p:txBody>
+            <a:bodyPr wrap="none" rtlCol="0">
+              <a:spAutoFit/>
+            </a:bodyPr>
+            <a:lstStyle/>
+            <a:p>
+              <a:r>
+                <a:rPr lang="en-US" dirty="0"/>
+                <a:t>!m0</a:t>
+              </a:r>
+            </a:p>
+          </p:txBody>
+        </p:sp>
+        <p:sp>
+          <p:nvSpPr>
+            <p:cNvPr id="18" name="TextBox 17">
+              <a:extLst>
+                <a:ext uri="{FF2B5EF4-FFF2-40B4-BE49-F238E27FC236}">
+                  <a16:creationId xmlns:a16="http://schemas.microsoft.com/office/drawing/2014/main" id="{805171D5-A872-49B1-B6A8-47943EC1C85B}"/>
+                </a:ext>
+              </a:extLst>
+            </p:cNvPr>
+            <p:cNvSpPr txBox="1"/>
+            <p:nvPr/>
+          </p:nvSpPr>
+          <p:spPr>
+            <a:xfrm>
+              <a:off x="1450229" y="3302013"/>
+              <a:ext cx="561372" cy="369332"/>
+            </a:xfrm>
+            <a:prstGeom prst="rect">
+              <a:avLst/>
+            </a:prstGeom>
+            <a:noFill/>
+          </p:spPr>
+          <p:txBody>
+            <a:bodyPr wrap="none" rtlCol="0">
+              <a:spAutoFit/>
+            </a:bodyPr>
+            <a:lstStyle/>
+            <a:p>
+              <a:r>
+                <a:rPr lang="en-US" dirty="0"/>
+                <a:t>!m1</a:t>
+              </a:r>
+            </a:p>
+          </p:txBody>
+        </p:sp>
+        <p:sp>
+          <p:nvSpPr>
+            <p:cNvPr id="19" name="TextBox 18">
+              <a:extLst>
+                <a:ext uri="{FF2B5EF4-FFF2-40B4-BE49-F238E27FC236}">
+                  <a16:creationId xmlns:a16="http://schemas.microsoft.com/office/drawing/2014/main" id="{0224B5BB-7D8D-4E0B-8EB0-B335AA1FF5E0}"/>
+                </a:ext>
+              </a:extLst>
+            </p:cNvPr>
+            <p:cNvSpPr txBox="1"/>
+            <p:nvPr/>
+          </p:nvSpPr>
+          <p:spPr>
+            <a:xfrm>
+              <a:off x="2355358" y="2915722"/>
+              <a:ext cx="519694" cy="369332"/>
+            </a:xfrm>
+            <a:prstGeom prst="rect">
+              <a:avLst/>
+            </a:prstGeom>
+            <a:noFill/>
+          </p:spPr>
+          <p:txBody>
+            <a:bodyPr wrap="none" rtlCol="0">
+              <a:spAutoFit/>
+            </a:bodyPr>
+            <a:lstStyle/>
+            <a:p>
+              <a:r>
+                <a:rPr lang="en-US" dirty="0"/>
+                <a:t>?a0</a:t>
+              </a:r>
+            </a:p>
+          </p:txBody>
+        </p:sp>
+        <p:sp>
+          <p:nvSpPr>
+            <p:cNvPr id="20" name="TextBox 19">
+              <a:extLst>
+                <a:ext uri="{FF2B5EF4-FFF2-40B4-BE49-F238E27FC236}">
+                  <a16:creationId xmlns:a16="http://schemas.microsoft.com/office/drawing/2014/main" id="{555987F4-A35F-4B09-BB9F-616452D34EFC}"/>
+                </a:ext>
+              </a:extLst>
+            </p:cNvPr>
+            <p:cNvSpPr txBox="1"/>
+            <p:nvPr/>
+          </p:nvSpPr>
+          <p:spPr>
+            <a:xfrm>
+              <a:off x="606982" y="2858919"/>
+              <a:ext cx="519694" cy="369332"/>
+            </a:xfrm>
+            <a:prstGeom prst="rect">
+              <a:avLst/>
+            </a:prstGeom>
+            <a:noFill/>
+          </p:spPr>
+          <p:txBody>
+            <a:bodyPr wrap="none" rtlCol="0">
+              <a:spAutoFit/>
+            </a:bodyPr>
+            <a:lstStyle/>
+            <a:p>
+              <a:r>
+                <a:rPr lang="en-US" dirty="0"/>
+                <a:t>?a1</a:t>
+              </a:r>
+            </a:p>
+          </p:txBody>
+        </p:sp>
+      </p:grpSp>
+      <p:grpSp>
+        <p:nvGrpSpPr>
+          <p:cNvPr id="22" name="Group 21">
+            <a:extLst>
+              <a:ext uri="{FF2B5EF4-FFF2-40B4-BE49-F238E27FC236}">
+                <a16:creationId xmlns:a16="http://schemas.microsoft.com/office/drawing/2014/main" id="{0E1F4D36-413F-4842-97C1-6C93DF234D59}"/>
+              </a:ext>
+            </a:extLst>
+          </p:cNvPr>
+          <p:cNvGrpSpPr/>
+          <p:nvPr/>
+        </p:nvGrpSpPr>
+        <p:grpSpPr>
+          <a:xfrm>
+            <a:off x="6647750" y="4098360"/>
+            <a:ext cx="2236010" cy="1763430"/>
+            <a:chOff x="606982" y="2178844"/>
+            <a:chExt cx="2236010" cy="1763430"/>
+          </a:xfrm>
+        </p:grpSpPr>
+        <p:sp>
+          <p:nvSpPr>
+            <p:cNvPr id="23" name="Oval 22">
+              <a:extLst>
+                <a:ext uri="{FF2B5EF4-FFF2-40B4-BE49-F238E27FC236}">
+                  <a16:creationId xmlns:a16="http://schemas.microsoft.com/office/drawing/2014/main" id="{025FFABD-F1ED-4779-A672-991D8F2B8A3A}"/>
+                </a:ext>
+              </a:extLst>
+            </p:cNvPr>
+            <p:cNvSpPr/>
+            <p:nvPr/>
+          </p:nvSpPr>
+          <p:spPr>
+            <a:xfrm>
+              <a:off x="821531" y="2243138"/>
+              <a:ext cx="571500" cy="571500"/>
+            </a:xfrm>
+            <a:prstGeom prst="ellipse">
+              <a:avLst/>
+            </a:prstGeom>
+            <a:solidFill>
+              <a:schemeClr val="bg1"/>
+            </a:solidFill>
+          </p:spPr>
+          <p:style>
+            <a:lnRef idx="2">
+              <a:schemeClr val="accent1">
+                <a:shade val="50000"/>
+              </a:schemeClr>
+            </a:lnRef>
+            <a:fillRef idx="1">
+              <a:schemeClr val="accent1"/>
+            </a:fillRef>
+            <a:effectRef idx="0">
+              <a:schemeClr val="accent1"/>
+            </a:effectRef>
+            <a:fontRef idx="minor">
+              <a:schemeClr val="lt1"/>
+            </a:fontRef>
+          </p:style>
+          <p:txBody>
+            <a:bodyPr rtlCol="0" anchor="ctr"/>
+            <a:lstStyle/>
+            <a:p>
+              <a:pPr algn="ctr"/>
+              <a:r>
+                <a:rPr lang="en-US" dirty="0">
+                  <a:solidFill>
+                    <a:schemeClr val="tx1"/>
+                  </a:solidFill>
+                </a:rPr>
+                <a:t>s</a:t>
+              </a:r>
+              <a:r>
+                <a:rPr lang="en-US" sz="1600" dirty="0">
+                  <a:solidFill>
+                    <a:schemeClr val="tx1"/>
+                  </a:solidFill>
+                </a:rPr>
+                <a:t>0</a:t>
+              </a:r>
+              <a:endParaRPr lang="en-US" dirty="0">
+                <a:solidFill>
+                  <a:schemeClr val="tx1"/>
+                </a:solidFill>
+              </a:endParaRPr>
+            </a:p>
+          </p:txBody>
+        </p:sp>
+        <p:sp>
+          <p:nvSpPr>
+            <p:cNvPr id="24" name="Oval 23">
+              <a:extLst>
+                <a:ext uri="{FF2B5EF4-FFF2-40B4-BE49-F238E27FC236}">
+                  <a16:creationId xmlns:a16="http://schemas.microsoft.com/office/drawing/2014/main" id="{89E5EE8E-BF03-4255-ADB1-67B198630E30}"/>
+                </a:ext>
+              </a:extLst>
+            </p:cNvPr>
+            <p:cNvSpPr/>
+            <p:nvPr/>
+          </p:nvSpPr>
+          <p:spPr>
+            <a:xfrm>
+              <a:off x="2064544" y="2243138"/>
+              <a:ext cx="571500" cy="571500"/>
+            </a:xfrm>
+            <a:prstGeom prst="ellipse">
+              <a:avLst/>
+            </a:prstGeom>
+            <a:solidFill>
+              <a:schemeClr val="bg1"/>
+            </a:solidFill>
+          </p:spPr>
+          <p:style>
+            <a:lnRef idx="2">
+              <a:schemeClr val="accent1">
+                <a:shade val="50000"/>
+              </a:schemeClr>
+            </a:lnRef>
+            <a:fillRef idx="1">
+              <a:schemeClr val="accent1"/>
+            </a:fillRef>
+            <a:effectRef idx="0">
+              <a:schemeClr val="accent1"/>
+            </a:effectRef>
+            <a:fontRef idx="minor">
+              <a:schemeClr val="lt1"/>
+            </a:fontRef>
+          </p:style>
+          <p:txBody>
+            <a:bodyPr rtlCol="0" anchor="ctr"/>
+            <a:lstStyle/>
+            <a:p>
+              <a:pPr algn="ctr"/>
+              <a:endParaRPr lang="en-US"/>
+            </a:p>
+          </p:txBody>
+        </p:sp>
+        <p:cxnSp>
+          <p:nvCxnSpPr>
+            <p:cNvPr id="25" name="Straight Arrow Connector 24">
+              <a:extLst>
+                <a:ext uri="{FF2B5EF4-FFF2-40B4-BE49-F238E27FC236}">
+                  <a16:creationId xmlns:a16="http://schemas.microsoft.com/office/drawing/2014/main" id="{3CF8CAC4-09AC-4AE0-8F1E-AB93A8179737}"/>
+                </a:ext>
+              </a:extLst>
+            </p:cNvPr>
+            <p:cNvCxnSpPr>
+              <a:stCxn id="23" idx="6"/>
+              <a:endCxn id="24" idx="2"/>
+            </p:cNvCxnSpPr>
+            <p:nvPr/>
+          </p:nvCxnSpPr>
+          <p:spPr>
+            <a:xfrm>
+              <a:off x="1393031" y="2528888"/>
+              <a:ext cx="671513" cy="0"/>
+            </a:xfrm>
+            <a:prstGeom prst="straightConnector1">
+              <a:avLst/>
+            </a:prstGeom>
+            <a:ln>
+              <a:tailEnd type="triangle"/>
+            </a:ln>
+          </p:spPr>
+          <p:style>
+            <a:lnRef idx="1">
+              <a:schemeClr val="accent1"/>
+            </a:lnRef>
+            <a:fillRef idx="0">
+              <a:schemeClr val="accent1"/>
+            </a:fillRef>
+            <a:effectRef idx="0">
+              <a:schemeClr val="accent1"/>
+            </a:effectRef>
+            <a:fontRef idx="minor">
+              <a:schemeClr val="tx1"/>
+            </a:fontRef>
+          </p:style>
+        </p:cxnSp>
+        <p:sp>
+          <p:nvSpPr>
+            <p:cNvPr id="26" name="Oval 25">
+              <a:extLst>
+                <a:ext uri="{FF2B5EF4-FFF2-40B4-BE49-F238E27FC236}">
+                  <a16:creationId xmlns:a16="http://schemas.microsoft.com/office/drawing/2014/main" id="{77D596C9-35CD-4C7B-BA41-8F7143984B30}"/>
+                </a:ext>
+              </a:extLst>
+            </p:cNvPr>
+            <p:cNvSpPr/>
+            <p:nvPr/>
+          </p:nvSpPr>
+          <p:spPr>
+            <a:xfrm>
+              <a:off x="821531" y="3370774"/>
+              <a:ext cx="571500" cy="571500"/>
+            </a:xfrm>
+            <a:prstGeom prst="ellipse">
+              <a:avLst/>
+            </a:prstGeom>
+            <a:solidFill>
+              <a:schemeClr val="bg1"/>
+            </a:solidFill>
+          </p:spPr>
+          <p:style>
+            <a:lnRef idx="2">
+              <a:schemeClr val="accent1">
+                <a:shade val="50000"/>
+              </a:schemeClr>
+            </a:lnRef>
+            <a:fillRef idx="1">
+              <a:schemeClr val="accent1"/>
+            </a:fillRef>
+            <a:effectRef idx="0">
+              <a:schemeClr val="accent1"/>
+            </a:effectRef>
+            <a:fontRef idx="minor">
+              <a:schemeClr val="lt1"/>
+            </a:fontRef>
+          </p:style>
+          <p:txBody>
+            <a:bodyPr rtlCol="0" anchor="ctr"/>
+            <a:lstStyle/>
+            <a:p>
+              <a:pPr algn="ctr"/>
+              <a:endParaRPr lang="en-US"/>
+            </a:p>
+          </p:txBody>
+        </p:sp>
+        <p:sp>
+          <p:nvSpPr>
+            <p:cNvPr id="27" name="Oval 26">
+              <a:extLst>
+                <a:ext uri="{FF2B5EF4-FFF2-40B4-BE49-F238E27FC236}">
+                  <a16:creationId xmlns:a16="http://schemas.microsoft.com/office/drawing/2014/main" id="{55DEB840-09A7-485C-A23E-2B142C1A0CA8}"/>
+                </a:ext>
+              </a:extLst>
+            </p:cNvPr>
+            <p:cNvSpPr/>
+            <p:nvPr/>
+          </p:nvSpPr>
+          <p:spPr>
+            <a:xfrm>
+              <a:off x="2064544" y="3370774"/>
+              <a:ext cx="571500" cy="571500"/>
+            </a:xfrm>
+            <a:prstGeom prst="ellipse">
+              <a:avLst/>
+            </a:prstGeom>
+            <a:solidFill>
+              <a:schemeClr val="bg1"/>
+            </a:solidFill>
+          </p:spPr>
+          <p:style>
+            <a:lnRef idx="2">
+              <a:schemeClr val="accent1">
+                <a:shade val="50000"/>
+              </a:schemeClr>
+            </a:lnRef>
+            <a:fillRef idx="1">
+              <a:schemeClr val="accent1"/>
+            </a:fillRef>
+            <a:effectRef idx="0">
+              <a:schemeClr val="accent1"/>
+            </a:effectRef>
+            <a:fontRef idx="minor">
+              <a:schemeClr val="lt1"/>
+            </a:fontRef>
+          </p:style>
+          <p:txBody>
+            <a:bodyPr rtlCol="0" anchor="ctr"/>
+            <a:lstStyle/>
+            <a:p>
+              <a:pPr algn="ctr"/>
+              <a:endParaRPr lang="en-US"/>
+            </a:p>
+          </p:txBody>
+        </p:sp>
+        <p:cxnSp>
+          <p:nvCxnSpPr>
+            <p:cNvPr id="28" name="Straight Arrow Connector 27">
+              <a:extLst>
+                <a:ext uri="{FF2B5EF4-FFF2-40B4-BE49-F238E27FC236}">
+                  <a16:creationId xmlns:a16="http://schemas.microsoft.com/office/drawing/2014/main" id="{93B0BD62-3AA1-4993-BC8E-216795D22E53}"/>
+                </a:ext>
+              </a:extLst>
+            </p:cNvPr>
+            <p:cNvCxnSpPr>
+              <a:stCxn id="26" idx="6"/>
+              <a:endCxn id="27" idx="2"/>
+            </p:cNvCxnSpPr>
+            <p:nvPr/>
+          </p:nvCxnSpPr>
+          <p:spPr>
+            <a:xfrm>
+              <a:off x="1393031" y="3656524"/>
+              <a:ext cx="671513" cy="0"/>
+            </a:xfrm>
+            <a:prstGeom prst="straightConnector1">
+              <a:avLst/>
+            </a:prstGeom>
+            <a:ln>
+              <a:headEnd type="triangle" w="med" len="med"/>
+              <a:tailEnd type="none" w="med" len="med"/>
+            </a:ln>
+          </p:spPr>
+          <p:style>
+            <a:lnRef idx="1">
+              <a:schemeClr val="accent1"/>
+            </a:lnRef>
+            <a:fillRef idx="0">
+              <a:schemeClr val="accent1"/>
+            </a:fillRef>
+            <a:effectRef idx="0">
+              <a:schemeClr val="accent1"/>
+            </a:effectRef>
+            <a:fontRef idx="minor">
+              <a:schemeClr val="tx1"/>
+            </a:fontRef>
+          </p:style>
+        </p:cxnSp>
+        <p:cxnSp>
+          <p:nvCxnSpPr>
+            <p:cNvPr id="29" name="Straight Arrow Connector 28">
+              <a:extLst>
+                <a:ext uri="{FF2B5EF4-FFF2-40B4-BE49-F238E27FC236}">
+                  <a16:creationId xmlns:a16="http://schemas.microsoft.com/office/drawing/2014/main" id="{D48E6231-15EE-4EC0-B6B3-2C4110CFC833}"/>
+                </a:ext>
+              </a:extLst>
+            </p:cNvPr>
+            <p:cNvCxnSpPr>
+              <a:stCxn id="24" idx="4"/>
+              <a:endCxn id="27" idx="0"/>
+            </p:cNvCxnSpPr>
+            <p:nvPr/>
+          </p:nvCxnSpPr>
+          <p:spPr>
+            <a:xfrm>
+              <a:off x="2350294" y="2814638"/>
+              <a:ext cx="0" cy="556136"/>
+            </a:xfrm>
+            <a:prstGeom prst="straightConnector1">
+              <a:avLst/>
+            </a:prstGeom>
+            <a:ln>
+              <a:tailEnd type="triangle"/>
+            </a:ln>
+          </p:spPr>
+          <p:style>
+            <a:lnRef idx="1">
+              <a:schemeClr val="accent1"/>
+            </a:lnRef>
+            <a:fillRef idx="0">
+              <a:schemeClr val="accent1"/>
+            </a:fillRef>
+            <a:effectRef idx="0">
+              <a:schemeClr val="accent1"/>
+            </a:effectRef>
+            <a:fontRef idx="minor">
+              <a:schemeClr val="tx1"/>
+            </a:fontRef>
+          </p:style>
+        </p:cxnSp>
+        <p:cxnSp>
+          <p:nvCxnSpPr>
+            <p:cNvPr id="30" name="Straight Arrow Connector 29">
+              <a:extLst>
+                <a:ext uri="{FF2B5EF4-FFF2-40B4-BE49-F238E27FC236}">
+                  <a16:creationId xmlns:a16="http://schemas.microsoft.com/office/drawing/2014/main" id="{45636FC3-58DE-4880-B142-FFE693F6B2C3}"/>
+                </a:ext>
+              </a:extLst>
+            </p:cNvPr>
+            <p:cNvCxnSpPr>
+              <a:stCxn id="26" idx="0"/>
+              <a:endCxn id="23" idx="4"/>
+            </p:cNvCxnSpPr>
+            <p:nvPr/>
+          </p:nvCxnSpPr>
+          <p:spPr>
+            <a:xfrm flipV="1">
+              <a:off x="1107281" y="2814638"/>
+              <a:ext cx="0" cy="556136"/>
+            </a:xfrm>
+            <a:prstGeom prst="straightConnector1">
+              <a:avLst/>
+            </a:prstGeom>
+            <a:ln>
+              <a:tailEnd type="triangle"/>
+            </a:ln>
+          </p:spPr>
+          <p:style>
+            <a:lnRef idx="1">
+              <a:schemeClr val="accent1"/>
+            </a:lnRef>
+            <a:fillRef idx="0">
+              <a:schemeClr val="accent1"/>
+            </a:fillRef>
+            <a:effectRef idx="0">
+              <a:schemeClr val="accent1"/>
+            </a:effectRef>
+            <a:fontRef idx="minor">
+              <a:schemeClr val="tx1"/>
+            </a:fontRef>
+          </p:style>
+        </p:cxnSp>
+        <p:cxnSp>
+          <p:nvCxnSpPr>
+            <p:cNvPr id="31" name="Straight Arrow Connector 30">
+              <a:extLst>
+                <a:ext uri="{FF2B5EF4-FFF2-40B4-BE49-F238E27FC236}">
+                  <a16:creationId xmlns:a16="http://schemas.microsoft.com/office/drawing/2014/main" id="{C8771ABD-16FE-4E94-B17B-CB62DEF76C8D}"/>
+                </a:ext>
+              </a:extLst>
+            </p:cNvPr>
+            <p:cNvCxnSpPr>
+              <a:endCxn id="23" idx="1"/>
+            </p:cNvCxnSpPr>
+            <p:nvPr/>
+          </p:nvCxnSpPr>
+          <p:spPr>
+            <a:xfrm>
+              <a:off x="714375" y="2178844"/>
+              <a:ext cx="190850" cy="147988"/>
+            </a:xfrm>
+            <a:prstGeom prst="straightConnector1">
+              <a:avLst/>
+            </a:prstGeom>
+            <a:ln>
+              <a:tailEnd type="triangle"/>
+            </a:ln>
+          </p:spPr>
+          <p:style>
+            <a:lnRef idx="1">
+              <a:schemeClr val="accent1"/>
+            </a:lnRef>
+            <a:fillRef idx="0">
+              <a:schemeClr val="accent1"/>
+            </a:fillRef>
+            <a:effectRef idx="0">
+              <a:schemeClr val="accent1"/>
+            </a:effectRef>
+            <a:fontRef idx="minor">
+              <a:schemeClr val="tx1"/>
+            </a:fontRef>
+          </p:style>
+        </p:cxnSp>
+        <p:sp>
+          <p:nvSpPr>
+            <p:cNvPr id="32" name="TextBox 31">
+              <a:extLst>
+                <a:ext uri="{FF2B5EF4-FFF2-40B4-BE49-F238E27FC236}">
+                  <a16:creationId xmlns:a16="http://schemas.microsoft.com/office/drawing/2014/main" id="{67646C3E-610A-4B04-8EF2-79C2C80BE4A4}"/>
+                </a:ext>
+              </a:extLst>
+            </p:cNvPr>
+            <p:cNvSpPr txBox="1"/>
+            <p:nvPr/>
+          </p:nvSpPr>
+          <p:spPr>
+            <a:xfrm>
+              <a:off x="1448101" y="2203490"/>
+              <a:ext cx="593432" cy="369332"/>
+            </a:xfrm>
+            <a:prstGeom prst="rect">
+              <a:avLst/>
+            </a:prstGeom>
+            <a:noFill/>
+          </p:spPr>
+          <p:txBody>
+            <a:bodyPr wrap="none" rtlCol="0">
+              <a:spAutoFit/>
+            </a:bodyPr>
+            <a:lstStyle/>
+            <a:p>
+              <a:r>
+                <a:rPr lang="en-US" dirty="0"/>
+                <a:t>?m0</a:t>
+              </a:r>
+            </a:p>
+          </p:txBody>
+        </p:sp>
+        <p:sp>
+          <p:nvSpPr>
+            <p:cNvPr id="33" name="TextBox 32">
+              <a:extLst>
+                <a:ext uri="{FF2B5EF4-FFF2-40B4-BE49-F238E27FC236}">
+                  <a16:creationId xmlns:a16="http://schemas.microsoft.com/office/drawing/2014/main" id="{7C3B49DC-0871-4638-A7A4-DCD67766E874}"/>
+                </a:ext>
+              </a:extLst>
+            </p:cNvPr>
+            <p:cNvSpPr txBox="1"/>
+            <p:nvPr/>
+          </p:nvSpPr>
+          <p:spPr>
+            <a:xfrm>
+              <a:off x="1450229" y="3302013"/>
+              <a:ext cx="593432" cy="369332"/>
+            </a:xfrm>
+            <a:prstGeom prst="rect">
+              <a:avLst/>
+            </a:prstGeom>
+            <a:noFill/>
+          </p:spPr>
+          <p:txBody>
+            <a:bodyPr wrap="none" rtlCol="0">
+              <a:spAutoFit/>
+            </a:bodyPr>
+            <a:lstStyle/>
+            <a:p>
+              <a:r>
+                <a:rPr lang="en-US" dirty="0"/>
+                <a:t>?m1</a:t>
+              </a:r>
+            </a:p>
+          </p:txBody>
+        </p:sp>
+        <p:sp>
+          <p:nvSpPr>
+            <p:cNvPr id="34" name="TextBox 33">
+              <a:extLst>
+                <a:ext uri="{FF2B5EF4-FFF2-40B4-BE49-F238E27FC236}">
+                  <a16:creationId xmlns:a16="http://schemas.microsoft.com/office/drawing/2014/main" id="{EC23B4BC-DAD9-48EC-9064-CBFA7DCC575C}"/>
+                </a:ext>
+              </a:extLst>
+            </p:cNvPr>
+            <p:cNvSpPr txBox="1"/>
+            <p:nvPr/>
+          </p:nvSpPr>
+          <p:spPr>
+            <a:xfrm>
+              <a:off x="2355358" y="2915722"/>
+              <a:ext cx="487634" cy="369332"/>
+            </a:xfrm>
+            <a:prstGeom prst="rect">
+              <a:avLst/>
+            </a:prstGeom>
+            <a:noFill/>
+          </p:spPr>
+          <p:txBody>
+            <a:bodyPr wrap="none" rtlCol="0">
+              <a:spAutoFit/>
+            </a:bodyPr>
+            <a:lstStyle/>
+            <a:p>
+              <a:r>
+                <a:rPr lang="en-US" dirty="0"/>
+                <a:t>!a0</a:t>
+              </a:r>
+            </a:p>
+          </p:txBody>
+        </p:sp>
+        <p:sp>
+          <p:nvSpPr>
+            <p:cNvPr id="35" name="TextBox 34">
+              <a:extLst>
+                <a:ext uri="{FF2B5EF4-FFF2-40B4-BE49-F238E27FC236}">
+                  <a16:creationId xmlns:a16="http://schemas.microsoft.com/office/drawing/2014/main" id="{43220964-3707-49EC-95C7-748A471115B7}"/>
+                </a:ext>
+              </a:extLst>
+            </p:cNvPr>
+            <p:cNvSpPr txBox="1"/>
+            <p:nvPr/>
+          </p:nvSpPr>
+          <p:spPr>
+            <a:xfrm>
+              <a:off x="606982" y="2858919"/>
+              <a:ext cx="487634" cy="369332"/>
+            </a:xfrm>
+            <a:prstGeom prst="rect">
+              <a:avLst/>
+            </a:prstGeom>
+            <a:noFill/>
+          </p:spPr>
+          <p:txBody>
+            <a:bodyPr wrap="none" rtlCol="0">
+              <a:spAutoFit/>
+            </a:bodyPr>
+            <a:lstStyle/>
+            <a:p>
+              <a:r>
+                <a:rPr lang="en-US" dirty="0"/>
+                <a:t>!a1</a:t>
+              </a:r>
+            </a:p>
+          </p:txBody>
+        </p:sp>
+      </p:grpSp>
+      <p:sp>
+        <p:nvSpPr>
+          <p:cNvPr id="37" name="TextBox 36">
+            <a:extLst>
+              <a:ext uri="{FF2B5EF4-FFF2-40B4-BE49-F238E27FC236}">
+                <a16:creationId xmlns:a16="http://schemas.microsoft.com/office/drawing/2014/main" id="{11BD49F0-33A0-4AB3-943D-FED681B965CD}"/>
+              </a:ext>
+            </a:extLst>
+          </p:cNvPr>
+          <p:cNvSpPr txBox="1"/>
+          <p:nvPr/>
+        </p:nvSpPr>
+        <p:spPr>
+          <a:xfrm>
+            <a:off x="5428527" y="1134319"/>
+            <a:ext cx="1720023" cy="369332"/>
+          </a:xfrm>
+          <a:prstGeom prst="rect">
+            <a:avLst/>
+          </a:prstGeom>
+          <a:noFill/>
+        </p:spPr>
+        <p:txBody>
+          <a:bodyPr wrap="none" rtlCol="0">
+            <a:spAutoFit/>
+          </a:bodyPr>
+          <a:lstStyle/>
+          <a:p>
+            <a:r>
+              <a:rPr lang="en-US" dirty="0"/>
+              <a:t>examples/</a:t>
+            </a:r>
+            <a:r>
+              <a:rPr lang="en-US" dirty="0" err="1"/>
+              <a:t>c_abp</a:t>
+            </a:r>
+            <a:endParaRPr lang="en-US" dirty="0"/>
+          </a:p>
+        </p:txBody>
+      </p:sp>
+    </p:spTree>
+    <p:extLst>
+      <p:ext uri="{BB962C8B-B14F-4D97-AF65-F5344CB8AC3E}">
+        <p14:creationId xmlns:p14="http://schemas.microsoft.com/office/powerpoint/2010/main" val="3543153848"/>
+      </p:ext>
+    </p:extLst>
+  </p:cSld>
+  <p:clrMapOvr>
+    <a:masterClrMapping/>
+  </p:clrMapOvr>
+  <p:timing>
+    <p:tnLst>
+      <p:par>
+        <p:cTn id="1" dur="indefinite" restart="never" nodeType="tmRoot">
+          <p:childTnLst>
+            <p:seq concurrent="1" nextAc="seek">
+              <p:cTn id="2" dur="indefinite" nodeType="mainSeq">
+                <p:childTnLst>
+                  <p:par>
+                    <p:cTn id="3" fill="hold">
+                      <p:stCondLst>
+                        <p:cond delay="indefinite"/>
+                      </p:stCondLst>
+                      <p:childTnLst>
+                        <p:par>
+                          <p:cTn id="4" fill="hold">
+                            <p:stCondLst>
+                              <p:cond delay="0"/>
+                            </p:stCondLst>
+                            <p:childTnLst>
+                              <p:par>
+                                <p:cTn id="5" presetID="1" presetClass="entr" presetSubtype="0" fill="hold" nodeType="clickEffect">
+                                  <p:stCondLst>
+                                    <p:cond delay="0"/>
+                                  </p:stCondLst>
+                                  <p:childTnLst>
+                                    <p:set>
+                                      <p:cBhvr>
+                                        <p:cTn id="6" dur="1" fill="hold">
+                                          <p:stCondLst>
+                                            <p:cond delay="0"/>
+                                          </p:stCondLst>
+                                        </p:cTn>
+                                        <p:tgtEl>
+                                          <p:spTgt spid="21"/>
+                                        </p:tgtEl>
+                                        <p:attrNameLst>
+                                          <p:attrName>style.visibility</p:attrName>
+                                        </p:attrNameLst>
+                                      </p:cBhvr>
+                                      <p:to>
+                                        <p:strVal val="visible"/>
+                                      </p:to>
+                                    </p:set>
+                                  </p:childTnLst>
+                                </p:cTn>
+                              </p:par>
+                            </p:childTnLst>
+                          </p:cTn>
+                        </p:par>
+                      </p:childTnLst>
+                    </p:cTn>
+                  </p:par>
+                  <p:par>
+                    <p:cTn id="7" fill="hold">
+                      <p:stCondLst>
+                        <p:cond delay="indefinite"/>
+                      </p:stCondLst>
+                      <p:childTnLst>
+                        <p:par>
+                          <p:cTn id="8" fill="hold">
+                            <p:stCondLst>
+                              <p:cond delay="0"/>
+                            </p:stCondLst>
+                            <p:childTnLst>
+                              <p:par>
+                                <p:cTn id="9" presetID="1" presetClass="entr" presetSubtype="0" fill="hold" nodeType="clickEffect">
+                                  <p:stCondLst>
+                                    <p:cond delay="0"/>
+                                  </p:stCondLst>
+                                  <p:childTnLst>
+                                    <p:set>
+                                      <p:cBhvr>
+                                        <p:cTn id="10" dur="1" fill="hold">
+                                          <p:stCondLst>
+                                            <p:cond delay="0"/>
+                                          </p:stCondLst>
+                                        </p:cTn>
+                                        <p:tgtEl>
+                                          <p:spTgt spid="22"/>
+                                        </p:tgtEl>
+                                        <p:attrNameLst>
+                                          <p:attrName>style.visibility</p:attrName>
+                                        </p:attrNameLst>
+                                      </p:cBhvr>
+                                      <p:to>
+                                        <p:strVal val="visible"/>
+                                      </p:to>
+                                    </p:set>
+                                  </p:childTnLst>
+                                </p:cTn>
+                              </p:par>
+                            </p:childTnLst>
+                          </p:cTn>
+                        </p:par>
+                      </p:childTnLst>
+                    </p:cTn>
+                  </p:par>
+                </p:childTnLst>
+              </p:cTn>
+              <p:prevCondLst>
+                <p:cond evt="onPrev" delay="0">
+                  <p:tgtEl>
+                    <p:sldTgt/>
+                  </p:tgtEl>
+                </p:cond>
+              </p:prevCondLst>
+              <p:nextCondLst>
+                <p:cond evt="onNext" delay="0">
+                  <p:tgtEl>
+                    <p:sldTgt/>
+                  </p:tgtEl>
+                </p:cond>
+              </p:nextCondLst>
+            </p:seq>
+          </p:childTnLst>
+        </p:cTn>
+      </p:par>
+    </p:tnLst>
+  </p:timing>
+</p:sld>
+</file>
+
+<file path=ppt/slides/slide8.xml><?xml version="1.0" encoding="utf-8"?>
+<p:sld xmlns:a="http://schemas.openxmlformats.org/drawingml/2006/main" xmlns:r="http://schemas.openxmlformats.org/officeDocument/2006/relationships" xmlns:p="http://schemas.openxmlformats.org/presentationml/2006/main">
+  <p:cSld>
+    <p:spTree>
+      <p:nvGrpSpPr>
+        <p:cNvPr id="1" name=""/>
+        <p:cNvGrpSpPr/>
+        <p:nvPr/>
+      </p:nvGrpSpPr>
+      <p:grpSpPr>
+        <a:xfrm>
+          <a:off x="0" y="0"/>
+          <a:ext cx="0" cy="0"/>
+          <a:chOff x="0" y="0"/>
+          <a:chExt cx="0" cy="0"/>
+        </a:xfrm>
+      </p:grpSpPr>
+      <p:sp>
+        <p:nvSpPr>
+          <p:cNvPr id="2" name="Title 1"/>
+          <p:cNvSpPr>
+            <a:spLocks noGrp="1"/>
+          </p:cNvSpPr>
+          <p:nvPr>
+            <p:ph type="title"/>
+          </p:nvPr>
+        </p:nvSpPr>
+        <p:spPr>
+          <a:xfrm>
+            <a:off x="251137" y="339031"/>
+            <a:ext cx="3400817" cy="1139725"/>
+          </a:xfrm>
+        </p:spPr>
+        <p:txBody>
+          <a:bodyPr>
+            <a:normAutofit fontScale="90000"/>
+          </a:bodyPr>
+          <a:lstStyle/>
+          <a:p>
+            <a:pPr algn="l"/>
+            <a:r>
+              <a:rPr lang="en-US" sz="3600" dirty="0">
+                <a:solidFill>
+                  <a:schemeClr val="tx2"/>
+                </a:solidFill>
+              </a:rPr>
+              <a:t>dining </a:t>
+            </a:r>
+            <a:br>
+              <a:rPr lang="en-US" sz="3600" dirty="0">
+                <a:solidFill>
+                  <a:schemeClr val="tx2"/>
+                </a:solidFill>
+              </a:rPr>
+            </a:br>
+            <a:r>
+              <a:rPr lang="en-US" sz="3600" dirty="0">
+                <a:solidFill>
+                  <a:schemeClr val="tx2"/>
+                </a:solidFill>
+              </a:rPr>
+              <a:t>philosophers</a:t>
+            </a:r>
+          </a:p>
+        </p:txBody>
+      </p:sp>
+      <p:sp>
+        <p:nvSpPr>
+          <p:cNvPr id="3" name="TextBox 2"/>
+          <p:cNvSpPr txBox="1"/>
+          <p:nvPr/>
+        </p:nvSpPr>
+        <p:spPr>
+          <a:xfrm>
+            <a:off x="4038231" y="246162"/>
+            <a:ext cx="4596130" cy="6186309"/>
           </a:xfrm>
           <a:prstGeom prst="rect">
             <a:avLst/>
@@ -8089,7 +10470,7 @@
                 <a:latin typeface="Courier New" panose="02070309020205020404" pitchFamily="49" charset="0"/>
                 <a:cs typeface="Courier New" panose="02070309020205020404" pitchFamily="49" charset="0"/>
               </a:rPr>
-              <a:t>s0:     fork0?tok; fork1?tok; next s1;</a:t>
+              <a:t>s0:     f0?tok; f1?tok; next s1;</a:t>
             </a:r>
           </a:p>
           <a:p>
@@ -8098,7 +10479,7 @@
                 <a:latin typeface="Courier New" panose="02070309020205020404" pitchFamily="49" charset="0"/>
                 <a:cs typeface="Courier New" panose="02070309020205020404" pitchFamily="49" charset="0"/>
               </a:rPr>
-              <a:t>s0:     fork1?tok; fork0?tok; next s1;</a:t>
+              <a:t>s0:     f1?tok; f0?tok; next s1;</a:t>
             </a:r>
           </a:p>
           <a:p>
@@ -8113,7 +10494,7 @@
                 <a:latin typeface="Courier New" panose="02070309020205020404" pitchFamily="49" charset="0"/>
                 <a:cs typeface="Courier New" panose="02070309020205020404" pitchFamily="49" charset="0"/>
               </a:rPr>
-              <a:t>s1:     fork0!tok; fork1!tok; next s0;</a:t>
+              <a:t>s1:     f0!tok; f1!tok; next s0;</a:t>
             </a:r>
           </a:p>
           <a:p>
@@ -8122,7 +10503,7 @@
                 <a:latin typeface="Courier New" panose="02070309020205020404" pitchFamily="49" charset="0"/>
                 <a:cs typeface="Courier New" panose="02070309020205020404" pitchFamily="49" charset="0"/>
               </a:rPr>
-              <a:t>s1:     fork1!tok; fork0!tok; next s0;</a:t>
+              <a:t>s1:     f1!tok; f0!tok; next s0;</a:t>
             </a:r>
           </a:p>
           <a:p>
@@ -8164,7 +10545,7 @@
                 <a:latin typeface="Courier New" panose="02070309020205020404" pitchFamily="49" charset="0"/>
                 <a:cs typeface="Courier New" panose="02070309020205020404" pitchFamily="49" charset="0"/>
               </a:rPr>
-              <a:t>s0:     fork0?tok; fork1?tok; next s1;</a:t>
+              <a:t>s0:     f0?tok; f1?tok; next s1;</a:t>
             </a:r>
           </a:p>
           <a:p>
@@ -8173,7 +10554,7 @@
                 <a:latin typeface="Courier New" panose="02070309020205020404" pitchFamily="49" charset="0"/>
                 <a:cs typeface="Courier New" panose="02070309020205020404" pitchFamily="49" charset="0"/>
               </a:rPr>
-              <a:t>s0:     fork1?tok; fork0?tok; next s1;</a:t>
+              <a:t>s0:     f1?tok; f0?tok; next s1;</a:t>
             </a:r>
           </a:p>
           <a:p>
@@ -8188,7 +10569,7 @@
                 <a:latin typeface="Courier New" panose="02070309020205020404" pitchFamily="49" charset="0"/>
                 <a:cs typeface="Courier New" panose="02070309020205020404" pitchFamily="49" charset="0"/>
               </a:rPr>
-              <a:t>s1:     fork0!tok; fork1!tok; next s0;</a:t>
+              <a:t>s1:     f0!tok; f1!tok; next s0;</a:t>
             </a:r>
           </a:p>
           <a:p>
@@ -8197,7 +10578,7 @@
                 <a:latin typeface="Courier New" panose="02070309020205020404" pitchFamily="49" charset="0"/>
                 <a:cs typeface="Courier New" panose="02070309020205020404" pitchFamily="49" charset="0"/>
               </a:rPr>
-              <a:t>s1:     fork1!tok; fork0!tok; next s0;</a:t>
+              <a:t>s1:     f1!tok; f0!tok; next s0;</a:t>
             </a:r>
           </a:p>
           <a:p>
@@ -8250,7 +10631,7 @@
                 <a:latin typeface="Courier New" panose="02070309020205020404" pitchFamily="49" charset="0"/>
                 <a:cs typeface="Courier New" panose="02070309020205020404" pitchFamily="49" charset="0"/>
               </a:rPr>
-              <a:t>        fork0!tok;</a:t>
+              <a:t>        f0!tok;</a:t>
             </a:r>
           </a:p>
           <a:p>
@@ -8259,28 +10640,1052 @@
                 <a:latin typeface="Courier New" panose="02070309020205020404" pitchFamily="49" charset="0"/>
                 <a:cs typeface="Courier New" panose="02070309020205020404" pitchFamily="49" charset="0"/>
               </a:rPr>
-              <a:t>        fork1!tok;</a:t>
-            </a:r>
-          </a:p>
-          <a:p>
-            <a:r>
-              <a:rPr lang="en-US" b="1" dirty="0" smtClean="0">
+              <a:t>        f1!tok;</a:t>
+            </a:r>
+          </a:p>
+          <a:p>
+            <a:r>
+              <a:rPr lang="en-US" b="1" dirty="0">
                 <a:latin typeface="Courier New" panose="02070309020205020404" pitchFamily="49" charset="0"/>
                 <a:cs typeface="Courier New" panose="02070309020205020404" pitchFamily="49" charset="0"/>
               </a:rPr>
               <a:t>}</a:t>
             </a:r>
-            <a:endParaRPr lang="en-US" b="1" dirty="0">
-              <a:latin typeface="Courier New" panose="02070309020205020404" pitchFamily="49" charset="0"/>
-              <a:cs typeface="Courier New" panose="02070309020205020404" pitchFamily="49" charset="0"/>
+          </a:p>
+        </p:txBody>
+      </p:sp>
+      <p:sp>
+        <p:nvSpPr>
+          <p:cNvPr id="4" name="Rectangle 3">
+            <a:extLst>
+              <a:ext uri="{FF2B5EF4-FFF2-40B4-BE49-F238E27FC236}">
+                <a16:creationId xmlns:a16="http://schemas.microsoft.com/office/drawing/2014/main" id="{274E10EC-04EF-42E9-8D12-95BB3CE4D89C}"/>
+              </a:ext>
+            </a:extLst>
+          </p:cNvPr>
+          <p:cNvSpPr/>
+          <p:nvPr/>
+        </p:nvSpPr>
+        <p:spPr>
+          <a:xfrm>
+            <a:off x="193987" y="1331446"/>
+            <a:ext cx="2539285" cy="461665"/>
+          </a:xfrm>
+          <a:prstGeom prst="rect">
+            <a:avLst/>
+          </a:prstGeom>
+        </p:spPr>
+        <p:txBody>
+          <a:bodyPr wrap="none">
+            <a:spAutoFit/>
+          </a:bodyPr>
+          <a:lstStyle/>
+          <a:p>
+            <a:r>
+              <a:rPr lang="en-US" sz="2400" dirty="0">
+                <a:solidFill>
+                  <a:schemeClr val="tx2"/>
+                </a:solidFill>
+              </a:rPr>
+              <a:t>(non-determinism)</a:t>
+            </a:r>
+          </a:p>
+        </p:txBody>
+      </p:sp>
+      <p:sp>
+        <p:nvSpPr>
+          <p:cNvPr id="5" name="Oval 4">
+            <a:extLst>
+              <a:ext uri="{FF2B5EF4-FFF2-40B4-BE49-F238E27FC236}">
+                <a16:creationId xmlns:a16="http://schemas.microsoft.com/office/drawing/2014/main" id="{9BFAE8AC-6BD2-4837-B15A-701FCEED2252}"/>
+              </a:ext>
+            </a:extLst>
+          </p:cNvPr>
+          <p:cNvSpPr/>
+          <p:nvPr/>
+        </p:nvSpPr>
+        <p:spPr>
+          <a:xfrm>
+            <a:off x="1787239" y="2194672"/>
+            <a:ext cx="571500" cy="571500"/>
+          </a:xfrm>
+          <a:prstGeom prst="ellipse">
+            <a:avLst/>
+          </a:prstGeom>
+          <a:solidFill>
+            <a:schemeClr val="bg1"/>
+          </a:solidFill>
+        </p:spPr>
+        <p:style>
+          <a:lnRef idx="2">
+            <a:schemeClr val="accent1">
+              <a:shade val="50000"/>
+            </a:schemeClr>
+          </a:lnRef>
+          <a:fillRef idx="1">
+            <a:schemeClr val="accent1"/>
+          </a:fillRef>
+          <a:effectRef idx="0">
+            <a:schemeClr val="accent1"/>
+          </a:effectRef>
+          <a:fontRef idx="minor">
+            <a:schemeClr val="lt1"/>
+          </a:fontRef>
+        </p:style>
+        <p:txBody>
+          <a:bodyPr rtlCol="0" anchor="ctr"/>
+          <a:lstStyle/>
+          <a:p>
+            <a:pPr algn="ctr"/>
+            <a:r>
+              <a:rPr lang="en-US" dirty="0">
+                <a:solidFill>
+                  <a:schemeClr val="tx1"/>
+                </a:solidFill>
+              </a:rPr>
+              <a:t>s</a:t>
+            </a:r>
+            <a:r>
+              <a:rPr lang="en-US" sz="1600" dirty="0">
+                <a:solidFill>
+                  <a:schemeClr val="tx1"/>
+                </a:solidFill>
+              </a:rPr>
+              <a:t>0</a:t>
+            </a:r>
+            <a:endParaRPr lang="en-US" dirty="0">
+              <a:solidFill>
+                <a:schemeClr val="tx1"/>
+              </a:solidFill>
             </a:endParaRPr>
+          </a:p>
+        </p:txBody>
+      </p:sp>
+      <p:sp>
+        <p:nvSpPr>
+          <p:cNvPr id="6" name="Oval 5">
+            <a:extLst>
+              <a:ext uri="{FF2B5EF4-FFF2-40B4-BE49-F238E27FC236}">
+                <a16:creationId xmlns:a16="http://schemas.microsoft.com/office/drawing/2014/main" id="{BFF4CB21-3567-4158-83F2-FA35BEDE1FCB}"/>
+              </a:ext>
+            </a:extLst>
+          </p:cNvPr>
+          <p:cNvSpPr/>
+          <p:nvPr/>
+        </p:nvSpPr>
+        <p:spPr>
+          <a:xfrm>
+            <a:off x="631083" y="3062341"/>
+            <a:ext cx="571500" cy="571500"/>
+          </a:xfrm>
+          <a:prstGeom prst="ellipse">
+            <a:avLst/>
+          </a:prstGeom>
+          <a:solidFill>
+            <a:schemeClr val="bg1"/>
+          </a:solidFill>
+        </p:spPr>
+        <p:style>
+          <a:lnRef idx="2">
+            <a:schemeClr val="accent1">
+              <a:shade val="50000"/>
+            </a:schemeClr>
+          </a:lnRef>
+          <a:fillRef idx="1">
+            <a:schemeClr val="accent1"/>
+          </a:fillRef>
+          <a:effectRef idx="0">
+            <a:schemeClr val="accent1"/>
+          </a:effectRef>
+          <a:fontRef idx="minor">
+            <a:schemeClr val="lt1"/>
+          </a:fontRef>
+        </p:style>
+        <p:txBody>
+          <a:bodyPr rtlCol="0" anchor="ctr"/>
+          <a:lstStyle/>
+          <a:p>
+            <a:pPr algn="ctr"/>
+            <a:endParaRPr lang="en-US"/>
+          </a:p>
+        </p:txBody>
+      </p:sp>
+      <p:sp>
+        <p:nvSpPr>
+          <p:cNvPr id="7" name="Oval 6">
+            <a:extLst>
+              <a:ext uri="{FF2B5EF4-FFF2-40B4-BE49-F238E27FC236}">
+                <a16:creationId xmlns:a16="http://schemas.microsoft.com/office/drawing/2014/main" id="{6D6A3A53-0F1E-4A0A-9594-EB47EDFD1569}"/>
+              </a:ext>
+            </a:extLst>
+          </p:cNvPr>
+          <p:cNvSpPr/>
+          <p:nvPr/>
+        </p:nvSpPr>
+        <p:spPr>
+          <a:xfrm>
+            <a:off x="2988363" y="3053566"/>
+            <a:ext cx="571500" cy="571500"/>
+          </a:xfrm>
+          <a:prstGeom prst="ellipse">
+            <a:avLst/>
+          </a:prstGeom>
+          <a:solidFill>
+            <a:schemeClr val="bg1"/>
+          </a:solidFill>
+        </p:spPr>
+        <p:style>
+          <a:lnRef idx="2">
+            <a:schemeClr val="accent1">
+              <a:shade val="50000"/>
+            </a:schemeClr>
+          </a:lnRef>
+          <a:fillRef idx="1">
+            <a:schemeClr val="accent1"/>
+          </a:fillRef>
+          <a:effectRef idx="0">
+            <a:schemeClr val="accent1"/>
+          </a:effectRef>
+          <a:fontRef idx="minor">
+            <a:schemeClr val="lt1"/>
+          </a:fontRef>
+        </p:style>
+        <p:txBody>
+          <a:bodyPr rtlCol="0" anchor="ctr"/>
+          <a:lstStyle/>
+          <a:p>
+            <a:pPr algn="ctr"/>
+            <a:endParaRPr lang="en-US"/>
+          </a:p>
+        </p:txBody>
+      </p:sp>
+      <p:cxnSp>
+        <p:nvCxnSpPr>
+          <p:cNvPr id="9" name="Straight Arrow Connector 8">
+            <a:extLst>
+              <a:ext uri="{FF2B5EF4-FFF2-40B4-BE49-F238E27FC236}">
+                <a16:creationId xmlns:a16="http://schemas.microsoft.com/office/drawing/2014/main" id="{8FCE2C9C-0BC8-43AE-8FA3-01D8C756AE62}"/>
+              </a:ext>
+            </a:extLst>
+          </p:cNvPr>
+          <p:cNvCxnSpPr>
+            <a:cxnSpLocks/>
+            <a:stCxn id="5" idx="2"/>
+            <a:endCxn id="6" idx="0"/>
+          </p:cNvCxnSpPr>
+          <p:nvPr/>
+        </p:nvCxnSpPr>
+        <p:spPr>
+          <a:xfrm flipH="1">
+            <a:off x="916833" y="2480422"/>
+            <a:ext cx="870406" cy="581919"/>
+          </a:xfrm>
+          <a:prstGeom prst="straightConnector1">
+            <a:avLst/>
+          </a:prstGeom>
+          <a:ln>
+            <a:tailEnd type="triangle"/>
+          </a:ln>
+        </p:spPr>
+        <p:style>
+          <a:lnRef idx="1">
+            <a:schemeClr val="accent1"/>
+          </a:lnRef>
+          <a:fillRef idx="0">
+            <a:schemeClr val="accent1"/>
+          </a:fillRef>
+          <a:effectRef idx="0">
+            <a:schemeClr val="accent1"/>
+          </a:effectRef>
+          <a:fontRef idx="minor">
+            <a:schemeClr val="tx1"/>
+          </a:fontRef>
+        </p:style>
+      </p:cxnSp>
+      <p:cxnSp>
+        <p:nvCxnSpPr>
+          <p:cNvPr id="11" name="Straight Arrow Connector 10">
+            <a:extLst>
+              <a:ext uri="{FF2B5EF4-FFF2-40B4-BE49-F238E27FC236}">
+                <a16:creationId xmlns:a16="http://schemas.microsoft.com/office/drawing/2014/main" id="{450E4D8D-D991-498E-B885-A91C65A9CB96}"/>
+              </a:ext>
+            </a:extLst>
+          </p:cNvPr>
+          <p:cNvCxnSpPr>
+            <a:cxnSpLocks/>
+            <a:stCxn id="5" idx="5"/>
+            <a:endCxn id="22" idx="0"/>
+          </p:cNvCxnSpPr>
+          <p:nvPr/>
+        </p:nvCxnSpPr>
+        <p:spPr>
+          <a:xfrm>
+            <a:off x="2275045" y="2682478"/>
+            <a:ext cx="323208" cy="385679"/>
+          </a:xfrm>
+          <a:prstGeom prst="straightConnector1">
+            <a:avLst/>
+          </a:prstGeom>
+          <a:ln>
+            <a:headEnd type="triangle" w="med" len="med"/>
+            <a:tailEnd type="none" w="med" len="med"/>
+          </a:ln>
+        </p:spPr>
+        <p:style>
+          <a:lnRef idx="1">
+            <a:schemeClr val="accent1"/>
+          </a:lnRef>
+          <a:fillRef idx="0">
+            <a:schemeClr val="accent1"/>
+          </a:fillRef>
+          <a:effectRef idx="0">
+            <a:schemeClr val="accent1"/>
+          </a:effectRef>
+          <a:fontRef idx="minor">
+            <a:schemeClr val="tx1"/>
+          </a:fontRef>
+        </p:style>
+      </p:cxnSp>
+      <p:sp>
+        <p:nvSpPr>
+          <p:cNvPr id="12" name="Oval 11">
+            <a:extLst>
+              <a:ext uri="{FF2B5EF4-FFF2-40B4-BE49-F238E27FC236}">
+                <a16:creationId xmlns:a16="http://schemas.microsoft.com/office/drawing/2014/main" id="{B22B105A-93C9-4727-B3C4-543840385BF2}"/>
+              </a:ext>
+            </a:extLst>
+          </p:cNvPr>
+          <p:cNvSpPr/>
+          <p:nvPr/>
+        </p:nvSpPr>
+        <p:spPr>
+          <a:xfrm>
+            <a:off x="1781858" y="4092212"/>
+            <a:ext cx="571500" cy="571500"/>
+          </a:xfrm>
+          <a:prstGeom prst="ellipse">
+            <a:avLst/>
+          </a:prstGeom>
+          <a:solidFill>
+            <a:schemeClr val="bg1"/>
+          </a:solidFill>
+        </p:spPr>
+        <p:style>
+          <a:lnRef idx="2">
+            <a:schemeClr val="accent1">
+              <a:shade val="50000"/>
+            </a:schemeClr>
+          </a:lnRef>
+          <a:fillRef idx="1">
+            <a:schemeClr val="accent1"/>
+          </a:fillRef>
+          <a:effectRef idx="0">
+            <a:schemeClr val="accent1"/>
+          </a:effectRef>
+          <a:fontRef idx="minor">
+            <a:schemeClr val="lt1"/>
+          </a:fontRef>
+        </p:style>
+        <p:txBody>
+          <a:bodyPr rtlCol="0" anchor="ctr"/>
+          <a:lstStyle/>
+          <a:p>
+            <a:pPr algn="ctr"/>
+            <a:r>
+              <a:rPr lang="en-US" dirty="0">
+                <a:solidFill>
+                  <a:schemeClr val="tx1"/>
+                </a:solidFill>
+              </a:rPr>
+              <a:t>s1</a:t>
+            </a:r>
+          </a:p>
+        </p:txBody>
+      </p:sp>
+      <p:cxnSp>
+        <p:nvCxnSpPr>
+          <p:cNvPr id="14" name="Straight Arrow Connector 13">
+            <a:extLst>
+              <a:ext uri="{FF2B5EF4-FFF2-40B4-BE49-F238E27FC236}">
+                <a16:creationId xmlns:a16="http://schemas.microsoft.com/office/drawing/2014/main" id="{70ACE232-DBCF-4430-9A47-26D10ACE9DCF}"/>
+              </a:ext>
+            </a:extLst>
+          </p:cNvPr>
+          <p:cNvCxnSpPr>
+            <a:cxnSpLocks/>
+            <a:stCxn id="6" idx="4"/>
+            <a:endCxn id="12" idx="2"/>
+          </p:cNvCxnSpPr>
+          <p:nvPr/>
+        </p:nvCxnSpPr>
+        <p:spPr>
+          <a:xfrm>
+            <a:off x="916833" y="3633841"/>
+            <a:ext cx="865025" cy="744121"/>
+          </a:xfrm>
+          <a:prstGeom prst="straightConnector1">
+            <a:avLst/>
+          </a:prstGeom>
+          <a:ln>
+            <a:tailEnd type="triangle"/>
+          </a:ln>
+        </p:spPr>
+        <p:style>
+          <a:lnRef idx="1">
+            <a:schemeClr val="accent1"/>
+          </a:lnRef>
+          <a:fillRef idx="0">
+            <a:schemeClr val="accent1"/>
+          </a:fillRef>
+          <a:effectRef idx="0">
+            <a:schemeClr val="accent1"/>
+          </a:effectRef>
+          <a:fontRef idx="minor">
+            <a:schemeClr val="tx1"/>
+          </a:fontRef>
+        </p:style>
+      </p:cxnSp>
+      <p:cxnSp>
+        <p:nvCxnSpPr>
+          <p:cNvPr id="15" name="Straight Arrow Connector 14">
+            <a:extLst>
+              <a:ext uri="{FF2B5EF4-FFF2-40B4-BE49-F238E27FC236}">
+                <a16:creationId xmlns:a16="http://schemas.microsoft.com/office/drawing/2014/main" id="{5DB83188-8BF7-4307-BEEF-6F88E3DB1025}"/>
+              </a:ext>
+            </a:extLst>
+          </p:cNvPr>
+          <p:cNvCxnSpPr>
+            <a:cxnSpLocks/>
+            <a:stCxn id="7" idx="4"/>
+            <a:endCxn id="12" idx="6"/>
+          </p:cNvCxnSpPr>
+          <p:nvPr/>
+        </p:nvCxnSpPr>
+        <p:spPr>
+          <a:xfrm flipH="1">
+            <a:off x="2353358" y="3625066"/>
+            <a:ext cx="920755" cy="752896"/>
+          </a:xfrm>
+          <a:prstGeom prst="straightConnector1">
+            <a:avLst/>
+          </a:prstGeom>
+          <a:ln>
+            <a:tailEnd type="triangle"/>
+          </a:ln>
+        </p:spPr>
+        <p:style>
+          <a:lnRef idx="1">
+            <a:schemeClr val="accent1"/>
+          </a:lnRef>
+          <a:fillRef idx="0">
+            <a:schemeClr val="accent1"/>
+          </a:fillRef>
+          <a:effectRef idx="0">
+            <a:schemeClr val="accent1"/>
+          </a:effectRef>
+          <a:fontRef idx="minor">
+            <a:schemeClr val="tx1"/>
+          </a:fontRef>
+        </p:style>
+      </p:cxnSp>
+      <p:cxnSp>
+        <p:nvCxnSpPr>
+          <p:cNvPr id="16" name="Straight Arrow Connector 15">
+            <a:extLst>
+              <a:ext uri="{FF2B5EF4-FFF2-40B4-BE49-F238E27FC236}">
+                <a16:creationId xmlns:a16="http://schemas.microsoft.com/office/drawing/2014/main" id="{2E9C08D8-2E79-4256-83D9-A3E5B9E703E1}"/>
+              </a:ext>
+            </a:extLst>
+          </p:cNvPr>
+          <p:cNvCxnSpPr>
+            <a:cxnSpLocks/>
+            <a:stCxn id="21" idx="4"/>
+            <a:endCxn id="12" idx="1"/>
+          </p:cNvCxnSpPr>
+          <p:nvPr/>
+        </p:nvCxnSpPr>
+        <p:spPr>
+          <a:xfrm>
+            <a:off x="1618585" y="3639657"/>
+            <a:ext cx="246967" cy="536249"/>
+          </a:xfrm>
+          <a:prstGeom prst="straightConnector1">
+            <a:avLst/>
+          </a:prstGeom>
+          <a:ln>
+            <a:headEnd type="triangle" w="med" len="med"/>
+            <a:tailEnd type="none" w="med" len="med"/>
+          </a:ln>
+        </p:spPr>
+        <p:style>
+          <a:lnRef idx="1">
+            <a:schemeClr val="accent1"/>
+          </a:lnRef>
+          <a:fillRef idx="0">
+            <a:schemeClr val="accent1"/>
+          </a:fillRef>
+          <a:effectRef idx="0">
+            <a:schemeClr val="accent1"/>
+          </a:effectRef>
+          <a:fontRef idx="minor">
+            <a:schemeClr val="tx1"/>
+          </a:fontRef>
+        </p:style>
+      </p:cxnSp>
+      <p:cxnSp>
+        <p:nvCxnSpPr>
+          <p:cNvPr id="17" name="Straight Arrow Connector 16">
+            <a:extLst>
+              <a:ext uri="{FF2B5EF4-FFF2-40B4-BE49-F238E27FC236}">
+                <a16:creationId xmlns:a16="http://schemas.microsoft.com/office/drawing/2014/main" id="{785241FF-70E4-4EEA-B0D5-B19BDD50789B}"/>
+              </a:ext>
+            </a:extLst>
+          </p:cNvPr>
+          <p:cNvCxnSpPr>
+            <a:cxnSpLocks/>
+            <a:stCxn id="5" idx="6"/>
+            <a:endCxn id="7" idx="0"/>
+          </p:cNvCxnSpPr>
+          <p:nvPr/>
+        </p:nvCxnSpPr>
+        <p:spPr>
+          <a:xfrm>
+            <a:off x="2358739" y="2480422"/>
+            <a:ext cx="915374" cy="573144"/>
+          </a:xfrm>
+          <a:prstGeom prst="straightConnector1">
+            <a:avLst/>
+          </a:prstGeom>
+          <a:ln>
+            <a:headEnd type="none" w="med" len="med"/>
+            <a:tailEnd type="triangle" w="med" len="med"/>
+          </a:ln>
+        </p:spPr>
+        <p:style>
+          <a:lnRef idx="1">
+            <a:schemeClr val="accent1"/>
+          </a:lnRef>
+          <a:fillRef idx="0">
+            <a:schemeClr val="accent1"/>
+          </a:fillRef>
+          <a:effectRef idx="0">
+            <a:schemeClr val="accent1"/>
+          </a:effectRef>
+          <a:fontRef idx="minor">
+            <a:schemeClr val="tx1"/>
+          </a:fontRef>
+        </p:style>
+      </p:cxnSp>
+      <p:sp>
+        <p:nvSpPr>
+          <p:cNvPr id="21" name="Oval 20">
+            <a:extLst>
+              <a:ext uri="{FF2B5EF4-FFF2-40B4-BE49-F238E27FC236}">
+                <a16:creationId xmlns:a16="http://schemas.microsoft.com/office/drawing/2014/main" id="{52A629DD-BF6A-41A7-A836-B700F2C8FE9E}"/>
+              </a:ext>
+            </a:extLst>
+          </p:cNvPr>
+          <p:cNvSpPr/>
+          <p:nvPr/>
+        </p:nvSpPr>
+        <p:spPr>
+          <a:xfrm>
+            <a:off x="1332835" y="3068157"/>
+            <a:ext cx="571500" cy="571500"/>
+          </a:xfrm>
+          <a:prstGeom prst="ellipse">
+            <a:avLst/>
+          </a:prstGeom>
+          <a:solidFill>
+            <a:schemeClr val="bg1"/>
+          </a:solidFill>
+        </p:spPr>
+        <p:style>
+          <a:lnRef idx="2">
+            <a:schemeClr val="accent1">
+              <a:shade val="50000"/>
+            </a:schemeClr>
+          </a:lnRef>
+          <a:fillRef idx="1">
+            <a:schemeClr val="accent1"/>
+          </a:fillRef>
+          <a:effectRef idx="0">
+            <a:schemeClr val="accent1"/>
+          </a:effectRef>
+          <a:fontRef idx="minor">
+            <a:schemeClr val="lt1"/>
+          </a:fontRef>
+        </p:style>
+        <p:txBody>
+          <a:bodyPr rtlCol="0" anchor="ctr"/>
+          <a:lstStyle/>
+          <a:p>
+            <a:pPr algn="ctr"/>
+            <a:endParaRPr lang="en-US"/>
+          </a:p>
+        </p:txBody>
+      </p:sp>
+      <p:sp>
+        <p:nvSpPr>
+          <p:cNvPr id="22" name="Oval 21">
+            <a:extLst>
+              <a:ext uri="{FF2B5EF4-FFF2-40B4-BE49-F238E27FC236}">
+                <a16:creationId xmlns:a16="http://schemas.microsoft.com/office/drawing/2014/main" id="{C30B98DF-E676-4BA5-9887-42F2713ED9F2}"/>
+              </a:ext>
+            </a:extLst>
+          </p:cNvPr>
+          <p:cNvSpPr/>
+          <p:nvPr/>
+        </p:nvSpPr>
+        <p:spPr>
+          <a:xfrm>
+            <a:off x="2312503" y="3068157"/>
+            <a:ext cx="571500" cy="571500"/>
+          </a:xfrm>
+          <a:prstGeom prst="ellipse">
+            <a:avLst/>
+          </a:prstGeom>
+          <a:solidFill>
+            <a:schemeClr val="bg1"/>
+          </a:solidFill>
+        </p:spPr>
+        <p:style>
+          <a:lnRef idx="2">
+            <a:schemeClr val="accent1">
+              <a:shade val="50000"/>
+            </a:schemeClr>
+          </a:lnRef>
+          <a:fillRef idx="1">
+            <a:schemeClr val="accent1"/>
+          </a:fillRef>
+          <a:effectRef idx="0">
+            <a:schemeClr val="accent1"/>
+          </a:effectRef>
+          <a:fontRef idx="minor">
+            <a:schemeClr val="lt1"/>
+          </a:fontRef>
+        </p:style>
+        <p:txBody>
+          <a:bodyPr rtlCol="0" anchor="ctr"/>
+          <a:lstStyle/>
+          <a:p>
+            <a:pPr algn="ctr"/>
+            <a:endParaRPr lang="en-US"/>
+          </a:p>
+        </p:txBody>
+      </p:sp>
+      <p:cxnSp>
+        <p:nvCxnSpPr>
+          <p:cNvPr id="30" name="Straight Arrow Connector 29">
+            <a:extLst>
+              <a:ext uri="{FF2B5EF4-FFF2-40B4-BE49-F238E27FC236}">
+                <a16:creationId xmlns:a16="http://schemas.microsoft.com/office/drawing/2014/main" id="{03E6EF2A-B210-4F91-99E7-9596B4589EB9}"/>
+              </a:ext>
+            </a:extLst>
+          </p:cNvPr>
+          <p:cNvCxnSpPr>
+            <a:cxnSpLocks/>
+            <a:stCxn id="22" idx="4"/>
+            <a:endCxn id="12" idx="7"/>
+          </p:cNvCxnSpPr>
+          <p:nvPr/>
+        </p:nvCxnSpPr>
+        <p:spPr>
+          <a:xfrm flipH="1">
+            <a:off x="2269664" y="3639657"/>
+            <a:ext cx="328589" cy="536249"/>
+          </a:xfrm>
+          <a:prstGeom prst="straightConnector1">
+            <a:avLst/>
+          </a:prstGeom>
+          <a:ln>
+            <a:headEnd type="triangle" w="med" len="med"/>
+            <a:tailEnd type="none" w="med" len="med"/>
+          </a:ln>
+        </p:spPr>
+        <p:style>
+          <a:lnRef idx="1">
+            <a:schemeClr val="accent1"/>
+          </a:lnRef>
+          <a:fillRef idx="0">
+            <a:schemeClr val="accent1"/>
+          </a:fillRef>
+          <a:effectRef idx="0">
+            <a:schemeClr val="accent1"/>
+          </a:effectRef>
+          <a:fontRef idx="minor">
+            <a:schemeClr val="tx1"/>
+          </a:fontRef>
+        </p:style>
+      </p:cxnSp>
+      <p:cxnSp>
+        <p:nvCxnSpPr>
+          <p:cNvPr id="36" name="Straight Arrow Connector 35">
+            <a:extLst>
+              <a:ext uri="{FF2B5EF4-FFF2-40B4-BE49-F238E27FC236}">
+                <a16:creationId xmlns:a16="http://schemas.microsoft.com/office/drawing/2014/main" id="{D484D71D-6030-4EF7-A861-A11FAF30E604}"/>
+              </a:ext>
+            </a:extLst>
+          </p:cNvPr>
+          <p:cNvCxnSpPr>
+            <a:cxnSpLocks/>
+            <a:stCxn id="5" idx="3"/>
+            <a:endCxn id="21" idx="0"/>
+          </p:cNvCxnSpPr>
+          <p:nvPr/>
+        </p:nvCxnSpPr>
+        <p:spPr>
+          <a:xfrm flipH="1">
+            <a:off x="1618585" y="2682478"/>
+            <a:ext cx="252348" cy="385679"/>
+          </a:xfrm>
+          <a:prstGeom prst="straightConnector1">
+            <a:avLst/>
+          </a:prstGeom>
+          <a:ln>
+            <a:headEnd type="triangle" w="med" len="med"/>
+            <a:tailEnd type="none" w="med" len="med"/>
+          </a:ln>
+        </p:spPr>
+        <p:style>
+          <a:lnRef idx="1">
+            <a:schemeClr val="accent1"/>
+          </a:lnRef>
+          <a:fillRef idx="0">
+            <a:schemeClr val="accent1"/>
+          </a:fillRef>
+          <a:effectRef idx="0">
+            <a:schemeClr val="accent1"/>
+          </a:effectRef>
+          <a:fontRef idx="minor">
+            <a:schemeClr val="tx1"/>
+          </a:fontRef>
+        </p:style>
+      </p:cxnSp>
+      <p:sp>
+        <p:nvSpPr>
+          <p:cNvPr id="47" name="TextBox 46">
+            <a:extLst>
+              <a:ext uri="{FF2B5EF4-FFF2-40B4-BE49-F238E27FC236}">
+                <a16:creationId xmlns:a16="http://schemas.microsoft.com/office/drawing/2014/main" id="{4AF4ED8E-AF6C-4E74-9FC0-2AA025350E20}"/>
+              </a:ext>
+            </a:extLst>
+          </p:cNvPr>
+          <p:cNvSpPr txBox="1"/>
+          <p:nvPr/>
+        </p:nvSpPr>
+        <p:spPr>
+          <a:xfrm>
+            <a:off x="1063718" y="2407259"/>
+            <a:ext cx="479618" cy="369332"/>
+          </a:xfrm>
+          <a:prstGeom prst="rect">
+            <a:avLst/>
+          </a:prstGeom>
+          <a:noFill/>
+        </p:spPr>
+        <p:txBody>
+          <a:bodyPr wrap="none" rtlCol="0">
+            <a:spAutoFit/>
+          </a:bodyPr>
+          <a:lstStyle/>
+          <a:p>
+            <a:r>
+              <a:rPr lang="en-US" dirty="0"/>
+              <a:t>f0?</a:t>
+            </a:r>
+          </a:p>
+        </p:txBody>
+      </p:sp>
+      <p:sp>
+        <p:nvSpPr>
+          <p:cNvPr id="48" name="TextBox 47">
+            <a:extLst>
+              <a:ext uri="{FF2B5EF4-FFF2-40B4-BE49-F238E27FC236}">
+                <a16:creationId xmlns:a16="http://schemas.microsoft.com/office/drawing/2014/main" id="{C7C875D3-2886-4797-A854-9B7ACE70AF21}"/>
+              </a:ext>
+            </a:extLst>
+          </p:cNvPr>
+          <p:cNvSpPr txBox="1"/>
+          <p:nvPr/>
+        </p:nvSpPr>
+        <p:spPr>
+          <a:xfrm>
+            <a:off x="2663063" y="2366429"/>
+            <a:ext cx="479618" cy="369332"/>
+          </a:xfrm>
+          <a:prstGeom prst="rect">
+            <a:avLst/>
+          </a:prstGeom>
+          <a:noFill/>
+        </p:spPr>
+        <p:txBody>
+          <a:bodyPr wrap="none" rtlCol="0">
+            <a:spAutoFit/>
+          </a:bodyPr>
+          <a:lstStyle/>
+          <a:p>
+            <a:r>
+              <a:rPr lang="en-US" dirty="0"/>
+              <a:t>f1?</a:t>
+            </a:r>
+          </a:p>
+        </p:txBody>
+      </p:sp>
+      <p:sp>
+        <p:nvSpPr>
+          <p:cNvPr id="49" name="TextBox 48">
+            <a:extLst>
+              <a:ext uri="{FF2B5EF4-FFF2-40B4-BE49-F238E27FC236}">
+                <a16:creationId xmlns:a16="http://schemas.microsoft.com/office/drawing/2014/main" id="{ED3541F8-D3E0-43EE-8035-8EC0D5F3E602}"/>
+              </a:ext>
+            </a:extLst>
+          </p:cNvPr>
+          <p:cNvSpPr txBox="1"/>
+          <p:nvPr/>
+        </p:nvSpPr>
+        <p:spPr>
+          <a:xfrm>
+            <a:off x="970549" y="3962454"/>
+            <a:ext cx="479618" cy="369332"/>
+          </a:xfrm>
+          <a:prstGeom prst="rect">
+            <a:avLst/>
+          </a:prstGeom>
+          <a:noFill/>
+        </p:spPr>
+        <p:txBody>
+          <a:bodyPr wrap="none" rtlCol="0">
+            <a:spAutoFit/>
+          </a:bodyPr>
+          <a:lstStyle/>
+          <a:p>
+            <a:r>
+              <a:rPr lang="en-US" dirty="0"/>
+              <a:t>f1?</a:t>
+            </a:r>
+          </a:p>
+        </p:txBody>
+      </p:sp>
+      <p:sp>
+        <p:nvSpPr>
+          <p:cNvPr id="50" name="TextBox 49">
+            <a:extLst>
+              <a:ext uri="{FF2B5EF4-FFF2-40B4-BE49-F238E27FC236}">
+                <a16:creationId xmlns:a16="http://schemas.microsoft.com/office/drawing/2014/main" id="{84EF380B-A3CA-4C1A-97E1-CDF3427FA147}"/>
+              </a:ext>
+            </a:extLst>
+          </p:cNvPr>
+          <p:cNvSpPr txBox="1"/>
+          <p:nvPr/>
+        </p:nvSpPr>
+        <p:spPr>
+          <a:xfrm>
+            <a:off x="2681179" y="3956554"/>
+            <a:ext cx="479618" cy="369332"/>
+          </a:xfrm>
+          <a:prstGeom prst="rect">
+            <a:avLst/>
+          </a:prstGeom>
+          <a:noFill/>
+        </p:spPr>
+        <p:txBody>
+          <a:bodyPr wrap="none" rtlCol="0">
+            <a:spAutoFit/>
+          </a:bodyPr>
+          <a:lstStyle/>
+          <a:p>
+            <a:r>
+              <a:rPr lang="en-US" dirty="0"/>
+              <a:t>f0?</a:t>
+            </a:r>
+          </a:p>
+        </p:txBody>
+      </p:sp>
+      <p:sp>
+        <p:nvSpPr>
+          <p:cNvPr id="51" name="TextBox 50">
+            <a:extLst>
+              <a:ext uri="{FF2B5EF4-FFF2-40B4-BE49-F238E27FC236}">
+                <a16:creationId xmlns:a16="http://schemas.microsoft.com/office/drawing/2014/main" id="{E89A0BE9-91A2-4CD8-9792-99C833E9B549}"/>
+              </a:ext>
+            </a:extLst>
+          </p:cNvPr>
+          <p:cNvSpPr txBox="1"/>
+          <p:nvPr/>
+        </p:nvSpPr>
+        <p:spPr>
+          <a:xfrm>
+            <a:off x="1658196" y="3665824"/>
+            <a:ext cx="447558" cy="369332"/>
+          </a:xfrm>
+          <a:prstGeom prst="rect">
+            <a:avLst/>
+          </a:prstGeom>
+          <a:noFill/>
+        </p:spPr>
+        <p:txBody>
+          <a:bodyPr wrap="none" rtlCol="0">
+            <a:spAutoFit/>
+          </a:bodyPr>
+          <a:lstStyle/>
+          <a:p>
+            <a:r>
+              <a:rPr lang="en-US" dirty="0"/>
+              <a:t>f1!</a:t>
+            </a:r>
+          </a:p>
+        </p:txBody>
+      </p:sp>
+      <p:sp>
+        <p:nvSpPr>
+          <p:cNvPr id="52" name="TextBox 51">
+            <a:extLst>
+              <a:ext uri="{FF2B5EF4-FFF2-40B4-BE49-F238E27FC236}">
+                <a16:creationId xmlns:a16="http://schemas.microsoft.com/office/drawing/2014/main" id="{0D9D1EA9-CC17-4A51-B2BB-108E2E6AE6B8}"/>
+              </a:ext>
+            </a:extLst>
+          </p:cNvPr>
+          <p:cNvSpPr txBox="1"/>
+          <p:nvPr/>
+        </p:nvSpPr>
+        <p:spPr>
+          <a:xfrm>
+            <a:off x="2093030" y="2762376"/>
+            <a:ext cx="447558" cy="369332"/>
+          </a:xfrm>
+          <a:prstGeom prst="rect">
+            <a:avLst/>
+          </a:prstGeom>
+          <a:noFill/>
+        </p:spPr>
+        <p:txBody>
+          <a:bodyPr wrap="none" rtlCol="0">
+            <a:spAutoFit/>
+          </a:bodyPr>
+          <a:lstStyle/>
+          <a:p>
+            <a:r>
+              <a:rPr lang="en-US" dirty="0"/>
+              <a:t>f1!</a:t>
+            </a:r>
+          </a:p>
+        </p:txBody>
+      </p:sp>
+      <p:sp>
+        <p:nvSpPr>
+          <p:cNvPr id="53" name="TextBox 52">
+            <a:extLst>
+              <a:ext uri="{FF2B5EF4-FFF2-40B4-BE49-F238E27FC236}">
+                <a16:creationId xmlns:a16="http://schemas.microsoft.com/office/drawing/2014/main" id="{1CDE54FC-331C-49A4-9377-ABE6DC411338}"/>
+              </a:ext>
+            </a:extLst>
+          </p:cNvPr>
+          <p:cNvSpPr txBox="1"/>
+          <p:nvPr/>
+        </p:nvSpPr>
+        <p:spPr>
+          <a:xfrm>
+            <a:off x="2107785" y="3679472"/>
+            <a:ext cx="447558" cy="369332"/>
+          </a:xfrm>
+          <a:prstGeom prst="rect">
+            <a:avLst/>
+          </a:prstGeom>
+          <a:noFill/>
+        </p:spPr>
+        <p:txBody>
+          <a:bodyPr wrap="none" rtlCol="0">
+            <a:spAutoFit/>
+          </a:bodyPr>
+          <a:lstStyle/>
+          <a:p>
+            <a:r>
+              <a:rPr lang="en-US" dirty="0"/>
+              <a:t>f0!</a:t>
+            </a:r>
+          </a:p>
+        </p:txBody>
+      </p:sp>
+      <p:sp>
+        <p:nvSpPr>
+          <p:cNvPr id="54" name="TextBox 53">
+            <a:extLst>
+              <a:ext uri="{FF2B5EF4-FFF2-40B4-BE49-F238E27FC236}">
+                <a16:creationId xmlns:a16="http://schemas.microsoft.com/office/drawing/2014/main" id="{5FBEF8C9-C5E6-40E7-BEBF-892E282203E6}"/>
+              </a:ext>
+            </a:extLst>
+          </p:cNvPr>
+          <p:cNvSpPr txBox="1"/>
+          <p:nvPr/>
+        </p:nvSpPr>
+        <p:spPr>
+          <a:xfrm>
+            <a:off x="1662031" y="2780952"/>
+            <a:ext cx="447558" cy="369332"/>
+          </a:xfrm>
+          <a:prstGeom prst="rect">
+            <a:avLst/>
+          </a:prstGeom>
+          <a:noFill/>
+        </p:spPr>
+        <p:txBody>
+          <a:bodyPr wrap="none" rtlCol="0">
+            <a:spAutoFit/>
+          </a:bodyPr>
+          <a:lstStyle/>
+          <a:p>
+            <a:r>
+              <a:rPr lang="en-US" dirty="0"/>
+              <a:t>f0!</a:t>
+            </a:r>
+          </a:p>
+        </p:txBody>
+      </p:sp>
+      <p:sp>
+        <p:nvSpPr>
+          <p:cNvPr id="55" name="TextBox 54">
+            <a:extLst>
+              <a:ext uri="{FF2B5EF4-FFF2-40B4-BE49-F238E27FC236}">
+                <a16:creationId xmlns:a16="http://schemas.microsoft.com/office/drawing/2014/main" id="{D6632A66-D016-45EF-A49D-12FE4BC3C462}"/>
+              </a:ext>
+            </a:extLst>
+          </p:cNvPr>
+          <p:cNvSpPr txBox="1"/>
+          <p:nvPr/>
+        </p:nvSpPr>
+        <p:spPr>
+          <a:xfrm>
+            <a:off x="631083" y="5521124"/>
+            <a:ext cx="1836785" cy="369332"/>
+          </a:xfrm>
+          <a:prstGeom prst="rect">
+            <a:avLst/>
+          </a:prstGeom>
+          <a:noFill/>
+        </p:spPr>
+        <p:txBody>
+          <a:bodyPr wrap="none" rtlCol="0">
+            <a:spAutoFit/>
+          </a:bodyPr>
+          <a:lstStyle/>
+          <a:p>
+            <a:r>
+              <a:rPr lang="en-US" dirty="0"/>
+              <a:t>examples/</a:t>
+            </a:r>
+            <a:r>
+              <a:rPr lang="en-US" dirty="0" err="1"/>
+              <a:t>c_philo</a:t>
+            </a:r>
+            <a:endParaRPr lang="en-US" dirty="0"/>
           </a:p>
         </p:txBody>
       </p:sp>
     </p:spTree>
     <p:extLst>
       <p:ext uri="{BB962C8B-B14F-4D97-AF65-F5344CB8AC3E}">
-        <p14:creationId xmlns:p14="http://schemas.microsoft.com/office/powerpoint/2010/main" val="3025945654"/>
+        <p14:creationId xmlns:p14="http://schemas.microsoft.com/office/powerpoint/2010/main" val="3670062359"/>
       </p:ext>
     </p:extLst>
   </p:cSld>
@@ -8290,14 +11695,85 @@
   <p:timing>
     <p:tnLst>
       <p:par>
-        <p:cTn id="1" dur="indefinite" restart="never" nodeType="tmRoot"/>
+        <p:cTn id="1" dur="indefinite" restart="never" nodeType="tmRoot">
+          <p:childTnLst>
+            <p:seq concurrent="1" nextAc="seek">
+              <p:cTn id="2" dur="indefinite" nodeType="mainSeq">
+                <p:childTnLst>
+                  <p:par>
+                    <p:cTn id="3" fill="hold">
+                      <p:stCondLst>
+                        <p:cond delay="indefinite"/>
+                      </p:stCondLst>
+                      <p:childTnLst>
+                        <p:par>
+                          <p:cTn id="4" fill="hold">
+                            <p:stCondLst>
+                              <p:cond delay="0"/>
+                            </p:stCondLst>
+                            <p:childTnLst>
+                              <p:par>
+                                <p:cTn id="5" presetID="1" presetClass="entr" presetSubtype="0" fill="hold" grpId="0" nodeType="clickEffect">
+                                  <p:stCondLst>
+                                    <p:cond delay="0"/>
+                                  </p:stCondLst>
+                                  <p:childTnLst>
+                                    <p:set>
+                                      <p:cBhvr>
+                                        <p:cTn id="6" dur="1" fill="hold">
+                                          <p:stCondLst>
+                                            <p:cond delay="0"/>
+                                          </p:stCondLst>
+                                        </p:cTn>
+                                        <p:tgtEl>
+                                          <p:spTgt spid="3"/>
+                                        </p:tgtEl>
+                                        <p:attrNameLst>
+                                          <p:attrName>style.visibility</p:attrName>
+                                        </p:attrNameLst>
+                                      </p:cBhvr>
+                                      <p:to>
+                                        <p:strVal val="visible"/>
+                                      </p:to>
+                                    </p:set>
+                                  </p:childTnLst>
+                                </p:cTn>
+                              </p:par>
+                            </p:childTnLst>
+                          </p:cTn>
+                        </p:par>
+                      </p:childTnLst>
+                    </p:cTn>
+                  </p:par>
+                </p:childTnLst>
+              </p:cTn>
+              <p:prevCondLst>
+                <p:cond evt="onPrev" delay="0">
+                  <p:tgtEl>
+                    <p:sldTgt/>
+                  </p:tgtEl>
+                </p:cond>
+              </p:prevCondLst>
+              <p:nextCondLst>
+                <p:cond evt="onNext" delay="0">
+                  <p:tgtEl>
+                    <p:sldTgt/>
+                  </p:tgtEl>
+                </p:cond>
+              </p:nextCondLst>
+            </p:seq>
+          </p:childTnLst>
+        </p:cTn>
       </p:par>
     </p:tnLst>
+    <p:bldLst>
+      <p:bldP spid="3" grpId="0" animBg="1"/>
+    </p:bldLst>
   </p:timing>
 </p:sld>
 </file>
 
-<file path=ppt/slides/slide8.xml><?xml version="1.0" encoding="utf-8"?>
+<file path=ppt/slides/slide9.xml><?xml version="1.0" encoding="utf-8"?>
 <p:sld xmlns:a="http://schemas.openxmlformats.org/drawingml/2006/main" xmlns:r="http://schemas.openxmlformats.org/officeDocument/2006/relationships" xmlns:p="http://schemas.openxmlformats.org/presentationml/2006/main">
   <p:cSld>
     <p:spTree>
@@ -8322,8 +11798,8 @@
         </p:nvSpPr>
         <p:spPr>
           <a:xfrm>
-            <a:off x="2766312" y="274638"/>
-            <a:ext cx="5763116" cy="6370975"/>
+            <a:off x="2401605" y="401323"/>
+            <a:ext cx="6599884" cy="5816977"/>
           </a:xfrm>
           <a:prstGeom prst="rect">
             <a:avLst/>
@@ -8748,27 +12224,59 @@
                 <a:latin typeface="Courier New" panose="02070309020205020404" pitchFamily="49" charset="0"/>
                 <a:cs typeface="Courier New" panose="02070309020205020404" pitchFamily="49" charset="0"/>
               </a:rPr>
-              <a:t>   : NAME '(' </a:t>
+              <a:t>   : NAME '(' ')’   { $$-&gt;</a:t>
             </a:r>
             <a:r>
               <a:rPr lang="en-US" sz="1200" b="1" dirty="0" err="1">
                 <a:latin typeface="Courier New" panose="02070309020205020404" pitchFamily="49" charset="0"/>
                 <a:cs typeface="Courier New" panose="02070309020205020404" pitchFamily="49" charset="0"/>
               </a:rPr>
-              <a:t>args</a:t>
+              <a:t>val</a:t>
             </a:r>
             <a:r>
               <a:rPr lang="en-US" sz="1200" b="1" dirty="0">
                 <a:latin typeface="Courier New" panose="02070309020205020404" pitchFamily="49" charset="0"/>
                 <a:cs typeface="Courier New" panose="02070309020205020404" pitchFamily="49" charset="0"/>
               </a:rPr>
-              <a:t> ')'  { $$-&gt;</a:t>
+              <a:t> = </a:t>
             </a:r>
             <a:r>
               <a:rPr lang="en-US" sz="1200" b="1" dirty="0" err="1">
                 <a:latin typeface="Courier New" panose="02070309020205020404" pitchFamily="49" charset="0"/>
                 <a:cs typeface="Courier New" panose="02070309020205020404" pitchFamily="49" charset="0"/>
               </a:rPr>
+              <a:t>find_fct</a:t>
+            </a:r>
+            <a:r>
+              <a:rPr lang="en-US" sz="1200" b="1" dirty="0">
+                <a:latin typeface="Courier New" panose="02070309020205020404" pitchFamily="49" charset="0"/>
+                <a:cs typeface="Courier New" panose="02070309020205020404" pitchFamily="49" charset="0"/>
+              </a:rPr>
+              <a:t>($1)+1; }</a:t>
+            </a:r>
+          </a:p>
+          <a:p>
+            <a:r>
+              <a:rPr lang="en-US" sz="1200" b="1" dirty="0">
+                <a:latin typeface="Courier New" panose="02070309020205020404" pitchFamily="49" charset="0"/>
+                <a:cs typeface="Courier New" panose="02070309020205020404" pitchFamily="49" charset="0"/>
+              </a:rPr>
+              <a:t>        | ELSE | TIMEOUT | TRUE | FALSE</a:t>
+            </a:r>
+          </a:p>
+          <a:p>
+            <a:r>
+              <a:rPr lang="en-US" sz="1200" b="1" dirty="0">
+                <a:latin typeface="Courier New" panose="02070309020205020404" pitchFamily="49" charset="0"/>
+                <a:cs typeface="Courier New" panose="02070309020205020404" pitchFamily="49" charset="0"/>
+              </a:rPr>
+              <a:t>        | NAME ‘@’ NAME  { $$ = $2; $$-&gt;</a:t>
+            </a:r>
+            <a:r>
+              <a:rPr lang="en-US" sz="1200" b="1" dirty="0" err="1">
+                <a:latin typeface="Courier New" panose="02070309020205020404" pitchFamily="49" charset="0"/>
+                <a:cs typeface="Courier New" panose="02070309020205020404" pitchFamily="49" charset="0"/>
+              </a:rPr>
               <a:t>attr</a:t>
             </a:r>
             <a:r>
@@ -8776,15 +12284,29 @@
                 <a:latin typeface="Courier New" panose="02070309020205020404" pitchFamily="49" charset="0"/>
                 <a:cs typeface="Courier New" panose="02070309020205020404" pitchFamily="49" charset="0"/>
               </a:rPr>
-              <a:t> = $3; }</a:t>
-            </a:r>
-          </a:p>
-          <a:p>
+              <a:t> = $1; $1-&gt;</a:t>
+            </a:r>
+            <a:r>
+              <a:rPr lang="en-US" sz="1200" b="1" dirty="0" err="1">
+                <a:latin typeface="Courier New" panose="02070309020205020404" pitchFamily="49" charset="0"/>
+                <a:cs typeface="Courier New" panose="02070309020205020404" pitchFamily="49" charset="0"/>
+              </a:rPr>
+              <a:t>attr</a:t>
+            </a:r>
             <a:r>
               <a:rPr lang="en-US" sz="1200" b="1" dirty="0">
                 <a:latin typeface="Courier New" panose="02070309020205020404" pitchFamily="49" charset="0"/>
                 <a:cs typeface="Courier New" panose="02070309020205020404" pitchFamily="49" charset="0"/>
               </a:rPr>
+              <a:t> = $2; }</a:t>
+            </a:r>
+          </a:p>
+          <a:p>
+            <a:r>
+              <a:rPr lang="en-US" sz="1200" b="1" dirty="0">
+                <a:latin typeface="Courier New" panose="02070309020205020404" pitchFamily="49" charset="0"/>
+                <a:cs typeface="Courier New" panose="02070309020205020404" pitchFamily="49" charset="0"/>
+              </a:rPr>
               <a:t>        | NAME ':' </a:t>
             </a:r>
             <a:r>
@@ -8849,94 +12371,13 @@
             </a:r>
           </a:p>
           <a:p>
-            <a:endParaRPr lang="en-US" sz="1200" b="1" dirty="0">
-              <a:latin typeface="Courier New" panose="02070309020205020404" pitchFamily="49" charset="0"/>
-              <a:cs typeface="Courier New" panose="02070309020205020404" pitchFamily="49" charset="0"/>
-            </a:endParaRPr>
-          </a:p>
-          <a:p>
-            <a:r>
-              <a:rPr lang="en-US" sz="1200" b="1" dirty="0" err="1">
-                <a:latin typeface="Courier New" panose="02070309020205020404" pitchFamily="49" charset="0"/>
-                <a:cs typeface="Courier New" panose="02070309020205020404" pitchFamily="49" charset="0"/>
-              </a:rPr>
-              <a:t>args</a:t>
-            </a:r>
             <a:r>
               <a:rPr lang="en-US" sz="1200" b="1" dirty="0">
                 <a:latin typeface="Courier New" panose="02070309020205020404" pitchFamily="49" charset="0"/>
                 <a:cs typeface="Courier New" panose="02070309020205020404" pitchFamily="49" charset="0"/>
               </a:rPr>
-              <a:t>    : /* none */      { $$ =  0; }</a:t>
-            </a:r>
-          </a:p>
-          <a:p>
-            <a:r>
-              <a:rPr lang="en-US" sz="1200" b="1" dirty="0">
-                <a:latin typeface="Courier New" panose="02070309020205020404" pitchFamily="49" charset="0"/>
-                <a:cs typeface="Courier New" panose="02070309020205020404" pitchFamily="49" charset="0"/>
-              </a:rPr>
-              <a:t>        | NUMBER          { $$ = $1; }</a:t>
-            </a:r>
-          </a:p>
-          <a:p>
-            <a:r>
-              <a:rPr lang="en-US" sz="1200" b="1" dirty="0">
-                <a:latin typeface="Courier New" panose="02070309020205020404" pitchFamily="49" charset="0"/>
-                <a:cs typeface="Courier New" panose="02070309020205020404" pitchFamily="49" charset="0"/>
-              </a:rPr>
-              <a:t>        | NUMBER ',' </a:t>
-            </a:r>
-            <a:r>
-              <a:rPr lang="en-US" sz="1200" b="1" dirty="0" err="1">
-                <a:latin typeface="Courier New" panose="02070309020205020404" pitchFamily="49" charset="0"/>
-                <a:cs typeface="Courier New" panose="02070309020205020404" pitchFamily="49" charset="0"/>
-              </a:rPr>
-              <a:t>args</a:t>
-            </a:r>
-            <a:r>
-              <a:rPr lang="en-US" sz="1200" b="1" dirty="0">
-                <a:latin typeface="Courier New" panose="02070309020205020404" pitchFamily="49" charset="0"/>
-                <a:cs typeface="Courier New" panose="02070309020205020404" pitchFamily="49" charset="0"/>
-              </a:rPr>
-              <a:t> { $$-&gt;</a:t>
-            </a:r>
-            <a:r>
-              <a:rPr lang="en-US" sz="1200" b="1" dirty="0" err="1">
-                <a:latin typeface="Courier New" panose="02070309020205020404" pitchFamily="49" charset="0"/>
-                <a:cs typeface="Courier New" panose="02070309020205020404" pitchFamily="49" charset="0"/>
-              </a:rPr>
-              <a:t>attr</a:t>
-            </a:r>
-            <a:r>
-              <a:rPr lang="en-US" sz="1200" b="1" dirty="0">
-                <a:latin typeface="Courier New" panose="02070309020205020404" pitchFamily="49" charset="0"/>
-                <a:cs typeface="Courier New" panose="02070309020205020404" pitchFamily="49" charset="0"/>
-              </a:rPr>
-              <a:t> = $3; }</a:t>
-            </a:r>
-          </a:p>
-          <a:p>
-            <a:r>
-              <a:rPr lang="en-US" sz="1200" b="1" dirty="0">
-                <a:latin typeface="Courier New" panose="02070309020205020404" pitchFamily="49" charset="0"/>
-                <a:cs typeface="Courier New" panose="02070309020205020404" pitchFamily="49" charset="0"/>
-              </a:rPr>
-              <a:t>        ;</a:t>
-            </a:r>
-          </a:p>
-          <a:p>
-            <a:r>
-              <a:rPr lang="en-US" sz="1200" b="1" dirty="0" smtClean="0">
-                <a:latin typeface="Courier New" panose="02070309020205020404" pitchFamily="49" charset="0"/>
-                <a:cs typeface="Courier New" panose="02070309020205020404" pitchFamily="49" charset="0"/>
-              </a:rPr>
               <a:t>%%</a:t>
             </a:r>
-            <a:endParaRPr lang="en-US" sz="1200" b="1" dirty="0">
-              <a:latin typeface="Courier New" panose="02070309020205020404" pitchFamily="49" charset="0"/>
-              <a:cs typeface="Courier New" panose="02070309020205020404" pitchFamily="49" charset="0"/>
-            </a:endParaRPr>
           </a:p>
         </p:txBody>
       </p:sp>
@@ -8951,7 +12392,7 @@
         <p:spPr>
           <a:xfrm>
             <a:off x="244700" y="274637"/>
-            <a:ext cx="2331076" cy="2856870"/>
+            <a:ext cx="2331076" cy="1968501"/>
           </a:xfrm>
           <a:prstGeom prst="rect">
             <a:avLst/>
@@ -8959,7 +12400,7 @@
         </p:spPr>
         <p:txBody>
           <a:bodyPr vert="horz" lIns="91440" tIns="45720" rIns="91440" bIns="45720" rtlCol="0" anchor="ctr">
-            <a:normAutofit fontScale="90000" lnSpcReduction="10000"/>
+            <a:normAutofit fontScale="97500"/>
           </a:bodyPr>
           <a:lstStyle>
             <a:lvl1pPr algn="ctr" defTabSz="914400" rtl="0" eaLnBrk="1" latinLnBrk="0" hangingPunct="1">
@@ -8980,34 +12421,43 @@
           <a:p>
             <a:pPr algn="l"/>
             <a:r>
-              <a:rPr lang="en-US" sz="4000" dirty="0" smtClean="0">
+              <a:rPr lang="en-US" sz="4000" dirty="0">
                 <a:solidFill>
                   <a:schemeClr val="tx2"/>
                 </a:solidFill>
               </a:rPr>
-              <a:t>adding functions </a:t>
-            </a:r>
-            <a:r>
-              <a:rPr lang="en-US" sz="3100" dirty="0" smtClean="0">
+              <a:t>2nd parser</a:t>
+            </a:r>
+          </a:p>
+          <a:p>
+            <a:pPr algn="l"/>
+            <a:r>
+              <a:rPr lang="en-US" sz="2500" dirty="0" err="1">
                 <a:solidFill>
-                  <a:schemeClr val="bg1">
-                    <a:lumMod val="50000"/>
-                  </a:schemeClr>
+                  <a:schemeClr val="tx2"/>
                 </a:solidFill>
               </a:rPr>
-              <a:t>(and data)</a:t>
-            </a:r>
+              <a:t>parse.y</a:t>
+            </a:r>
+            <a:r>
+              <a:rPr lang="en-US" sz="2500" dirty="0">
+                <a:solidFill>
+                  <a:schemeClr val="tx2"/>
+                </a:solidFill>
+              </a:rPr>
+              <a:t> (45 lines)</a:t>
+            </a:r>
+            <a:endParaRPr lang="en-US" sz="2100" dirty="0">
+              <a:solidFill>
+                <a:schemeClr val="tx2">
+                  <a:lumMod val="75000"/>
+                </a:schemeClr>
+              </a:solidFill>
+            </a:endParaRPr>
           </a:p>
           <a:p>
             <a:pPr algn="l"/>
             <a:endParaRPr lang="en-US" sz="3400" dirty="0"/>
-          </a:p>
-          <a:p>
-            <a:pPr algn="l"/>
-            <a:r>
-              <a:rPr lang="en-US" sz="3400" dirty="0" smtClean="0"/>
-              <a:t>by replacing the parser</a:t>
-            </a:r>
           </a:p>
         </p:txBody>
       </p:sp>
@@ -9019,8 +12469,8 @@
         </p:nvSpPr>
         <p:spPr>
           <a:xfrm>
-            <a:off x="2575776" y="4659682"/>
-            <a:ext cx="2747786" cy="300625"/>
+            <a:off x="2204527" y="4758547"/>
+            <a:ext cx="2367473" cy="300625"/>
           </a:xfrm>
           <a:prstGeom prst="rect">
             <a:avLst/>
@@ -9081,36 +12531,27 @@
           <a:lstStyle/>
           <a:p>
             <a:r>
-              <a:rPr lang="en-US" dirty="0" smtClean="0"/>
-              <a:t>replace</a:t>
-            </a:r>
-          </a:p>
-          <a:p>
-            <a:r>
-              <a:rPr lang="en-US" dirty="0" smtClean="0"/>
+              <a:rPr lang="en-US" dirty="0"/>
+              <a:t>replaces</a:t>
+            </a:r>
+          </a:p>
+          <a:p>
+            <a:r>
+              <a:rPr lang="en-US" dirty="0"/>
               <a:t>predefined primitives</a:t>
             </a:r>
           </a:p>
           <a:p>
             <a:r>
-              <a:rPr lang="en-US" dirty="0" smtClean="0"/>
-              <a:t>with</a:t>
-            </a:r>
-            <a:r>
               <a:rPr lang="en-US" dirty="0"/>
-              <a:t> </a:t>
-            </a:r>
-            <a:r>
-              <a:rPr lang="en-US" dirty="0" smtClean="0"/>
-              <a:t>user-defined</a:t>
-            </a:r>
-          </a:p>
-          <a:p>
-            <a:r>
-              <a:rPr lang="en-US" dirty="0" smtClean="0"/>
-              <a:t>functions:</a:t>
-            </a:r>
-            <a:endParaRPr lang="en-US" dirty="0"/>
+              <a:t>with user-defined</a:t>
+            </a:r>
+          </a:p>
+          <a:p>
+            <a:r>
+              <a:rPr lang="en-US" dirty="0"/>
+              <a:t>C functions:</a:t>
+            </a:r>
           </a:p>
         </p:txBody>
       </p:sp>
@@ -9118,6 +12559,7 @@
         <p:nvCxnSpPr>
           <p:cNvPr id="9" name="Straight Connector 8"/>
           <p:cNvCxnSpPr>
+            <a:cxnSpLocks/>
             <a:stCxn id="7" idx="2"/>
             <a:endCxn id="6" idx="1"/>
           </p:cNvCxnSpPr>
@@ -9126,7 +12568,7 @@
         <p:spPr>
           <a:xfrm>
             <a:off x="1476405" y="4510141"/>
-            <a:ext cx="1099371" cy="299854"/>
+            <a:ext cx="728122" cy="398719"/>
           </a:xfrm>
           <a:prstGeom prst="line">
             <a:avLst/>
@@ -9153,335 +12595,13 @@
     </p:spTree>
     <p:extLst>
       <p:ext uri="{BB962C8B-B14F-4D97-AF65-F5344CB8AC3E}">
-        <p14:creationId xmlns:p14="http://schemas.microsoft.com/office/powerpoint/2010/main" val="476134130"/>
+        <p14:creationId xmlns:p14="http://schemas.microsoft.com/office/powerpoint/2010/main" val="3634616758"/>
       </p:ext>
     </p:extLst>
   </p:cSld>
   <p:clrMapOvr>
     <a:masterClrMapping/>
   </p:clrMapOvr>
-  <p:timing>
-    <p:tnLst>
-      <p:par>
-        <p:cTn id="1" dur="indefinite" restart="never" nodeType="tmRoot"/>
-      </p:par>
-    </p:tnLst>
-  </p:timing>
-</p:sld>
-</file>
-
-<file path=ppt/slides/slide9.xml><?xml version="1.0" encoding="utf-8"?>
-<p:sld xmlns:a="http://schemas.openxmlformats.org/drawingml/2006/main" xmlns:r="http://schemas.openxmlformats.org/officeDocument/2006/relationships" xmlns:p="http://schemas.openxmlformats.org/presentationml/2006/main">
-  <p:cSld>
-    <p:spTree>
-      <p:nvGrpSpPr>
-        <p:cNvPr id="1" name=""/>
-        <p:cNvGrpSpPr/>
-        <p:nvPr/>
-      </p:nvGrpSpPr>
-      <p:grpSpPr>
-        <a:xfrm>
-          <a:off x="0" y="0"/>
-          <a:ext cx="0" cy="0"/>
-          <a:chOff x="0" y="0"/>
-          <a:chExt cx="0" cy="0"/>
-        </a:xfrm>
-      </p:grpSpPr>
-      <p:sp>
-        <p:nvSpPr>
-          <p:cNvPr id="2" name="Title 1"/>
-          <p:cNvSpPr>
-            <a:spLocks noGrp="1"/>
-          </p:cNvSpPr>
-          <p:nvPr>
-            <p:ph type="title"/>
-          </p:nvPr>
-        </p:nvSpPr>
-        <p:spPr/>
-        <p:txBody>
-          <a:bodyPr>
-            <a:normAutofit/>
-          </a:bodyPr>
-          <a:lstStyle/>
-          <a:p>
-            <a:r>
-              <a:rPr lang="en-US" dirty="0" smtClean="0">
-                <a:solidFill>
-                  <a:schemeClr val="tx2"/>
-                </a:solidFill>
-              </a:rPr>
-              <a:t>alternating bit with C functions</a:t>
-            </a:r>
-            <a:endParaRPr lang="en-US" dirty="0">
-              <a:solidFill>
-                <a:schemeClr val="tx2"/>
-              </a:solidFill>
-            </a:endParaRPr>
-          </a:p>
-        </p:txBody>
-      </p:sp>
-      <p:sp>
-        <p:nvSpPr>
-          <p:cNvPr id="3" name="TextBox 2"/>
-          <p:cNvSpPr txBox="1"/>
-          <p:nvPr/>
-        </p:nvSpPr>
-        <p:spPr>
-          <a:xfrm>
-            <a:off x="651353" y="1603332"/>
-            <a:ext cx="6112571" cy="4524315"/>
-          </a:xfrm>
-          <a:prstGeom prst="rect">
-            <a:avLst/>
-          </a:prstGeom>
-          <a:solidFill>
-            <a:schemeClr val="bg1"/>
-          </a:solidFill>
-          <a:ln>
-            <a:solidFill>
-              <a:schemeClr val="bg1">
-                <a:lumMod val="95000"/>
-              </a:schemeClr>
-            </a:solidFill>
-          </a:ln>
-          <a:effectLst>
-            <a:outerShdw blurRad="342900" dist="165100" dir="2700000" algn="tl" rotWithShape="0">
-              <a:prstClr val="black">
-                <a:alpha val="40000"/>
-              </a:prstClr>
-            </a:outerShdw>
-          </a:effectLst>
-        </p:spPr>
-        <p:txBody>
-          <a:bodyPr wrap="none" rtlCol="0">
-            <a:spAutoFit/>
-          </a:bodyPr>
-          <a:lstStyle/>
-          <a:p>
-            <a:r>
-              <a:rPr lang="pt-BR" b="1" dirty="0" smtClean="0">
-                <a:latin typeface="Courier New" panose="02070309020205020404" pitchFamily="49" charset="0"/>
-                <a:cs typeface="Courier New" panose="02070309020205020404" pitchFamily="49" charset="0"/>
-              </a:rPr>
-              <a:t>constant </a:t>
-            </a:r>
-            <a:r>
-              <a:rPr lang="pt-BR" b="1" dirty="0">
-                <a:latin typeface="Courier New" panose="02070309020205020404" pitchFamily="49" charset="0"/>
-                <a:cs typeface="Courier New" panose="02070309020205020404" pitchFamily="49" charset="0"/>
-              </a:rPr>
-              <a:t>s2r, r2s, Msg, Ack</a:t>
-            </a:r>
-          </a:p>
-          <a:p>
-            <a:endParaRPr lang="en-US" b="1" dirty="0">
-              <a:latin typeface="Courier New" panose="02070309020205020404" pitchFamily="49" charset="0"/>
-              <a:cs typeface="Courier New" panose="02070309020205020404" pitchFamily="49" charset="0"/>
-            </a:endParaRPr>
-          </a:p>
-          <a:p>
-            <a:r>
-              <a:rPr lang="en-US" b="1" dirty="0">
-                <a:latin typeface="Courier New" panose="02070309020205020404" pitchFamily="49" charset="0"/>
-                <a:cs typeface="Courier New" panose="02070309020205020404" pitchFamily="49" charset="0"/>
-              </a:rPr>
-              <a:t>process sender</a:t>
-            </a:r>
-          </a:p>
-          <a:p>
-            <a:r>
-              <a:rPr lang="en-US" b="1" dirty="0">
-                <a:latin typeface="Courier New" panose="02070309020205020404" pitchFamily="49" charset="0"/>
-                <a:cs typeface="Courier New" panose="02070309020205020404" pitchFamily="49" charset="0"/>
-              </a:rPr>
-              <a:t>{</a:t>
-            </a:r>
-          </a:p>
-          <a:p>
-            <a:r>
-              <a:rPr lang="pt-BR" b="1" dirty="0">
-                <a:latin typeface="Courier New" panose="02070309020205020404" pitchFamily="49" charset="0"/>
-                <a:cs typeface="Courier New" panose="02070309020205020404" pitchFamily="49" charset="0"/>
-              </a:rPr>
-              <a:t>s0:     snd(s2r, Msg, 0); rcv(r2s, Ack, 0);</a:t>
-            </a:r>
-          </a:p>
-          <a:p>
-            <a:r>
-              <a:rPr lang="pt-BR" b="1" dirty="0">
-                <a:latin typeface="Courier New" panose="02070309020205020404" pitchFamily="49" charset="0"/>
-                <a:cs typeface="Courier New" panose="02070309020205020404" pitchFamily="49" charset="0"/>
-              </a:rPr>
-              <a:t>        snd(s2r, Msg, 1); rcv(r2s, Ack, 1);</a:t>
-            </a:r>
-          </a:p>
-          <a:p>
-            <a:r>
-              <a:rPr lang="en-US" b="1" dirty="0">
-                <a:latin typeface="Courier New" panose="02070309020205020404" pitchFamily="49" charset="0"/>
-                <a:cs typeface="Courier New" panose="02070309020205020404" pitchFamily="49" charset="0"/>
-              </a:rPr>
-              <a:t>        next s0;</a:t>
-            </a:r>
-          </a:p>
-          <a:p>
-            <a:r>
-              <a:rPr lang="en-US" b="1" dirty="0">
-                <a:latin typeface="Courier New" panose="02070309020205020404" pitchFamily="49" charset="0"/>
-                <a:cs typeface="Courier New" panose="02070309020205020404" pitchFamily="49" charset="0"/>
-              </a:rPr>
-              <a:t>}</a:t>
-            </a:r>
-          </a:p>
-          <a:p>
-            <a:endParaRPr lang="en-US" b="1" dirty="0">
-              <a:latin typeface="Courier New" panose="02070309020205020404" pitchFamily="49" charset="0"/>
-              <a:cs typeface="Courier New" panose="02070309020205020404" pitchFamily="49" charset="0"/>
-            </a:endParaRPr>
-          </a:p>
-          <a:p>
-            <a:r>
-              <a:rPr lang="en-US" b="1" dirty="0">
-                <a:latin typeface="Courier New" panose="02070309020205020404" pitchFamily="49" charset="0"/>
-                <a:cs typeface="Courier New" panose="02070309020205020404" pitchFamily="49" charset="0"/>
-              </a:rPr>
-              <a:t>process receiver</a:t>
-            </a:r>
-          </a:p>
-          <a:p>
-            <a:r>
-              <a:rPr lang="en-US" b="1" dirty="0">
-                <a:latin typeface="Courier New" panose="02070309020205020404" pitchFamily="49" charset="0"/>
-                <a:cs typeface="Courier New" panose="02070309020205020404" pitchFamily="49" charset="0"/>
-              </a:rPr>
-              <a:t>{</a:t>
-            </a:r>
-          </a:p>
-          <a:p>
-            <a:r>
-              <a:rPr lang="pt-BR" b="1" dirty="0">
-                <a:latin typeface="Courier New" panose="02070309020205020404" pitchFamily="49" charset="0"/>
-                <a:cs typeface="Courier New" panose="02070309020205020404" pitchFamily="49" charset="0"/>
-              </a:rPr>
-              <a:t>s0:     rcv(s2r, Msg, 0); snd(r2s, Ack, 0);</a:t>
-            </a:r>
-          </a:p>
-          <a:p>
-            <a:r>
-              <a:rPr lang="pt-BR" b="1" dirty="0">
-                <a:latin typeface="Courier New" panose="02070309020205020404" pitchFamily="49" charset="0"/>
-                <a:cs typeface="Courier New" panose="02070309020205020404" pitchFamily="49" charset="0"/>
-              </a:rPr>
-              <a:t>        rcv(s2r, Msg, 1); snd(r2s, Ack, 1);</a:t>
-            </a:r>
-          </a:p>
-          <a:p>
-            <a:r>
-              <a:rPr lang="en-US" b="1" dirty="0">
-                <a:latin typeface="Courier New" panose="02070309020205020404" pitchFamily="49" charset="0"/>
-                <a:cs typeface="Courier New" panose="02070309020205020404" pitchFamily="49" charset="0"/>
-              </a:rPr>
-              <a:t>        next s0;</a:t>
-            </a:r>
-          </a:p>
-          <a:p>
-            <a:r>
-              <a:rPr lang="en-US" b="1" dirty="0" smtClean="0">
-                <a:latin typeface="Courier New" panose="02070309020205020404" pitchFamily="49" charset="0"/>
-                <a:cs typeface="Courier New" panose="02070309020205020404" pitchFamily="49" charset="0"/>
-              </a:rPr>
-              <a:t>}</a:t>
-            </a:r>
-            <a:endParaRPr lang="en-US" b="1" dirty="0">
-              <a:latin typeface="Courier New" panose="02070309020205020404" pitchFamily="49" charset="0"/>
-              <a:cs typeface="Courier New" panose="02070309020205020404" pitchFamily="49" charset="0"/>
-            </a:endParaRPr>
-          </a:p>
-          <a:p>
-            <a:r>
-              <a:rPr lang="en-US" b="1" dirty="0" smtClean="0">
-                <a:solidFill>
-                  <a:schemeClr val="tx2"/>
-                </a:solidFill>
-                <a:latin typeface="Courier New" panose="02070309020205020404" pitchFamily="49" charset="0"/>
-                <a:cs typeface="Courier New" panose="02070309020205020404" pitchFamily="49" charset="0"/>
-              </a:rPr>
-              <a:t>%%</a:t>
-            </a:r>
-            <a:endParaRPr lang="en-US" b="1" dirty="0">
-              <a:solidFill>
-                <a:schemeClr val="tx2"/>
-              </a:solidFill>
-              <a:latin typeface="Courier New" panose="02070309020205020404" pitchFamily="49" charset="0"/>
-              <a:cs typeface="Courier New" panose="02070309020205020404" pitchFamily="49" charset="0"/>
-            </a:endParaRPr>
-          </a:p>
-        </p:txBody>
-      </p:sp>
-      <p:sp>
-        <p:nvSpPr>
-          <p:cNvPr id="4" name="Rectangle 3"/>
-          <p:cNvSpPr/>
-          <p:nvPr/>
-        </p:nvSpPr>
-        <p:spPr>
-          <a:xfrm>
-            <a:off x="413359" y="5686816"/>
-            <a:ext cx="1014608" cy="440831"/>
-          </a:xfrm>
-          <a:prstGeom prst="rect">
-            <a:avLst/>
-          </a:prstGeom>
-          <a:noFill/>
-          <a:ln>
-            <a:solidFill>
-              <a:srgbClr val="FF0000"/>
-            </a:solidFill>
-            <a:prstDash val="lgDash"/>
-          </a:ln>
-        </p:spPr>
-        <p:style>
-          <a:lnRef idx="2">
-            <a:schemeClr val="accent1">
-              <a:shade val="50000"/>
-            </a:schemeClr>
-          </a:lnRef>
-          <a:fillRef idx="1">
-            <a:schemeClr val="accent1"/>
-          </a:fillRef>
-          <a:effectRef idx="0">
-            <a:schemeClr val="accent1"/>
-          </a:effectRef>
-          <a:fontRef idx="minor">
-            <a:schemeClr val="lt1"/>
-          </a:fontRef>
-        </p:style>
-        <p:txBody>
-          <a:bodyPr rtlCol="0" anchor="ctr"/>
-          <a:lstStyle/>
-          <a:p>
-            <a:pPr algn="ctr"/>
-            <a:endParaRPr lang="en-US"/>
-          </a:p>
-        </p:txBody>
-      </p:sp>
-    </p:spTree>
-    <p:extLst>
-      <p:ext uri="{BB962C8B-B14F-4D97-AF65-F5344CB8AC3E}">
-        <p14:creationId xmlns:p14="http://schemas.microsoft.com/office/powerpoint/2010/main" val="4066928370"/>
-      </p:ext>
-    </p:extLst>
-  </p:cSld>
-  <p:clrMapOvr>
-    <a:masterClrMapping/>
-  </p:clrMapOvr>
-  <p:timing>
-    <p:tnLst>
-      <p:par>
-        <p:cTn id="1" dur="indefinite" restart="never" nodeType="tmRoot"/>
-      </p:par>
-    </p:tnLst>
-  </p:timing>
 </p:sld>
 </file>
 
